--- a/SamPresentation.pptx
+++ b/SamPresentation.pptx
@@ -296,7 +296,8 @@
           <a:p>
             <a:fld id="{F5171E49-61C0-4B63-A2BA-8260F4CF6852}" type="datetimeFigureOut">
               <a:rPr lang="en-US" smtClean="0"/>
-              <a:t>4/19/2011</a:t>
+              <a:pPr/>
+              <a:t>4/20/2011</a:t>
             </a:fld>
             <a:endParaRPr lang="en-US"/>
           </a:p>
@@ -338,6 +339,7 @@
           <a:p>
             <a:fld id="{9D4DBCAF-AB58-4772-8482-8241D0C927CE}" type="slidenum">
               <a:rPr lang="en-US" smtClean="0"/>
+              <a:pPr/>
               <a:t>‹#›</a:t>
             </a:fld>
             <a:endParaRPr lang="en-US"/>
@@ -461,7 +463,8 @@
           <a:p>
             <a:fld id="{F5171E49-61C0-4B63-A2BA-8260F4CF6852}" type="datetimeFigureOut">
               <a:rPr lang="en-US" smtClean="0"/>
-              <a:t>4/19/2011</a:t>
+              <a:pPr/>
+              <a:t>4/20/2011</a:t>
             </a:fld>
             <a:endParaRPr lang="en-US"/>
           </a:p>
@@ -503,6 +506,7 @@
           <a:p>
             <a:fld id="{9D4DBCAF-AB58-4772-8482-8241D0C927CE}" type="slidenum">
               <a:rPr lang="en-US" smtClean="0"/>
+              <a:pPr/>
               <a:t>‹#›</a:t>
             </a:fld>
             <a:endParaRPr lang="en-US"/>
@@ -636,7 +640,8 @@
           <a:p>
             <a:fld id="{F5171E49-61C0-4B63-A2BA-8260F4CF6852}" type="datetimeFigureOut">
               <a:rPr lang="en-US" smtClean="0"/>
-              <a:t>4/19/2011</a:t>
+              <a:pPr/>
+              <a:t>4/20/2011</a:t>
             </a:fld>
             <a:endParaRPr lang="en-US"/>
           </a:p>
@@ -678,6 +683,7 @@
           <a:p>
             <a:fld id="{9D4DBCAF-AB58-4772-8482-8241D0C927CE}" type="slidenum">
               <a:rPr lang="en-US" smtClean="0"/>
+              <a:pPr/>
               <a:t>‹#›</a:t>
             </a:fld>
             <a:endParaRPr lang="en-US"/>
@@ -801,7 +807,8 @@
           <a:p>
             <a:fld id="{F5171E49-61C0-4B63-A2BA-8260F4CF6852}" type="datetimeFigureOut">
               <a:rPr lang="en-US" smtClean="0"/>
-              <a:t>4/19/2011</a:t>
+              <a:pPr/>
+              <a:t>4/20/2011</a:t>
             </a:fld>
             <a:endParaRPr lang="en-US"/>
           </a:p>
@@ -843,6 +850,7 @@
           <a:p>
             <a:fld id="{9D4DBCAF-AB58-4772-8482-8241D0C927CE}" type="slidenum">
               <a:rPr lang="en-US" smtClean="0"/>
+              <a:pPr/>
               <a:t>‹#›</a:t>
             </a:fld>
             <a:endParaRPr lang="en-US"/>
@@ -1042,7 +1050,8 @@
           <a:p>
             <a:fld id="{F5171E49-61C0-4B63-A2BA-8260F4CF6852}" type="datetimeFigureOut">
               <a:rPr lang="en-US" smtClean="0"/>
-              <a:t>4/19/2011</a:t>
+              <a:pPr/>
+              <a:t>4/20/2011</a:t>
             </a:fld>
             <a:endParaRPr lang="en-US"/>
           </a:p>
@@ -1084,6 +1093,7 @@
           <a:p>
             <a:fld id="{9D4DBCAF-AB58-4772-8482-8241D0C927CE}" type="slidenum">
               <a:rPr lang="en-US" smtClean="0"/>
+              <a:pPr/>
               <a:t>‹#›</a:t>
             </a:fld>
             <a:endParaRPr lang="en-US"/>
@@ -1325,7 +1335,8 @@
           <a:p>
             <a:fld id="{F5171E49-61C0-4B63-A2BA-8260F4CF6852}" type="datetimeFigureOut">
               <a:rPr lang="en-US" smtClean="0"/>
-              <a:t>4/19/2011</a:t>
+              <a:pPr/>
+              <a:t>4/20/2011</a:t>
             </a:fld>
             <a:endParaRPr lang="en-US"/>
           </a:p>
@@ -1367,6 +1378,7 @@
           <a:p>
             <a:fld id="{9D4DBCAF-AB58-4772-8482-8241D0C927CE}" type="slidenum">
               <a:rPr lang="en-US" smtClean="0"/>
+              <a:pPr/>
               <a:t>‹#›</a:t>
             </a:fld>
             <a:endParaRPr lang="en-US"/>
@@ -1742,7 +1754,8 @@
           <a:p>
             <a:fld id="{F5171E49-61C0-4B63-A2BA-8260F4CF6852}" type="datetimeFigureOut">
               <a:rPr lang="en-US" smtClean="0"/>
-              <a:t>4/19/2011</a:t>
+              <a:pPr/>
+              <a:t>4/20/2011</a:t>
             </a:fld>
             <a:endParaRPr lang="en-US"/>
           </a:p>
@@ -1784,6 +1797,7 @@
           <a:p>
             <a:fld id="{9D4DBCAF-AB58-4772-8482-8241D0C927CE}" type="slidenum">
               <a:rPr lang="en-US" smtClean="0"/>
+              <a:pPr/>
               <a:t>‹#›</a:t>
             </a:fld>
             <a:endParaRPr lang="en-US"/>
@@ -1855,7 +1869,8 @@
           <a:p>
             <a:fld id="{F5171E49-61C0-4B63-A2BA-8260F4CF6852}" type="datetimeFigureOut">
               <a:rPr lang="en-US" smtClean="0"/>
-              <a:t>4/19/2011</a:t>
+              <a:pPr/>
+              <a:t>4/20/2011</a:t>
             </a:fld>
             <a:endParaRPr lang="en-US"/>
           </a:p>
@@ -1897,6 +1912,7 @@
           <a:p>
             <a:fld id="{9D4DBCAF-AB58-4772-8482-8241D0C927CE}" type="slidenum">
               <a:rPr lang="en-US" smtClean="0"/>
+              <a:pPr/>
               <a:t>‹#›</a:t>
             </a:fld>
             <a:endParaRPr lang="en-US"/>
@@ -1945,7 +1961,8 @@
           <a:p>
             <a:fld id="{F5171E49-61C0-4B63-A2BA-8260F4CF6852}" type="datetimeFigureOut">
               <a:rPr lang="en-US" smtClean="0"/>
-              <a:t>4/19/2011</a:t>
+              <a:pPr/>
+              <a:t>4/20/2011</a:t>
             </a:fld>
             <a:endParaRPr lang="en-US"/>
           </a:p>
@@ -1987,6 +2004,7 @@
           <a:p>
             <a:fld id="{9D4DBCAF-AB58-4772-8482-8241D0C927CE}" type="slidenum">
               <a:rPr lang="en-US" smtClean="0"/>
+              <a:pPr/>
               <a:t>‹#›</a:t>
             </a:fld>
             <a:endParaRPr lang="en-US"/>
@@ -2217,7 +2235,8 @@
           <a:p>
             <a:fld id="{F5171E49-61C0-4B63-A2BA-8260F4CF6852}" type="datetimeFigureOut">
               <a:rPr lang="en-US" smtClean="0"/>
-              <a:t>4/19/2011</a:t>
+              <a:pPr/>
+              <a:t>4/20/2011</a:t>
             </a:fld>
             <a:endParaRPr lang="en-US"/>
           </a:p>
@@ -2259,6 +2278,7 @@
           <a:p>
             <a:fld id="{9D4DBCAF-AB58-4772-8482-8241D0C927CE}" type="slidenum">
               <a:rPr lang="en-US" smtClean="0"/>
+              <a:pPr/>
               <a:t>‹#›</a:t>
             </a:fld>
             <a:endParaRPr lang="en-US"/>
@@ -2465,7 +2485,8 @@
           <a:p>
             <a:fld id="{F5171E49-61C0-4B63-A2BA-8260F4CF6852}" type="datetimeFigureOut">
               <a:rPr lang="en-US" smtClean="0"/>
-              <a:t>4/19/2011</a:t>
+              <a:pPr/>
+              <a:t>4/20/2011</a:t>
             </a:fld>
             <a:endParaRPr lang="en-US"/>
           </a:p>
@@ -2507,6 +2528,7 @@
           <a:p>
             <a:fld id="{9D4DBCAF-AB58-4772-8482-8241D0C927CE}" type="slidenum">
               <a:rPr lang="en-US" smtClean="0"/>
+              <a:pPr/>
               <a:t>‹#›</a:t>
             </a:fld>
             <a:endParaRPr lang="en-US"/>
@@ -2673,7 +2695,8 @@
           <a:p>
             <a:fld id="{F5171E49-61C0-4B63-A2BA-8260F4CF6852}" type="datetimeFigureOut">
               <a:rPr lang="en-US" smtClean="0"/>
-              <a:t>4/19/2011</a:t>
+              <a:pPr/>
+              <a:t>4/20/2011</a:t>
             </a:fld>
             <a:endParaRPr lang="en-US"/>
           </a:p>
@@ -2751,6 +2774,7 @@
           <a:p>
             <a:fld id="{9D4DBCAF-AB58-4772-8482-8241D0C927CE}" type="slidenum">
               <a:rPr lang="en-US" smtClean="0"/>
+              <a:pPr/>
               <a:t>‹#›</a:t>
             </a:fld>
             <a:endParaRPr lang="en-US"/>
@@ -3367,10 +3391,15 @@
             <p:ph idx="1"/>
           </p:nvPr>
         </p:nvSpPr>
-        <p:spPr/>
+        <p:spPr>
+          <a:xfrm>
+            <a:off x="457200" y="1600200"/>
+            <a:ext cx="8229600" cy="4800600"/>
+          </a:xfrm>
+        </p:spPr>
         <p:txBody>
           <a:bodyPr>
-            <a:normAutofit/>
+            <a:normAutofit fontScale="92500" lnSpcReduction="20000"/>
           </a:bodyPr>
           <a:lstStyle/>
           <a:p>
@@ -3400,18 +3429,18 @@
             <a:pPr lvl="1"/>
             <a:r>
               <a:rPr lang="en-US" dirty="0" smtClean="0"/>
-              <a:t>Helps with Ajax requests</a:t>
+              <a:t>Helps with Ajax </a:t>
+            </a:r>
+            <a:r>
+              <a:rPr lang="en-US" dirty="0" smtClean="0"/>
+              <a:t>requests and event handling</a:t>
             </a:r>
             <a:endParaRPr lang="en-US" dirty="0"/>
           </a:p>
           <a:p>
             <a:r>
-              <a:rPr lang="en-US" dirty="0" err="1"/>
-              <a:t>B</a:t>
-            </a:r>
-            <a:r>
               <a:rPr lang="en-US" dirty="0" err="1" smtClean="0"/>
-              <a:t>lockUI</a:t>
+              <a:t>BlockUI</a:t>
             </a:r>
             <a:r>
               <a:rPr lang="en-US" dirty="0" smtClean="0"/>
@@ -3435,15 +3464,58 @@
             <a:pPr lvl="1"/>
             <a:r>
               <a:rPr lang="en-US" dirty="0" smtClean="0"/>
-              <a:t>Simulate synchronous Ajax behavior without locking the browser</a:t>
+              <a:t>Simulate synchronous Ajax behavior without locking the </a:t>
+            </a:r>
+            <a:r>
+              <a:rPr lang="en-US" dirty="0" smtClean="0"/>
+              <a:t>browser</a:t>
             </a:r>
           </a:p>
           <a:p>
             <a:pPr lvl="1"/>
             <a:r>
               <a:rPr lang="en-US" dirty="0" smtClean="0"/>
-              <a:t>http://jquery.malsup.com/block/</a:t>
-            </a:r>
+              <a:t>http://jquery.malsup.com/block</a:t>
+            </a:r>
+            <a:r>
+              <a:rPr lang="en-US" dirty="0" smtClean="0"/>
+              <a:t>/</a:t>
+            </a:r>
+            <a:endParaRPr lang="en-US" dirty="0" smtClean="0"/>
+          </a:p>
+          <a:p>
+            <a:r>
+              <a:rPr lang="en-US" dirty="0" smtClean="0"/>
+              <a:t>Google-</a:t>
+            </a:r>
+            <a:r>
+              <a:rPr lang="en-US" dirty="0" err="1" smtClean="0"/>
+              <a:t>gson</a:t>
+            </a:r>
+            <a:endParaRPr lang="en-US" dirty="0" smtClean="0"/>
+          </a:p>
+          <a:p>
+            <a:pPr lvl="1"/>
+            <a:r>
+              <a:rPr lang="en-US" dirty="0" smtClean="0"/>
+              <a:t>Serialize Java Objects into JSON Objects</a:t>
+            </a:r>
+          </a:p>
+          <a:p>
+            <a:pPr lvl="1"/>
+            <a:r>
+              <a:rPr lang="en-US" dirty="0" smtClean="0"/>
+              <a:t>http://</a:t>
+            </a:r>
+            <a:r>
+              <a:rPr lang="en-US" dirty="0" smtClean="0"/>
+              <a:t>code.google.com/p/google-gson</a:t>
+            </a:r>
+            <a:r>
+              <a:rPr lang="en-US" dirty="0" smtClean="0"/>
+              <a:t>/</a:t>
+            </a:r>
+            <a:endParaRPr lang="en-US" dirty="0" smtClean="0"/>
           </a:p>
         </p:txBody>
       </p:sp>

--- a/SamPresentation.pptx
+++ b/SamPresentation.pptx
@@ -4,16 +4,21 @@
   <p:sldMasterIdLst>
     <p:sldMasterId id="2147483648" r:id="rId1"/>
   </p:sldMasterIdLst>
+  <p:notesMasterIdLst>
+    <p:notesMasterId r:id="rId13"/>
+  </p:notesMasterIdLst>
   <p:sldIdLst>
     <p:sldId id="261" r:id="rId2"/>
     <p:sldId id="260" r:id="rId3"/>
     <p:sldId id="258" r:id="rId4"/>
     <p:sldId id="259" r:id="rId5"/>
-    <p:sldId id="257" r:id="rId6"/>
-    <p:sldId id="262" r:id="rId7"/>
-    <p:sldId id="263" r:id="rId8"/>
-    <p:sldId id="264" r:id="rId9"/>
-    <p:sldId id="265" r:id="rId10"/>
+    <p:sldId id="266" r:id="rId6"/>
+    <p:sldId id="267" r:id="rId7"/>
+    <p:sldId id="257" r:id="rId8"/>
+    <p:sldId id="262" r:id="rId9"/>
+    <p:sldId id="263" r:id="rId10"/>
+    <p:sldId id="264" r:id="rId11"/>
+    <p:sldId id="265" r:id="rId12"/>
   </p:sldIdLst>
   <p:sldSz cx="9144000" cy="6858000" type="screen4x3"/>
   <p:notesSz cx="6858000" cy="9144000"/>
@@ -115,6 +120,551 @@
 </p:presentation>
 </file>
 
+<file path=ppt/notesMasters/notesMaster1.xml><?xml version="1.0" encoding="utf-8"?>
+<p:notesMaster xmlns:a="http://schemas.openxmlformats.org/drawingml/2006/main" xmlns:r="http://schemas.openxmlformats.org/officeDocument/2006/relationships" xmlns:p="http://schemas.openxmlformats.org/presentationml/2006/main">
+  <p:cSld>
+    <p:bg>
+      <p:bgRef idx="1001">
+        <a:schemeClr val="bg1"/>
+      </p:bgRef>
+    </p:bg>
+    <p:spTree>
+      <p:nvGrpSpPr>
+        <p:cNvPr id="1" name=""/>
+        <p:cNvGrpSpPr/>
+        <p:nvPr/>
+      </p:nvGrpSpPr>
+      <p:grpSpPr>
+        <a:xfrm>
+          <a:off x="0" y="0"/>
+          <a:ext cx="0" cy="0"/>
+          <a:chOff x="0" y="0"/>
+          <a:chExt cx="0" cy="0"/>
+        </a:xfrm>
+      </p:grpSpPr>
+      <p:sp>
+        <p:nvSpPr>
+          <p:cNvPr id="2" name="Header Placeholder 1"/>
+          <p:cNvSpPr>
+            <a:spLocks noGrp="1"/>
+          </p:cNvSpPr>
+          <p:nvPr>
+            <p:ph type="hdr" sz="quarter"/>
+          </p:nvPr>
+        </p:nvSpPr>
+        <p:spPr>
+          <a:xfrm>
+            <a:off x="0" y="0"/>
+            <a:ext cx="2971800" cy="457200"/>
+          </a:xfrm>
+          <a:prstGeom prst="rect">
+            <a:avLst/>
+          </a:prstGeom>
+        </p:spPr>
+        <p:txBody>
+          <a:bodyPr vert="horz" lIns="91440" tIns="45720" rIns="91440" bIns="45720" rtlCol="0"/>
+          <a:lstStyle>
+            <a:lvl1pPr algn="l">
+              <a:defRPr sz="1200"/>
+            </a:lvl1pPr>
+          </a:lstStyle>
+          <a:p>
+            <a:endParaRPr lang="en-US"/>
+          </a:p>
+        </p:txBody>
+      </p:sp>
+      <p:sp>
+        <p:nvSpPr>
+          <p:cNvPr id="3" name="Date Placeholder 2"/>
+          <p:cNvSpPr>
+            <a:spLocks noGrp="1"/>
+          </p:cNvSpPr>
+          <p:nvPr>
+            <p:ph type="dt" idx="1"/>
+          </p:nvPr>
+        </p:nvSpPr>
+        <p:spPr>
+          <a:xfrm>
+            <a:off x="3884613" y="0"/>
+            <a:ext cx="2971800" cy="457200"/>
+          </a:xfrm>
+          <a:prstGeom prst="rect">
+            <a:avLst/>
+          </a:prstGeom>
+        </p:spPr>
+        <p:txBody>
+          <a:bodyPr vert="horz" lIns="91440" tIns="45720" rIns="91440" bIns="45720" rtlCol="0"/>
+          <a:lstStyle>
+            <a:lvl1pPr algn="r">
+              <a:defRPr sz="1200"/>
+            </a:lvl1pPr>
+          </a:lstStyle>
+          <a:p>
+            <a:fld id="{6E61956B-DC5B-4979-9B06-748A0538A2C7}" type="datetimeFigureOut">
+              <a:rPr lang="en-US" smtClean="0"/>
+              <a:t>4/26/2011</a:t>
+            </a:fld>
+            <a:endParaRPr lang="en-US"/>
+          </a:p>
+        </p:txBody>
+      </p:sp>
+      <p:sp>
+        <p:nvSpPr>
+          <p:cNvPr id="4" name="Slide Image Placeholder 3"/>
+          <p:cNvSpPr>
+            <a:spLocks noGrp="1" noRot="1" noChangeAspect="1"/>
+          </p:cNvSpPr>
+          <p:nvPr>
+            <p:ph type="sldImg" idx="2"/>
+          </p:nvPr>
+        </p:nvSpPr>
+        <p:spPr>
+          <a:xfrm>
+            <a:off x="1143000" y="685800"/>
+            <a:ext cx="4572000" cy="3429000"/>
+          </a:xfrm>
+          <a:prstGeom prst="rect">
+            <a:avLst/>
+          </a:prstGeom>
+          <a:noFill/>
+          <a:ln w="12700">
+            <a:solidFill>
+              <a:prstClr val="black"/>
+            </a:solidFill>
+          </a:ln>
+        </p:spPr>
+        <p:txBody>
+          <a:bodyPr vert="horz" lIns="91440" tIns="45720" rIns="91440" bIns="45720" rtlCol="0" anchor="ctr"/>
+          <a:lstStyle/>
+          <a:p>
+            <a:endParaRPr lang="en-US"/>
+          </a:p>
+        </p:txBody>
+      </p:sp>
+      <p:sp>
+        <p:nvSpPr>
+          <p:cNvPr id="5" name="Notes Placeholder 4"/>
+          <p:cNvSpPr>
+            <a:spLocks noGrp="1"/>
+          </p:cNvSpPr>
+          <p:nvPr>
+            <p:ph type="body" sz="quarter" idx="3"/>
+          </p:nvPr>
+        </p:nvSpPr>
+        <p:spPr>
+          <a:xfrm>
+            <a:off x="685800" y="4343400"/>
+            <a:ext cx="5486400" cy="4114800"/>
+          </a:xfrm>
+          <a:prstGeom prst="rect">
+            <a:avLst/>
+          </a:prstGeom>
+        </p:spPr>
+        <p:txBody>
+          <a:bodyPr vert="horz" lIns="91440" tIns="45720" rIns="91440" bIns="45720" rtlCol="0">
+            <a:normAutofit/>
+          </a:bodyPr>
+          <a:lstStyle/>
+          <a:p>
+            <a:pPr lvl="0"/>
+            <a:r>
+              <a:rPr lang="en-US" smtClean="0"/>
+              <a:t>Click to edit Master text styles</a:t>
+            </a:r>
+          </a:p>
+          <a:p>
+            <a:pPr lvl="1"/>
+            <a:r>
+              <a:rPr lang="en-US" smtClean="0"/>
+              <a:t>Second level</a:t>
+            </a:r>
+          </a:p>
+          <a:p>
+            <a:pPr lvl="2"/>
+            <a:r>
+              <a:rPr lang="en-US" smtClean="0"/>
+              <a:t>Third level</a:t>
+            </a:r>
+          </a:p>
+          <a:p>
+            <a:pPr lvl="3"/>
+            <a:r>
+              <a:rPr lang="en-US" smtClean="0"/>
+              <a:t>Fourth level</a:t>
+            </a:r>
+          </a:p>
+          <a:p>
+            <a:pPr lvl="4"/>
+            <a:r>
+              <a:rPr lang="en-US" smtClean="0"/>
+              <a:t>Fifth level</a:t>
+            </a:r>
+            <a:endParaRPr lang="en-US"/>
+          </a:p>
+        </p:txBody>
+      </p:sp>
+      <p:sp>
+        <p:nvSpPr>
+          <p:cNvPr id="6" name="Footer Placeholder 5"/>
+          <p:cNvSpPr>
+            <a:spLocks noGrp="1"/>
+          </p:cNvSpPr>
+          <p:nvPr>
+            <p:ph type="ftr" sz="quarter" idx="4"/>
+          </p:nvPr>
+        </p:nvSpPr>
+        <p:spPr>
+          <a:xfrm>
+            <a:off x="0" y="8685213"/>
+            <a:ext cx="2971800" cy="457200"/>
+          </a:xfrm>
+          <a:prstGeom prst="rect">
+            <a:avLst/>
+          </a:prstGeom>
+        </p:spPr>
+        <p:txBody>
+          <a:bodyPr vert="horz" lIns="91440" tIns="45720" rIns="91440" bIns="45720" rtlCol="0" anchor="b"/>
+          <a:lstStyle>
+            <a:lvl1pPr algn="l">
+              <a:defRPr sz="1200"/>
+            </a:lvl1pPr>
+          </a:lstStyle>
+          <a:p>
+            <a:endParaRPr lang="en-US"/>
+          </a:p>
+        </p:txBody>
+      </p:sp>
+      <p:sp>
+        <p:nvSpPr>
+          <p:cNvPr id="7" name="Slide Number Placeholder 6"/>
+          <p:cNvSpPr>
+            <a:spLocks noGrp="1"/>
+          </p:cNvSpPr>
+          <p:nvPr>
+            <p:ph type="sldNum" sz="quarter" idx="5"/>
+          </p:nvPr>
+        </p:nvSpPr>
+        <p:spPr>
+          <a:xfrm>
+            <a:off x="3884613" y="8685213"/>
+            <a:ext cx="2971800" cy="457200"/>
+          </a:xfrm>
+          <a:prstGeom prst="rect">
+            <a:avLst/>
+          </a:prstGeom>
+        </p:spPr>
+        <p:txBody>
+          <a:bodyPr vert="horz" lIns="91440" tIns="45720" rIns="91440" bIns="45720" rtlCol="0" anchor="b"/>
+          <a:lstStyle>
+            <a:lvl1pPr algn="r">
+              <a:defRPr sz="1200"/>
+            </a:lvl1pPr>
+          </a:lstStyle>
+          <a:p>
+            <a:fld id="{B3822314-6588-4D35-B84D-1FB9C9EAAB81}" type="slidenum">
+              <a:rPr lang="en-US" smtClean="0"/>
+              <a:t>‹#›</a:t>
+            </a:fld>
+            <a:endParaRPr lang="en-US"/>
+          </a:p>
+        </p:txBody>
+      </p:sp>
+    </p:spTree>
+  </p:cSld>
+  <p:clrMap bg1="lt1" tx1="dk1" bg2="lt2" tx2="dk2" accent1="accent1" accent2="accent2" accent3="accent3" accent4="accent4" accent5="accent5" accent6="accent6" hlink="hlink" folHlink="folHlink"/>
+  <p:notesStyle>
+    <a:lvl1pPr marL="0" algn="l" defTabSz="914400" rtl="0" eaLnBrk="1" latinLnBrk="0" hangingPunct="1">
+      <a:defRPr sz="1200" kern="1200">
+        <a:solidFill>
+          <a:schemeClr val="tx1"/>
+        </a:solidFill>
+        <a:latin typeface="+mn-lt"/>
+        <a:ea typeface="+mn-ea"/>
+        <a:cs typeface="+mn-cs"/>
+      </a:defRPr>
+    </a:lvl1pPr>
+    <a:lvl2pPr marL="457200" algn="l" defTabSz="914400" rtl="0" eaLnBrk="1" latinLnBrk="0" hangingPunct="1">
+      <a:defRPr sz="1200" kern="1200">
+        <a:solidFill>
+          <a:schemeClr val="tx1"/>
+        </a:solidFill>
+        <a:latin typeface="+mn-lt"/>
+        <a:ea typeface="+mn-ea"/>
+        <a:cs typeface="+mn-cs"/>
+      </a:defRPr>
+    </a:lvl2pPr>
+    <a:lvl3pPr marL="914400" algn="l" defTabSz="914400" rtl="0" eaLnBrk="1" latinLnBrk="0" hangingPunct="1">
+      <a:defRPr sz="1200" kern="1200">
+        <a:solidFill>
+          <a:schemeClr val="tx1"/>
+        </a:solidFill>
+        <a:latin typeface="+mn-lt"/>
+        <a:ea typeface="+mn-ea"/>
+        <a:cs typeface="+mn-cs"/>
+      </a:defRPr>
+    </a:lvl3pPr>
+    <a:lvl4pPr marL="1371600" algn="l" defTabSz="914400" rtl="0" eaLnBrk="1" latinLnBrk="0" hangingPunct="1">
+      <a:defRPr sz="1200" kern="1200">
+        <a:solidFill>
+          <a:schemeClr val="tx1"/>
+        </a:solidFill>
+        <a:latin typeface="+mn-lt"/>
+        <a:ea typeface="+mn-ea"/>
+        <a:cs typeface="+mn-cs"/>
+      </a:defRPr>
+    </a:lvl4pPr>
+    <a:lvl5pPr marL="1828800" algn="l" defTabSz="914400" rtl="0" eaLnBrk="1" latinLnBrk="0" hangingPunct="1">
+      <a:defRPr sz="1200" kern="1200">
+        <a:solidFill>
+          <a:schemeClr val="tx1"/>
+        </a:solidFill>
+        <a:latin typeface="+mn-lt"/>
+        <a:ea typeface="+mn-ea"/>
+        <a:cs typeface="+mn-cs"/>
+      </a:defRPr>
+    </a:lvl5pPr>
+    <a:lvl6pPr marL="2286000" algn="l" defTabSz="914400" rtl="0" eaLnBrk="1" latinLnBrk="0" hangingPunct="1">
+      <a:defRPr sz="1200" kern="1200">
+        <a:solidFill>
+          <a:schemeClr val="tx1"/>
+        </a:solidFill>
+        <a:latin typeface="+mn-lt"/>
+        <a:ea typeface="+mn-ea"/>
+        <a:cs typeface="+mn-cs"/>
+      </a:defRPr>
+    </a:lvl6pPr>
+    <a:lvl7pPr marL="2743200" algn="l" defTabSz="914400" rtl="0" eaLnBrk="1" latinLnBrk="0" hangingPunct="1">
+      <a:defRPr sz="1200" kern="1200">
+        <a:solidFill>
+          <a:schemeClr val="tx1"/>
+        </a:solidFill>
+        <a:latin typeface="+mn-lt"/>
+        <a:ea typeface="+mn-ea"/>
+        <a:cs typeface="+mn-cs"/>
+      </a:defRPr>
+    </a:lvl7pPr>
+    <a:lvl8pPr marL="3200400" algn="l" defTabSz="914400" rtl="0" eaLnBrk="1" latinLnBrk="0" hangingPunct="1">
+      <a:defRPr sz="1200" kern="1200">
+        <a:solidFill>
+          <a:schemeClr val="tx1"/>
+        </a:solidFill>
+        <a:latin typeface="+mn-lt"/>
+        <a:ea typeface="+mn-ea"/>
+        <a:cs typeface="+mn-cs"/>
+      </a:defRPr>
+    </a:lvl8pPr>
+    <a:lvl9pPr marL="3657600" algn="l" defTabSz="914400" rtl="0" eaLnBrk="1" latinLnBrk="0" hangingPunct="1">
+      <a:defRPr sz="1200" kern="1200">
+        <a:solidFill>
+          <a:schemeClr val="tx1"/>
+        </a:solidFill>
+        <a:latin typeface="+mn-lt"/>
+        <a:ea typeface="+mn-ea"/>
+        <a:cs typeface="+mn-cs"/>
+      </a:defRPr>
+    </a:lvl9pPr>
+  </p:notesStyle>
+</p:notesMaster>
+</file>
+
+<file path=ppt/notesSlides/notesSlide1.xml><?xml version="1.0" encoding="utf-8"?>
+<p:notes xmlns:a="http://schemas.openxmlformats.org/drawingml/2006/main" xmlns:r="http://schemas.openxmlformats.org/officeDocument/2006/relationships" xmlns:p="http://schemas.openxmlformats.org/presentationml/2006/main">
+  <p:cSld>
+    <p:spTree>
+      <p:nvGrpSpPr>
+        <p:cNvPr id="1" name=""/>
+        <p:cNvGrpSpPr/>
+        <p:nvPr/>
+      </p:nvGrpSpPr>
+      <p:grpSpPr>
+        <a:xfrm>
+          <a:off x="0" y="0"/>
+          <a:ext cx="0" cy="0"/>
+          <a:chOff x="0" y="0"/>
+          <a:chExt cx="0" cy="0"/>
+        </a:xfrm>
+      </p:grpSpPr>
+      <p:sp>
+        <p:nvSpPr>
+          <p:cNvPr id="2" name="Slide Image Placeholder 1"/>
+          <p:cNvSpPr>
+            <a:spLocks noGrp="1" noRot="1" noChangeAspect="1"/>
+          </p:cNvSpPr>
+          <p:nvPr>
+            <p:ph type="sldImg"/>
+          </p:nvPr>
+        </p:nvSpPr>
+        <p:spPr/>
+      </p:sp>
+      <p:sp>
+        <p:nvSpPr>
+          <p:cNvPr id="3" name="Notes Placeholder 2"/>
+          <p:cNvSpPr>
+            <a:spLocks noGrp="1"/>
+          </p:cNvSpPr>
+          <p:nvPr>
+            <p:ph type="body" idx="1"/>
+          </p:nvPr>
+        </p:nvSpPr>
+        <p:spPr/>
+        <p:txBody>
+          <a:bodyPr>
+            <a:normAutofit/>
+          </a:bodyPr>
+          <a:lstStyle/>
+          <a:p>
+            <a:endParaRPr lang="en-US" dirty="0"/>
+          </a:p>
+        </p:txBody>
+      </p:sp>
+      <p:sp>
+        <p:nvSpPr>
+          <p:cNvPr id="4" name="Slide Number Placeholder 3"/>
+          <p:cNvSpPr>
+            <a:spLocks noGrp="1"/>
+          </p:cNvSpPr>
+          <p:nvPr>
+            <p:ph type="sldNum" sz="quarter" idx="10"/>
+          </p:nvPr>
+        </p:nvSpPr>
+        <p:spPr/>
+        <p:txBody>
+          <a:bodyPr/>
+          <a:lstStyle/>
+          <a:p>
+            <a:fld id="{B3822314-6588-4D35-B84D-1FB9C9EAAB81}" type="slidenum">
+              <a:rPr lang="en-US" smtClean="0"/>
+              <a:t>7</a:t>
+            </a:fld>
+            <a:endParaRPr lang="en-US"/>
+          </a:p>
+        </p:txBody>
+      </p:sp>
+    </p:spTree>
+  </p:cSld>
+  <p:clrMapOvr>
+    <a:masterClrMapping/>
+  </p:clrMapOvr>
+</p:notes>
+</file>
+
+<file path=ppt/notesSlides/notesSlide2.xml><?xml version="1.0" encoding="utf-8"?>
+<p:notes xmlns:a="http://schemas.openxmlformats.org/drawingml/2006/main" xmlns:r="http://schemas.openxmlformats.org/officeDocument/2006/relationships" xmlns:p="http://schemas.openxmlformats.org/presentationml/2006/main">
+  <p:cSld>
+    <p:spTree>
+      <p:nvGrpSpPr>
+        <p:cNvPr id="1" name=""/>
+        <p:cNvGrpSpPr/>
+        <p:nvPr/>
+      </p:nvGrpSpPr>
+      <p:grpSpPr>
+        <a:xfrm>
+          <a:off x="0" y="0"/>
+          <a:ext cx="0" cy="0"/>
+          <a:chOff x="0" y="0"/>
+          <a:chExt cx="0" cy="0"/>
+        </a:xfrm>
+      </p:grpSpPr>
+      <p:sp>
+        <p:nvSpPr>
+          <p:cNvPr id="2" name="Slide Image Placeholder 1"/>
+          <p:cNvSpPr>
+            <a:spLocks noGrp="1" noRot="1" noChangeAspect="1"/>
+          </p:cNvSpPr>
+          <p:nvPr>
+            <p:ph type="sldImg"/>
+          </p:nvPr>
+        </p:nvSpPr>
+        <p:spPr/>
+      </p:sp>
+      <p:sp>
+        <p:nvSpPr>
+          <p:cNvPr id="3" name="Notes Placeholder 2"/>
+          <p:cNvSpPr>
+            <a:spLocks noGrp="1"/>
+          </p:cNvSpPr>
+          <p:nvPr>
+            <p:ph type="body" idx="1"/>
+          </p:nvPr>
+        </p:nvSpPr>
+        <p:spPr/>
+        <p:txBody>
+          <a:bodyPr>
+            <a:normAutofit/>
+          </a:bodyPr>
+          <a:lstStyle/>
+          <a:p>
+            <a:r>
+              <a:rPr lang="en-US" dirty="0" smtClean="0"/>
+              <a:t>Currently</a:t>
+            </a:r>
+            <a:r>
+              <a:rPr lang="en-US" baseline="0" dirty="0" smtClean="0"/>
+              <a:t> </a:t>
+            </a:r>
+            <a:r>
+              <a:rPr lang="en-US" baseline="0" dirty="0" err="1" smtClean="0"/>
+              <a:t>WebGuiDsl</a:t>
+            </a:r>
+            <a:r>
+              <a:rPr lang="en-US" baseline="0" dirty="0" smtClean="0"/>
+              <a:t> is specific to GPL. This, however, does not mean that it was built without a larger picture in mind. The validation  function in webguidsl.js is the only one that is specific to GPL. The server-side portion of this application is completely independent of GPL.</a:t>
+            </a:r>
+          </a:p>
+          <a:p>
+            <a:r>
+              <a:rPr lang="en-US" baseline="0" dirty="0" smtClean="0"/>
+              <a:t>While outside of the scope of this semester’s project, we envision a tool that can read a model file (e.g. </a:t>
+            </a:r>
+            <a:r>
+              <a:rPr lang="en-US" baseline="0" dirty="0" err="1" smtClean="0"/>
+              <a:t>mymodel.m</a:t>
+            </a:r>
+            <a:r>
+              <a:rPr lang="en-US" baseline="0" dirty="0" smtClean="0"/>
+              <a:t>) and produce the corresponding HTML document and validation JavaScript. This JavaScript file can then be used in conjunction with the model independent JavaScript code.</a:t>
+            </a:r>
+          </a:p>
+          <a:p>
+            <a:r>
+              <a:rPr lang="en-US" baseline="0" dirty="0" smtClean="0"/>
+              <a:t>Another option would be to move validation to the server.</a:t>
+            </a:r>
+            <a:endParaRPr lang="en-US" dirty="0"/>
+          </a:p>
+        </p:txBody>
+      </p:sp>
+      <p:sp>
+        <p:nvSpPr>
+          <p:cNvPr id="4" name="Slide Number Placeholder 3"/>
+          <p:cNvSpPr>
+            <a:spLocks noGrp="1"/>
+          </p:cNvSpPr>
+          <p:nvPr>
+            <p:ph type="sldNum" sz="quarter" idx="10"/>
+          </p:nvPr>
+        </p:nvSpPr>
+        <p:spPr/>
+        <p:txBody>
+          <a:bodyPr/>
+          <a:lstStyle/>
+          <a:p>
+            <a:fld id="{B3822314-6588-4D35-B84D-1FB9C9EAAB81}" type="slidenum">
+              <a:rPr lang="en-US" smtClean="0"/>
+              <a:t>11</a:t>
+            </a:fld>
+            <a:endParaRPr lang="en-US"/>
+          </a:p>
+        </p:txBody>
+      </p:sp>
+    </p:spTree>
+  </p:cSld>
+  <p:clrMapOvr>
+    <a:masterClrMapping/>
+  </p:clrMapOvr>
+</p:notes>
+</file>
+
 <file path=ppt/slideLayouts/slideLayout1.xml><?xml version="1.0" encoding="utf-8"?>
 <p:sldLayout xmlns:a="http://schemas.openxmlformats.org/drawingml/2006/main" xmlns:r="http://schemas.openxmlformats.org/officeDocument/2006/relationships" xmlns:p="http://schemas.openxmlformats.org/presentationml/2006/main" type="title" preserve="1">
   <p:cSld name="Title Slide">
@@ -297,7 +847,7 @@
             <a:fld id="{F5171E49-61C0-4B63-A2BA-8260F4CF6852}" type="datetimeFigureOut">
               <a:rPr lang="en-US" smtClean="0"/>
               <a:pPr/>
-              <a:t>4/20/2011</a:t>
+              <a:t>4/26/2011</a:t>
             </a:fld>
             <a:endParaRPr lang="en-US"/>
           </a:p>
@@ -464,7 +1014,7 @@
             <a:fld id="{F5171E49-61C0-4B63-A2BA-8260F4CF6852}" type="datetimeFigureOut">
               <a:rPr lang="en-US" smtClean="0"/>
               <a:pPr/>
-              <a:t>4/20/2011</a:t>
+              <a:t>4/26/2011</a:t>
             </a:fld>
             <a:endParaRPr lang="en-US"/>
           </a:p>
@@ -641,7 +1191,7 @@
             <a:fld id="{F5171E49-61C0-4B63-A2BA-8260F4CF6852}" type="datetimeFigureOut">
               <a:rPr lang="en-US" smtClean="0"/>
               <a:pPr/>
-              <a:t>4/20/2011</a:t>
+              <a:t>4/26/2011</a:t>
             </a:fld>
             <a:endParaRPr lang="en-US"/>
           </a:p>
@@ -808,7 +1358,7 @@
             <a:fld id="{F5171E49-61C0-4B63-A2BA-8260F4CF6852}" type="datetimeFigureOut">
               <a:rPr lang="en-US" smtClean="0"/>
               <a:pPr/>
-              <a:t>4/20/2011</a:t>
+              <a:t>4/26/2011</a:t>
             </a:fld>
             <a:endParaRPr lang="en-US"/>
           </a:p>
@@ -1051,7 +1601,7 @@
             <a:fld id="{F5171E49-61C0-4B63-A2BA-8260F4CF6852}" type="datetimeFigureOut">
               <a:rPr lang="en-US" smtClean="0"/>
               <a:pPr/>
-              <a:t>4/20/2011</a:t>
+              <a:t>4/26/2011</a:t>
             </a:fld>
             <a:endParaRPr lang="en-US"/>
           </a:p>
@@ -1336,7 +1886,7 @@
             <a:fld id="{F5171E49-61C0-4B63-A2BA-8260F4CF6852}" type="datetimeFigureOut">
               <a:rPr lang="en-US" smtClean="0"/>
               <a:pPr/>
-              <a:t>4/20/2011</a:t>
+              <a:t>4/26/2011</a:t>
             </a:fld>
             <a:endParaRPr lang="en-US"/>
           </a:p>
@@ -1755,7 +2305,7 @@
             <a:fld id="{F5171E49-61C0-4B63-A2BA-8260F4CF6852}" type="datetimeFigureOut">
               <a:rPr lang="en-US" smtClean="0"/>
               <a:pPr/>
-              <a:t>4/20/2011</a:t>
+              <a:t>4/26/2011</a:t>
             </a:fld>
             <a:endParaRPr lang="en-US"/>
           </a:p>
@@ -1870,7 +2420,7 @@
             <a:fld id="{F5171E49-61C0-4B63-A2BA-8260F4CF6852}" type="datetimeFigureOut">
               <a:rPr lang="en-US" smtClean="0"/>
               <a:pPr/>
-              <a:t>4/20/2011</a:t>
+              <a:t>4/26/2011</a:t>
             </a:fld>
             <a:endParaRPr lang="en-US"/>
           </a:p>
@@ -1962,7 +2512,7 @@
             <a:fld id="{F5171E49-61C0-4B63-A2BA-8260F4CF6852}" type="datetimeFigureOut">
               <a:rPr lang="en-US" smtClean="0"/>
               <a:pPr/>
-              <a:t>4/20/2011</a:t>
+              <a:t>4/26/2011</a:t>
             </a:fld>
             <a:endParaRPr lang="en-US"/>
           </a:p>
@@ -2236,7 +2786,7 @@
             <a:fld id="{F5171E49-61C0-4B63-A2BA-8260F4CF6852}" type="datetimeFigureOut">
               <a:rPr lang="en-US" smtClean="0"/>
               <a:pPr/>
-              <a:t>4/20/2011</a:t>
+              <a:t>4/26/2011</a:t>
             </a:fld>
             <a:endParaRPr lang="en-US"/>
           </a:p>
@@ -2486,7 +3036,7 @@
             <a:fld id="{F5171E49-61C0-4B63-A2BA-8260F4CF6852}" type="datetimeFigureOut">
               <a:rPr lang="en-US" smtClean="0"/>
               <a:pPr/>
-              <a:t>4/20/2011</a:t>
+              <a:t>4/26/2011</a:t>
             </a:fld>
             <a:endParaRPr lang="en-US"/>
           </a:p>
@@ -2696,7 +3246,7 @@
             <a:fld id="{F5171E49-61C0-4B63-A2BA-8260F4CF6852}" type="datetimeFigureOut">
               <a:rPr lang="en-US" smtClean="0"/>
               <a:pPr/>
-              <a:t>4/20/2011</a:t>
+              <a:t>4/26/2011</a:t>
             </a:fld>
             <a:endParaRPr lang="en-US"/>
           </a:p>
@@ -3124,6 +3674,475 @@
 </p:sld>
 </file>
 
+<file path=ppt/slides/slide10.xml><?xml version="1.0" encoding="utf-8"?>
+<p:sld xmlns:a="http://schemas.openxmlformats.org/drawingml/2006/main" xmlns:r="http://schemas.openxmlformats.org/officeDocument/2006/relationships" xmlns:p="http://schemas.openxmlformats.org/presentationml/2006/main">
+  <p:cSld>
+    <p:spTree>
+      <p:nvGrpSpPr>
+        <p:cNvPr id="1" name=""/>
+        <p:cNvGrpSpPr/>
+        <p:nvPr/>
+      </p:nvGrpSpPr>
+      <p:grpSpPr>
+        <a:xfrm>
+          <a:off x="0" y="0"/>
+          <a:ext cx="0" cy="0"/>
+          <a:chOff x="0" y="0"/>
+          <a:chExt cx="0" cy="0"/>
+        </a:xfrm>
+      </p:grpSpPr>
+      <p:sp>
+        <p:nvSpPr>
+          <p:cNvPr id="2" name="Title 1"/>
+          <p:cNvSpPr>
+            <a:spLocks noGrp="1"/>
+          </p:cNvSpPr>
+          <p:nvPr>
+            <p:ph type="title"/>
+          </p:nvPr>
+        </p:nvSpPr>
+        <p:spPr/>
+        <p:txBody>
+          <a:bodyPr/>
+          <a:lstStyle/>
+          <a:p>
+            <a:r>
+              <a:rPr lang="en-US" dirty="0" smtClean="0"/>
+              <a:t>Results</a:t>
+            </a:r>
+            <a:endParaRPr lang="en-US" dirty="0"/>
+          </a:p>
+        </p:txBody>
+      </p:sp>
+      <p:sp>
+        <p:nvSpPr>
+          <p:cNvPr id="3" name="Content Placeholder 2"/>
+          <p:cNvSpPr>
+            <a:spLocks noGrp="1"/>
+          </p:cNvSpPr>
+          <p:nvPr>
+            <p:ph idx="1"/>
+          </p:nvPr>
+        </p:nvSpPr>
+        <p:spPr/>
+        <p:txBody>
+          <a:bodyPr/>
+          <a:lstStyle/>
+          <a:p>
+            <a:endParaRPr lang="en-US"/>
+          </a:p>
+        </p:txBody>
+      </p:sp>
+    </p:spTree>
+  </p:cSld>
+  <p:clrMapOvr>
+    <a:masterClrMapping/>
+  </p:clrMapOvr>
+  <p:timing>
+    <p:tnLst>
+      <p:par>
+        <p:cTn id="1" dur="indefinite" restart="never" nodeType="tmRoot"/>
+      </p:par>
+    </p:tnLst>
+  </p:timing>
+</p:sld>
+</file>
+
+<file path=ppt/slides/slide11.xml><?xml version="1.0" encoding="utf-8"?>
+<p:sld xmlns:a="http://schemas.openxmlformats.org/drawingml/2006/main" xmlns:r="http://schemas.openxmlformats.org/officeDocument/2006/relationships" xmlns:p="http://schemas.openxmlformats.org/presentationml/2006/main">
+  <p:cSld>
+    <p:spTree>
+      <p:nvGrpSpPr>
+        <p:cNvPr id="1" name=""/>
+        <p:cNvGrpSpPr/>
+        <p:nvPr/>
+      </p:nvGrpSpPr>
+      <p:grpSpPr>
+        <a:xfrm>
+          <a:off x="0" y="0"/>
+          <a:ext cx="0" cy="0"/>
+          <a:chOff x="0" y="0"/>
+          <a:chExt cx="0" cy="0"/>
+        </a:xfrm>
+      </p:grpSpPr>
+      <p:sp>
+        <p:nvSpPr>
+          <p:cNvPr id="2" name="Title 1"/>
+          <p:cNvSpPr>
+            <a:spLocks noGrp="1"/>
+          </p:cNvSpPr>
+          <p:nvPr>
+            <p:ph type="title"/>
+          </p:nvPr>
+        </p:nvSpPr>
+        <p:spPr/>
+        <p:txBody>
+          <a:bodyPr/>
+          <a:lstStyle/>
+          <a:p>
+            <a:r>
+              <a:rPr lang="en-US" dirty="0" smtClean="0"/>
+              <a:t>Future Work</a:t>
+            </a:r>
+            <a:endParaRPr lang="en-US" dirty="0"/>
+          </a:p>
+        </p:txBody>
+      </p:sp>
+      <p:sp>
+        <p:nvSpPr>
+          <p:cNvPr id="3" name="Content Placeholder 2"/>
+          <p:cNvSpPr>
+            <a:spLocks noGrp="1"/>
+          </p:cNvSpPr>
+          <p:nvPr>
+            <p:ph idx="1"/>
+          </p:nvPr>
+        </p:nvSpPr>
+        <p:spPr/>
+        <p:txBody>
+          <a:bodyPr/>
+          <a:lstStyle/>
+          <a:p>
+            <a:r>
+              <a:rPr lang="en-US" dirty="0" err="1" smtClean="0"/>
+              <a:t>WebGuiDsl</a:t>
+            </a:r>
+            <a:r>
+              <a:rPr lang="en-US" dirty="0" smtClean="0"/>
+              <a:t> for GPL can be generalized for any feature model</a:t>
+            </a:r>
+          </a:p>
+          <a:p>
+            <a:pPr lvl="1"/>
+            <a:r>
+              <a:rPr lang="en-US" dirty="0" smtClean="0"/>
+              <a:t>Only client code would change</a:t>
+            </a:r>
+          </a:p>
+          <a:p>
+            <a:pPr lvl="1"/>
+            <a:r>
+              <a:rPr lang="en-US" dirty="0" smtClean="0"/>
+              <a:t>Currently webguidsl.js has GPL specific code</a:t>
+            </a:r>
+            <a:endParaRPr lang="en-US" dirty="0"/>
+          </a:p>
+        </p:txBody>
+      </p:sp>
+      <p:sp>
+        <p:nvSpPr>
+          <p:cNvPr id="5" name="Rounded Rectangle 4"/>
+          <p:cNvSpPr/>
+          <p:nvPr/>
+        </p:nvSpPr>
+        <p:spPr>
+          <a:xfrm>
+            <a:off x="3124200" y="4322802"/>
+            <a:ext cx="1676400" cy="914400"/>
+          </a:xfrm>
+          <a:prstGeom prst="roundRect">
+            <a:avLst>
+              <a:gd name="adj" fmla="val 8875"/>
+            </a:avLst>
+          </a:prstGeom>
+          <a:ln>
+            <a:solidFill>
+              <a:schemeClr val="accent1">
+                <a:lumMod val="75000"/>
+              </a:schemeClr>
+            </a:solidFill>
+          </a:ln>
+        </p:spPr>
+        <p:style>
+          <a:lnRef idx="2">
+            <a:schemeClr val="accent6"/>
+          </a:lnRef>
+          <a:fillRef idx="1">
+            <a:schemeClr val="lt1"/>
+          </a:fillRef>
+          <a:effectRef idx="0">
+            <a:schemeClr val="accent6"/>
+          </a:effectRef>
+          <a:fontRef idx="minor">
+            <a:schemeClr val="dk1"/>
+          </a:fontRef>
+        </p:style>
+        <p:txBody>
+          <a:bodyPr rtlCol="0" anchor="ctr"/>
+          <a:lstStyle/>
+          <a:p>
+            <a:pPr algn="ctr"/>
+            <a:endParaRPr lang="en-US"/>
+          </a:p>
+        </p:txBody>
+      </p:sp>
+      <p:sp>
+        <p:nvSpPr>
+          <p:cNvPr id="6" name="TextBox 5"/>
+          <p:cNvSpPr txBox="1"/>
+          <p:nvPr/>
+        </p:nvSpPr>
+        <p:spPr>
+          <a:xfrm>
+            <a:off x="3124200" y="4322802"/>
+            <a:ext cx="1676400" cy="923330"/>
+          </a:xfrm>
+          <a:prstGeom prst="rect">
+            <a:avLst/>
+          </a:prstGeom>
+          <a:noFill/>
+        </p:spPr>
+        <p:txBody>
+          <a:bodyPr wrap="square" rtlCol="0">
+            <a:spAutoFit/>
+          </a:bodyPr>
+          <a:lstStyle/>
+          <a:p>
+            <a:pPr algn="ctr"/>
+            <a:r>
+              <a:rPr lang="en-US" dirty="0" smtClean="0"/>
+              <a:t>Currently</a:t>
+            </a:r>
+          </a:p>
+          <a:p>
+            <a:pPr algn="ctr"/>
+            <a:r>
+              <a:rPr lang="en-US" dirty="0" smtClean="0"/>
+              <a:t>Non-Existent </a:t>
+            </a:r>
+          </a:p>
+          <a:p>
+            <a:pPr algn="ctr"/>
+            <a:r>
+              <a:rPr lang="en-US" dirty="0" smtClean="0"/>
+              <a:t>Tool</a:t>
+            </a:r>
+            <a:endParaRPr lang="en-US" dirty="0"/>
+          </a:p>
+        </p:txBody>
+      </p:sp>
+      <p:sp>
+        <p:nvSpPr>
+          <p:cNvPr id="7" name="TextBox 6"/>
+          <p:cNvSpPr txBox="1"/>
+          <p:nvPr/>
+        </p:nvSpPr>
+        <p:spPr>
+          <a:xfrm>
+            <a:off x="1173145" y="4601389"/>
+            <a:ext cx="1371600" cy="369332"/>
+          </a:xfrm>
+          <a:prstGeom prst="rect">
+            <a:avLst/>
+          </a:prstGeom>
+          <a:noFill/>
+        </p:spPr>
+        <p:txBody>
+          <a:bodyPr wrap="square" rtlCol="0">
+            <a:spAutoFit/>
+          </a:bodyPr>
+          <a:lstStyle/>
+          <a:p>
+            <a:r>
+              <a:rPr lang="en-US" dirty="0" err="1" smtClean="0"/>
+              <a:t>mymodel.m</a:t>
+            </a:r>
+            <a:endParaRPr lang="en-US" dirty="0"/>
+          </a:p>
+        </p:txBody>
+      </p:sp>
+      <p:cxnSp>
+        <p:nvCxnSpPr>
+          <p:cNvPr id="9" name="Straight Arrow Connector 8"/>
+          <p:cNvCxnSpPr>
+            <a:stCxn id="7" idx="3"/>
+            <a:endCxn id="6" idx="1"/>
+          </p:cNvCxnSpPr>
+          <p:nvPr/>
+        </p:nvCxnSpPr>
+        <p:spPr>
+          <a:xfrm flipV="1">
+            <a:off x="2544745" y="4784467"/>
+            <a:ext cx="579455" cy="1588"/>
+          </a:xfrm>
+          <a:prstGeom prst="straightConnector1">
+            <a:avLst/>
+          </a:prstGeom>
+          <a:ln>
+            <a:solidFill>
+              <a:schemeClr val="tx1"/>
+            </a:solidFill>
+            <a:tailEnd type="arrow"/>
+          </a:ln>
+        </p:spPr>
+        <p:style>
+          <a:lnRef idx="1">
+            <a:schemeClr val="accent1"/>
+          </a:lnRef>
+          <a:fillRef idx="0">
+            <a:schemeClr val="accent1"/>
+          </a:fillRef>
+          <a:effectRef idx="0">
+            <a:schemeClr val="accent1"/>
+          </a:effectRef>
+          <a:fontRef idx="minor">
+            <a:schemeClr val="tx1"/>
+          </a:fontRef>
+        </p:style>
+      </p:cxnSp>
+      <p:sp>
+        <p:nvSpPr>
+          <p:cNvPr id="11" name="TextBox 10"/>
+          <p:cNvSpPr txBox="1"/>
+          <p:nvPr/>
+        </p:nvSpPr>
+        <p:spPr>
+          <a:xfrm>
+            <a:off x="5592745" y="4322802"/>
+            <a:ext cx="1600200" cy="369332"/>
+          </a:xfrm>
+          <a:prstGeom prst="rect">
+            <a:avLst/>
+          </a:prstGeom>
+          <a:noFill/>
+        </p:spPr>
+        <p:txBody>
+          <a:bodyPr wrap="square" rtlCol="0">
+            <a:spAutoFit/>
+          </a:bodyPr>
+          <a:lstStyle/>
+          <a:p>
+            <a:r>
+              <a:rPr lang="en-US" dirty="0" smtClean="0"/>
+              <a:t>mymodel.html</a:t>
+            </a:r>
+            <a:endParaRPr lang="en-US" dirty="0"/>
+          </a:p>
+        </p:txBody>
+      </p:sp>
+      <p:sp>
+        <p:nvSpPr>
+          <p:cNvPr id="12" name="TextBox 11"/>
+          <p:cNvSpPr txBox="1"/>
+          <p:nvPr/>
+        </p:nvSpPr>
+        <p:spPr>
+          <a:xfrm>
+            <a:off x="5592745" y="4876800"/>
+            <a:ext cx="2286000" cy="369332"/>
+          </a:xfrm>
+          <a:prstGeom prst="rect">
+            <a:avLst/>
+          </a:prstGeom>
+          <a:noFill/>
+        </p:spPr>
+        <p:txBody>
+          <a:bodyPr wrap="square" rtlCol="0">
+            <a:spAutoFit/>
+          </a:bodyPr>
+          <a:lstStyle/>
+          <a:p>
+            <a:r>
+              <a:rPr lang="en-US" dirty="0" smtClean="0"/>
+              <a:t>validatemymodel.js</a:t>
+            </a:r>
+            <a:endParaRPr lang="en-US" dirty="0"/>
+          </a:p>
+        </p:txBody>
+      </p:sp>
+      <p:cxnSp>
+        <p:nvCxnSpPr>
+          <p:cNvPr id="24" name="Straight Arrow Connector 23"/>
+          <p:cNvCxnSpPr>
+            <a:stCxn id="6" idx="3"/>
+            <a:endCxn id="11" idx="1"/>
+          </p:cNvCxnSpPr>
+          <p:nvPr/>
+        </p:nvCxnSpPr>
+        <p:spPr>
+          <a:xfrm flipV="1">
+            <a:off x="4800600" y="4507468"/>
+            <a:ext cx="792145" cy="276999"/>
+          </a:xfrm>
+          <a:prstGeom prst="straightConnector1">
+            <a:avLst/>
+          </a:prstGeom>
+          <a:ln>
+            <a:solidFill>
+              <a:schemeClr val="tx1"/>
+            </a:solidFill>
+            <a:tailEnd type="arrow"/>
+          </a:ln>
+        </p:spPr>
+        <p:style>
+          <a:lnRef idx="1">
+            <a:schemeClr val="accent1"/>
+          </a:lnRef>
+          <a:fillRef idx="0">
+            <a:schemeClr val="accent1"/>
+          </a:fillRef>
+          <a:effectRef idx="0">
+            <a:schemeClr val="accent1"/>
+          </a:effectRef>
+          <a:fontRef idx="minor">
+            <a:schemeClr val="tx1"/>
+          </a:fontRef>
+        </p:style>
+      </p:cxnSp>
+      <p:cxnSp>
+        <p:nvCxnSpPr>
+          <p:cNvPr id="26" name="Straight Arrow Connector 25"/>
+          <p:cNvCxnSpPr>
+            <a:stCxn id="6" idx="3"/>
+            <a:endCxn id="12" idx="1"/>
+          </p:cNvCxnSpPr>
+          <p:nvPr/>
+        </p:nvCxnSpPr>
+        <p:spPr>
+          <a:xfrm>
+            <a:off x="4800600" y="4784467"/>
+            <a:ext cx="792145" cy="276999"/>
+          </a:xfrm>
+          <a:prstGeom prst="straightConnector1">
+            <a:avLst/>
+          </a:prstGeom>
+          <a:ln>
+            <a:solidFill>
+              <a:schemeClr val="tx1"/>
+            </a:solidFill>
+            <a:tailEnd type="arrow"/>
+          </a:ln>
+        </p:spPr>
+        <p:style>
+          <a:lnRef idx="1">
+            <a:schemeClr val="accent1"/>
+          </a:lnRef>
+          <a:fillRef idx="0">
+            <a:schemeClr val="accent1"/>
+          </a:fillRef>
+          <a:effectRef idx="0">
+            <a:schemeClr val="accent1"/>
+          </a:effectRef>
+          <a:fontRef idx="minor">
+            <a:schemeClr val="tx1"/>
+          </a:fontRef>
+        </p:style>
+      </p:cxnSp>
+    </p:spTree>
+  </p:cSld>
+  <p:clrMapOvr>
+    <a:masterClrMapping/>
+  </p:clrMapOvr>
+  <p:timing>
+    <p:tnLst>
+      <p:par>
+        <p:cTn id="1" dur="indefinite" restart="never" nodeType="tmRoot"/>
+      </p:par>
+    </p:tnLst>
+  </p:timing>
+</p:sld>
+</file>
+
 <file path=ppt/slides/slide2.xml><?xml version="1.0" encoding="utf-8"?>
 <p:sld xmlns:a="http://schemas.openxmlformats.org/drawingml/2006/main" xmlns:r="http://schemas.openxmlformats.org/officeDocument/2006/relationships" xmlns:p="http://schemas.openxmlformats.org/presentationml/2006/main">
   <p:cSld>
@@ -3429,11 +4448,7 @@
             <a:pPr lvl="1"/>
             <a:r>
               <a:rPr lang="en-US" dirty="0" smtClean="0"/>
-              <a:t>Helps with Ajax </a:t>
-            </a:r>
-            <a:r>
-              <a:rPr lang="en-US" dirty="0" smtClean="0"/>
-              <a:t>requests and event handling</a:t>
+              <a:t>Helps with Ajax requests and event handling</a:t>
             </a:r>
             <a:endParaRPr lang="en-US" dirty="0"/>
           </a:p>
@@ -3464,24 +4479,15 @@
             <a:pPr lvl="1"/>
             <a:r>
               <a:rPr lang="en-US" dirty="0" smtClean="0"/>
-              <a:t>Simulate synchronous Ajax behavior without locking the </a:t>
-            </a:r>
+              <a:t>Simulate synchronous Ajax behavior without locking the browser</a:t>
+            </a:r>
+          </a:p>
+          <a:p>
+            <a:pPr lvl="1"/>
             <a:r>
               <a:rPr lang="en-US" dirty="0" smtClean="0"/>
-              <a:t>browser</a:t>
-            </a:r>
-          </a:p>
-          <a:p>
-            <a:pPr lvl="1"/>
-            <a:r>
-              <a:rPr lang="en-US" dirty="0" smtClean="0"/>
-              <a:t>http://jquery.malsup.com/block</a:t>
-            </a:r>
-            <a:r>
-              <a:rPr lang="en-US" dirty="0" smtClean="0"/>
-              <a:t>/</a:t>
-            </a:r>
-            <a:endParaRPr lang="en-US" dirty="0" smtClean="0"/>
+              <a:t>http://jquery.malsup.com/block/</a:t>
+            </a:r>
           </a:p>
           <a:p>
             <a:r>
@@ -3505,17 +4511,8 @@
             <a:pPr lvl="1"/>
             <a:r>
               <a:rPr lang="en-US" dirty="0" smtClean="0"/>
-              <a:t>http://</a:t>
-            </a:r>
-            <a:r>
-              <a:rPr lang="en-US" dirty="0" smtClean="0"/>
-              <a:t>code.google.com/p/google-gson</a:t>
-            </a:r>
-            <a:r>
-              <a:rPr lang="en-US" dirty="0" smtClean="0"/>
-              <a:t>/</a:t>
-            </a:r>
-            <a:endParaRPr lang="en-US" dirty="0" smtClean="0"/>
+              <a:t>http://code.google.com/p/google-gson/</a:t>
+            </a:r>
           </a:p>
         </p:txBody>
       </p:sp>
@@ -3553,6 +4550,246 @@
       </p:grpSpPr>
       <p:sp>
         <p:nvSpPr>
+          <p:cNvPr id="2" name="Title 1"/>
+          <p:cNvSpPr>
+            <a:spLocks noGrp="1"/>
+          </p:cNvSpPr>
+          <p:nvPr>
+            <p:ph type="title"/>
+          </p:nvPr>
+        </p:nvSpPr>
+        <p:spPr/>
+        <p:txBody>
+          <a:bodyPr/>
+          <a:lstStyle/>
+          <a:p>
+            <a:r>
+              <a:rPr lang="en-US" dirty="0" err="1" smtClean="0"/>
+              <a:t>WebGuiDsl</a:t>
+            </a:r>
+            <a:r>
+              <a:rPr lang="en-US" dirty="0" smtClean="0"/>
+              <a:t> for GPL Contents</a:t>
+            </a:r>
+            <a:endParaRPr lang="en-US" dirty="0"/>
+          </a:p>
+        </p:txBody>
+      </p:sp>
+      <p:sp>
+        <p:nvSpPr>
+          <p:cNvPr id="3" name="Content Placeholder 2"/>
+          <p:cNvSpPr>
+            <a:spLocks noGrp="1"/>
+          </p:cNvSpPr>
+          <p:nvPr>
+            <p:ph idx="1"/>
+          </p:nvPr>
+        </p:nvSpPr>
+        <p:spPr/>
+        <p:txBody>
+          <a:bodyPr>
+            <a:normAutofit/>
+          </a:bodyPr>
+          <a:lstStyle/>
+          <a:p>
+            <a:r>
+              <a:rPr lang="en-US" dirty="0" smtClean="0"/>
+              <a:t>New </a:t>
+            </a:r>
+            <a:r>
+              <a:rPr lang="en-US" dirty="0" err="1" smtClean="0"/>
+              <a:t>GuiDsl</a:t>
+            </a:r>
+            <a:r>
+              <a:rPr lang="en-US" dirty="0" smtClean="0"/>
+              <a:t> feature – </a:t>
+            </a:r>
+            <a:r>
+              <a:rPr lang="en-US" dirty="0" err="1" smtClean="0"/>
+              <a:t>WebTool</a:t>
+            </a:r>
+            <a:endParaRPr lang="en-US" dirty="0" smtClean="0"/>
+          </a:p>
+          <a:p>
+            <a:pPr lvl="1"/>
+            <a:r>
+              <a:rPr lang="en-US" dirty="0" smtClean="0"/>
+              <a:t>Provides programmatic interface like existing Tool feature</a:t>
+            </a:r>
+          </a:p>
+          <a:p>
+            <a:pPr lvl="1"/>
+            <a:r>
+              <a:rPr lang="en-US" dirty="0" smtClean="0"/>
+              <a:t>Provides a method that calls SAT solver for a given number of set variables and returns a JSON 2D array consisting of variable values (set/not set) and reasons for the values</a:t>
+            </a:r>
+          </a:p>
+        </p:txBody>
+      </p:sp>
+    </p:spTree>
+  </p:cSld>
+  <p:clrMapOvr>
+    <a:masterClrMapping/>
+  </p:clrMapOvr>
+  <p:timing>
+    <p:tnLst>
+      <p:par>
+        <p:cTn id="1" dur="indefinite" restart="never" nodeType="tmRoot"/>
+      </p:par>
+    </p:tnLst>
+  </p:timing>
+</p:sld>
+</file>
+
+<file path=ppt/slides/slide6.xml><?xml version="1.0" encoding="utf-8"?>
+<p:sld xmlns:a="http://schemas.openxmlformats.org/drawingml/2006/main" xmlns:r="http://schemas.openxmlformats.org/officeDocument/2006/relationships" xmlns:p="http://schemas.openxmlformats.org/presentationml/2006/main">
+  <p:cSld>
+    <p:spTree>
+      <p:nvGrpSpPr>
+        <p:cNvPr id="1" name=""/>
+        <p:cNvGrpSpPr/>
+        <p:nvPr/>
+      </p:nvGrpSpPr>
+      <p:grpSpPr>
+        <a:xfrm>
+          <a:off x="0" y="0"/>
+          <a:ext cx="0" cy="0"/>
+          <a:chOff x="0" y="0"/>
+          <a:chExt cx="0" cy="0"/>
+        </a:xfrm>
+      </p:grpSpPr>
+      <p:sp>
+        <p:nvSpPr>
+          <p:cNvPr id="2" name="Title 1"/>
+          <p:cNvSpPr>
+            <a:spLocks noGrp="1"/>
+          </p:cNvSpPr>
+          <p:nvPr>
+            <p:ph type="title"/>
+          </p:nvPr>
+        </p:nvSpPr>
+        <p:spPr/>
+        <p:txBody>
+          <a:bodyPr/>
+          <a:lstStyle/>
+          <a:p>
+            <a:r>
+              <a:rPr lang="en-US" dirty="0" err="1" smtClean="0"/>
+              <a:t>WebGuiDsl</a:t>
+            </a:r>
+            <a:r>
+              <a:rPr lang="en-US" dirty="0" smtClean="0"/>
+              <a:t> for GPL Contents</a:t>
+            </a:r>
+            <a:endParaRPr lang="en-US" dirty="0"/>
+          </a:p>
+        </p:txBody>
+      </p:sp>
+      <p:sp>
+        <p:nvSpPr>
+          <p:cNvPr id="3" name="Content Placeholder 2"/>
+          <p:cNvSpPr>
+            <a:spLocks noGrp="1"/>
+          </p:cNvSpPr>
+          <p:nvPr>
+            <p:ph idx="1"/>
+          </p:nvPr>
+        </p:nvSpPr>
+        <p:spPr/>
+        <p:txBody>
+          <a:bodyPr/>
+          <a:lstStyle/>
+          <a:p>
+            <a:r>
+              <a:rPr lang="en-US" dirty="0" smtClean="0"/>
+              <a:t>Python CGI scripts</a:t>
+            </a:r>
+          </a:p>
+          <a:p>
+            <a:pPr lvl="1"/>
+            <a:r>
+              <a:rPr lang="en-US" dirty="0" smtClean="0"/>
+              <a:t>webguidsl.cgi</a:t>
+            </a:r>
+            <a:endParaRPr lang="en-US" dirty="0" smtClean="0"/>
+          </a:p>
+          <a:p>
+            <a:pPr lvl="1"/>
+            <a:r>
+              <a:rPr lang="en-US" dirty="0" smtClean="0"/>
+              <a:t>compose.cgi</a:t>
+            </a:r>
+          </a:p>
+          <a:p>
+            <a:r>
+              <a:rPr lang="en-US" dirty="0" smtClean="0"/>
+              <a:t>HTML page – gpl.html</a:t>
+            </a:r>
+          </a:p>
+          <a:p>
+            <a:pPr lvl="1"/>
+            <a:r>
+              <a:rPr lang="en-US" dirty="0" smtClean="0"/>
+              <a:t>Nothing special, just a form with &lt;input&gt; tags</a:t>
+            </a:r>
+          </a:p>
+          <a:p>
+            <a:r>
+              <a:rPr lang="en-US" dirty="0" smtClean="0"/>
+              <a:t>JavaScript – webguidsl.js</a:t>
+            </a:r>
+          </a:p>
+          <a:p>
+            <a:pPr lvl="1"/>
+            <a:r>
+              <a:rPr lang="en-US" dirty="0" smtClean="0"/>
+              <a:t>Initializes event handlers</a:t>
+            </a:r>
+          </a:p>
+          <a:p>
+            <a:pPr lvl="1"/>
+            <a:r>
+              <a:rPr lang="en-US" dirty="0" smtClean="0"/>
+              <a:t>Updates DOM</a:t>
+            </a:r>
+            <a:endParaRPr lang="en-US" dirty="0"/>
+          </a:p>
+        </p:txBody>
+      </p:sp>
+    </p:spTree>
+  </p:cSld>
+  <p:clrMapOvr>
+    <a:masterClrMapping/>
+  </p:clrMapOvr>
+  <p:timing>
+    <p:tnLst>
+      <p:par>
+        <p:cTn id="1" dur="indefinite" restart="never" nodeType="tmRoot"/>
+      </p:par>
+    </p:tnLst>
+  </p:timing>
+</p:sld>
+</file>
+
+<file path=ppt/slides/slide7.xml><?xml version="1.0" encoding="utf-8"?>
+<p:sld xmlns:a="http://schemas.openxmlformats.org/drawingml/2006/main" xmlns:r="http://schemas.openxmlformats.org/officeDocument/2006/relationships" xmlns:p="http://schemas.openxmlformats.org/presentationml/2006/main">
+  <p:cSld>
+    <p:spTree>
+      <p:nvGrpSpPr>
+        <p:cNvPr id="1" name=""/>
+        <p:cNvGrpSpPr/>
+        <p:nvPr/>
+      </p:nvGrpSpPr>
+      <p:grpSpPr>
+        <a:xfrm>
+          <a:off x="0" y="0"/>
+          <a:ext cx="0" cy="0"/>
+          <a:chOff x="0" y="0"/>
+          <a:chExt cx="0" cy="0"/>
+        </a:xfrm>
+      </p:grpSpPr>
+      <p:sp>
+        <p:nvSpPr>
           <p:cNvPr id="6" name="Rounded Rectangle 5"/>
           <p:cNvSpPr/>
           <p:nvPr/>
@@ -3645,9 +4882,9 @@
         <p:grpSpPr>
           <a:xfrm>
             <a:off x="5181600" y="2667000"/>
-            <a:ext cx="1447800" cy="769441"/>
+            <a:ext cx="1676400" cy="1077218"/>
             <a:chOff x="5334000" y="2133601"/>
-            <a:chExt cx="1447800" cy="769441"/>
+            <a:chExt cx="1447800" cy="1077218"/>
           </a:xfrm>
         </p:grpSpPr>
         <p:sp>
@@ -3706,7 +4943,7 @@
           <p:spPr>
             <a:xfrm>
               <a:off x="5334000" y="2133601"/>
-              <a:ext cx="1447800" cy="769441"/>
+              <a:ext cx="1447800" cy="1077218"/>
             </a:xfrm>
             <a:prstGeom prst="rect">
               <a:avLst/>
@@ -3722,8 +4959,9 @@
               <a:pPr algn="ctr"/>
               <a:r>
                 <a:rPr lang="en-US" sz="2000" dirty="0" smtClean="0"/>
-                <a:t>gpl.cgi</a:t>
+                <a:t>webguidsl.cgi</a:t>
               </a:r>
+              <a:endParaRPr lang="en-US" sz="2000" dirty="0" smtClean="0"/>
             </a:p>
             <a:p>
               <a:pPr algn="ctr"/>
@@ -3935,7 +5173,7 @@
             <a:pPr algn="ctr"/>
             <a:r>
               <a:rPr lang="en-US" sz="2000" dirty="0" err="1" smtClean="0"/>
-              <a:t>WebGuidsl</a:t>
+              <a:t>WebGuiDsl</a:t>
             </a:r>
             <a:endParaRPr lang="en-US" sz="2000" dirty="0" smtClean="0"/>
           </a:p>
@@ -4569,7 +5807,7 @@
             </a:r>
             <a:r>
               <a:rPr lang="en-US" dirty="0" smtClean="0"/>
-              <a:t> </a:t>
+              <a:t> for GPL </a:t>
             </a:r>
             <a:endParaRPr lang="en-US" dirty="0"/>
           </a:p>
@@ -4583,8 +5821,8 @@
         </p:nvCxnSpPr>
         <p:spPr>
           <a:xfrm>
-            <a:off x="6629400" y="2895600"/>
-            <a:ext cx="533400" cy="1588"/>
+            <a:off x="6858000" y="2895600"/>
+            <a:ext cx="304800" cy="1588"/>
           </a:xfrm>
           <a:prstGeom prst="straightConnector1">
             <a:avLst/>
@@ -4619,8 +5857,8 @@
         </p:nvCxnSpPr>
         <p:spPr>
           <a:xfrm rot="10800000">
-            <a:off x="6629400" y="3124200"/>
-            <a:ext cx="533400" cy="1588"/>
+            <a:off x="6858000" y="3125788"/>
+            <a:ext cx="304800" cy="1588"/>
           </a:xfrm>
           <a:prstGeom prst="straightConnector1">
             <a:avLst/>
@@ -5506,7 +6744,7 @@
             <p:nvPr/>
           </p:nvPicPr>
           <p:blipFill>
-            <a:blip r:embed="rId2" cstate="print"/>
+            <a:blip r:embed="rId3" cstate="print"/>
             <a:srcRect/>
             <a:stretch>
               <a:fillRect/>
@@ -5615,6 +6853,373 @@
           </p:txBody>
         </p:sp>
       </p:grpSp>
+      <p:sp>
+        <p:nvSpPr>
+          <p:cNvPr id="54" name="Rectangle 53"/>
+          <p:cNvSpPr/>
+          <p:nvPr/>
+        </p:nvSpPr>
+        <p:spPr>
+          <a:xfrm>
+            <a:off x="304800" y="3017520"/>
+            <a:ext cx="3505200" cy="1569660"/>
+          </a:xfrm>
+          <a:prstGeom prst="rect">
+            <a:avLst/>
+          </a:prstGeom>
+          <a:noFill/>
+        </p:spPr>
+        <p:txBody>
+          <a:bodyPr wrap="square" lIns="91440" tIns="45720" rIns="91440" bIns="45720">
+            <a:spAutoFit/>
+          </a:bodyPr>
+          <a:lstStyle/>
+          <a:p>
+            <a:pPr algn="ctr"/>
+            <a:r>
+              <a:rPr lang="en-US" sz="2400" b="1" cap="none" spc="0" dirty="0" smtClean="0">
+                <a:ln w="18000">
+                  <a:solidFill>
+                    <a:schemeClr val="accent2">
+                      <a:satMod val="140000"/>
+                    </a:schemeClr>
+                  </a:solidFill>
+                  <a:prstDash val="solid"/>
+                  <a:miter lim="800000"/>
+                </a:ln>
+                <a:solidFill>
+                  <a:srgbClr val="FF0000"/>
+                </a:solidFill>
+                <a:effectLst>
+                  <a:outerShdw blurRad="25500" dist="23000" dir="7020000" algn="tl">
+                    <a:srgbClr val="000000">
+                      <a:alpha val="50000"/>
+                    </a:srgbClr>
+                  </a:outerShdw>
+                </a:effectLst>
+              </a:rPr>
+              <a:t>Action:</a:t>
+            </a:r>
+          </a:p>
+          <a:p>
+            <a:pPr algn="ctr"/>
+            <a:r>
+              <a:rPr lang="en-US" sz="2400" b="1" dirty="0" smtClean="0">
+                <a:ln w="18000">
+                  <a:solidFill>
+                    <a:schemeClr val="accent2">
+                      <a:satMod val="140000"/>
+                    </a:schemeClr>
+                  </a:solidFill>
+                  <a:prstDash val="solid"/>
+                  <a:miter lim="800000"/>
+                </a:ln>
+                <a:solidFill>
+                  <a:srgbClr val="FF0000"/>
+                </a:solidFill>
+                <a:effectLst>
+                  <a:outerShdw blurRad="25500" dist="23000" dir="7020000" algn="tl">
+                    <a:srgbClr val="000000">
+                      <a:alpha val="50000"/>
+                    </a:srgbClr>
+                  </a:outerShdw>
+                </a:effectLst>
+              </a:rPr>
+              <a:t>User Interface Blocks until response</a:t>
+            </a:r>
+          </a:p>
+          <a:p>
+            <a:pPr algn="ctr"/>
+            <a:r>
+              <a:rPr lang="en-US" sz="2400" b="1" cap="none" spc="0" dirty="0" smtClean="0">
+                <a:ln w="18000">
+                  <a:solidFill>
+                    <a:schemeClr val="accent2">
+                      <a:satMod val="140000"/>
+                    </a:schemeClr>
+                  </a:solidFill>
+                  <a:prstDash val="solid"/>
+                  <a:miter lim="800000"/>
+                </a:ln>
+                <a:solidFill>
+                  <a:srgbClr val="FF0000"/>
+                </a:solidFill>
+                <a:effectLst>
+                  <a:outerShdw blurRad="25500" dist="23000" dir="7020000" algn="tl">
+                    <a:srgbClr val="000000">
+                      <a:alpha val="50000"/>
+                    </a:srgbClr>
+                  </a:outerShdw>
+                </a:effectLst>
+              </a:rPr>
+              <a:t>(</a:t>
+            </a:r>
+            <a:r>
+              <a:rPr lang="en-US" sz="2400" b="1" cap="none" spc="0" dirty="0" err="1" smtClean="0">
+                <a:ln w="18000">
+                  <a:solidFill>
+                    <a:schemeClr val="accent2">
+                      <a:satMod val="140000"/>
+                    </a:schemeClr>
+                  </a:solidFill>
+                  <a:prstDash val="solid"/>
+                  <a:miter lim="800000"/>
+                </a:ln>
+                <a:solidFill>
+                  <a:srgbClr val="FF0000"/>
+                </a:solidFill>
+                <a:effectLst>
+                  <a:outerShdw blurRad="25500" dist="23000" dir="7020000" algn="tl">
+                    <a:srgbClr val="000000">
+                      <a:alpha val="50000"/>
+                    </a:srgbClr>
+                  </a:outerShdw>
+                </a:effectLst>
+              </a:rPr>
+              <a:t>BlockUI</a:t>
+            </a:r>
+            <a:r>
+              <a:rPr lang="en-US" sz="2400" b="1" cap="none" spc="0" dirty="0" smtClean="0">
+                <a:ln w="18000">
+                  <a:solidFill>
+                    <a:schemeClr val="accent2">
+                      <a:satMod val="140000"/>
+                    </a:schemeClr>
+                  </a:solidFill>
+                  <a:prstDash val="solid"/>
+                  <a:miter lim="800000"/>
+                </a:ln>
+                <a:solidFill>
+                  <a:srgbClr val="FF0000"/>
+                </a:solidFill>
+                <a:effectLst>
+                  <a:outerShdw blurRad="25500" dist="23000" dir="7020000" algn="tl">
+                    <a:srgbClr val="000000">
+                      <a:alpha val="50000"/>
+                    </a:srgbClr>
+                  </a:outerShdw>
+                </a:effectLst>
+              </a:rPr>
+              <a:t> </a:t>
+            </a:r>
+            <a:r>
+              <a:rPr lang="en-US" sz="2400" b="1" cap="none" spc="0" dirty="0" err="1" smtClean="0">
+                <a:ln w="18000">
+                  <a:solidFill>
+                    <a:schemeClr val="accent2">
+                      <a:satMod val="140000"/>
+                    </a:schemeClr>
+                  </a:solidFill>
+                  <a:prstDash val="solid"/>
+                  <a:miter lim="800000"/>
+                </a:ln>
+                <a:solidFill>
+                  <a:srgbClr val="FF0000"/>
+                </a:solidFill>
+                <a:effectLst>
+                  <a:outerShdw blurRad="25500" dist="23000" dir="7020000" algn="tl">
+                    <a:srgbClr val="000000">
+                      <a:alpha val="50000"/>
+                    </a:srgbClr>
+                  </a:outerShdw>
+                </a:effectLst>
+              </a:rPr>
+              <a:t>jQuery</a:t>
+            </a:r>
+            <a:r>
+              <a:rPr lang="en-US" sz="2400" b="1" cap="none" spc="0" dirty="0" smtClean="0">
+                <a:ln w="18000">
+                  <a:solidFill>
+                    <a:schemeClr val="accent2">
+                      <a:satMod val="140000"/>
+                    </a:schemeClr>
+                  </a:solidFill>
+                  <a:prstDash val="solid"/>
+                  <a:miter lim="800000"/>
+                </a:ln>
+                <a:solidFill>
+                  <a:srgbClr val="FF0000"/>
+                </a:solidFill>
+                <a:effectLst>
+                  <a:outerShdw blurRad="25500" dist="23000" dir="7020000" algn="tl">
+                    <a:srgbClr val="000000">
+                      <a:alpha val="50000"/>
+                    </a:srgbClr>
+                  </a:outerShdw>
+                </a:effectLst>
+              </a:rPr>
+              <a:t> </a:t>
+            </a:r>
+            <a:r>
+              <a:rPr lang="en-US" sz="2400" b="1" cap="none" spc="0" dirty="0" err="1" smtClean="0">
+                <a:ln w="18000">
+                  <a:solidFill>
+                    <a:schemeClr val="accent2">
+                      <a:satMod val="140000"/>
+                    </a:schemeClr>
+                  </a:solidFill>
+                  <a:prstDash val="solid"/>
+                  <a:miter lim="800000"/>
+                </a:ln>
+                <a:solidFill>
+                  <a:srgbClr val="FF0000"/>
+                </a:solidFill>
+                <a:effectLst>
+                  <a:outerShdw blurRad="25500" dist="23000" dir="7020000" algn="tl">
+                    <a:srgbClr val="000000">
+                      <a:alpha val="50000"/>
+                    </a:srgbClr>
+                  </a:outerShdw>
+                </a:effectLst>
+              </a:rPr>
+              <a:t>plugin</a:t>
+            </a:r>
+            <a:r>
+              <a:rPr lang="en-US" sz="2400" b="1" cap="none" spc="0" dirty="0" smtClean="0">
+                <a:ln w="18000">
+                  <a:solidFill>
+                    <a:schemeClr val="accent2">
+                      <a:satMod val="140000"/>
+                    </a:schemeClr>
+                  </a:solidFill>
+                  <a:prstDash val="solid"/>
+                  <a:miter lim="800000"/>
+                </a:ln>
+                <a:solidFill>
+                  <a:srgbClr val="FF0000"/>
+                </a:solidFill>
+                <a:effectLst>
+                  <a:outerShdw blurRad="25500" dist="23000" dir="7020000" algn="tl">
+                    <a:srgbClr val="000000">
+                      <a:alpha val="50000"/>
+                    </a:srgbClr>
+                  </a:outerShdw>
+                </a:effectLst>
+              </a:rPr>
+              <a:t>)</a:t>
+            </a:r>
+            <a:endParaRPr lang="en-US" sz="2400" b="1" cap="none" spc="0" dirty="0">
+              <a:ln w="18000">
+                <a:solidFill>
+                  <a:schemeClr val="accent2">
+                    <a:satMod val="140000"/>
+                  </a:schemeClr>
+                </a:solidFill>
+                <a:prstDash val="solid"/>
+                <a:miter lim="800000"/>
+              </a:ln>
+              <a:solidFill>
+                <a:srgbClr val="FF0000"/>
+              </a:solidFill>
+              <a:effectLst>
+                <a:outerShdw blurRad="25500" dist="23000" dir="7020000" algn="tl">
+                  <a:srgbClr val="000000">
+                    <a:alpha val="50000"/>
+                  </a:srgbClr>
+                </a:outerShdw>
+              </a:effectLst>
+            </a:endParaRPr>
+          </a:p>
+        </p:txBody>
+      </p:sp>
+      <p:sp>
+        <p:nvSpPr>
+          <p:cNvPr id="64" name="Rectangle 63"/>
+          <p:cNvSpPr/>
+          <p:nvPr/>
+        </p:nvSpPr>
+        <p:spPr>
+          <a:xfrm>
+            <a:off x="301752" y="3017520"/>
+            <a:ext cx="3505200" cy="830997"/>
+          </a:xfrm>
+          <a:prstGeom prst="rect">
+            <a:avLst/>
+          </a:prstGeom>
+          <a:noFill/>
+        </p:spPr>
+        <p:txBody>
+          <a:bodyPr wrap="square" lIns="91440" tIns="45720" rIns="91440" bIns="45720">
+            <a:spAutoFit/>
+          </a:bodyPr>
+          <a:lstStyle/>
+          <a:p>
+            <a:pPr algn="ctr"/>
+            <a:r>
+              <a:rPr lang="en-US" sz="2400" b="1" cap="none" spc="0" dirty="0" smtClean="0">
+                <a:ln w="18000">
+                  <a:solidFill>
+                    <a:schemeClr val="accent2">
+                      <a:satMod val="140000"/>
+                    </a:schemeClr>
+                  </a:solidFill>
+                  <a:prstDash val="solid"/>
+                  <a:miter lim="800000"/>
+                </a:ln>
+                <a:solidFill>
+                  <a:srgbClr val="FF0000"/>
+                </a:solidFill>
+                <a:effectLst>
+                  <a:outerShdw blurRad="25500" dist="23000" dir="7020000" algn="tl">
+                    <a:srgbClr val="000000">
+                      <a:alpha val="50000"/>
+                    </a:srgbClr>
+                  </a:outerShdw>
+                </a:effectLst>
+              </a:rPr>
+              <a:t>Action:</a:t>
+            </a:r>
+          </a:p>
+          <a:p>
+            <a:pPr algn="ctr"/>
+            <a:r>
+              <a:rPr lang="en-US" sz="2400" b="1" dirty="0" smtClean="0">
+                <a:ln w="18000">
+                  <a:solidFill>
+                    <a:schemeClr val="accent2">
+                      <a:satMod val="140000"/>
+                    </a:schemeClr>
+                  </a:solidFill>
+                  <a:prstDash val="solid"/>
+                  <a:miter lim="800000"/>
+                </a:ln>
+                <a:solidFill>
+                  <a:srgbClr val="FF0000"/>
+                </a:solidFill>
+                <a:effectLst>
+                  <a:outerShdw blurRad="25500" dist="23000" dir="7020000" algn="tl">
+                    <a:srgbClr val="000000">
+                      <a:alpha val="50000"/>
+                    </a:srgbClr>
+                  </a:outerShdw>
+                </a:effectLst>
+              </a:rPr>
+              <a:t>Validate model</a:t>
+            </a:r>
+            <a:endParaRPr lang="en-US" sz="2400" b="1" cap="none" spc="0" dirty="0">
+              <a:ln w="18000">
+                <a:solidFill>
+                  <a:schemeClr val="accent2">
+                    <a:satMod val="140000"/>
+                  </a:schemeClr>
+                </a:solidFill>
+                <a:prstDash val="solid"/>
+                <a:miter lim="800000"/>
+              </a:ln>
+              <a:solidFill>
+                <a:srgbClr val="FF0000"/>
+              </a:solidFill>
+              <a:effectLst>
+                <a:outerShdw blurRad="25500" dist="23000" dir="7020000" algn="tl">
+                  <a:srgbClr val="000000">
+                    <a:alpha val="50000"/>
+                  </a:srgbClr>
+                </a:outerShdw>
+              </a:effectLst>
+            </a:endParaRPr>
+          </a:p>
+        </p:txBody>
+      </p:sp>
     </p:spTree>
   </p:cSld>
   <p:clrMapOvr>
@@ -5740,7 +7345,7 @@
                             </p:stCondLst>
                             <p:childTnLst>
                               <p:par>
-                                <p:cTn id="12" presetID="2" presetClass="entr" presetSubtype="8" fill="hold" nodeType="clickEffect">
+                                <p:cTn id="12" presetID="1" presetClass="exit" presetSubtype="0" fill="hold" grpId="1" nodeType="clickEffect">
                                   <p:stCondLst>
                                     <p:cond delay="0"/>
                                   </p:stCondLst>
@@ -5748,6 +7353,132 @@
                                     <p:set>
                                       <p:cBhvr>
                                         <p:cTn id="13" dur="1" fill="hold">
+                                          <p:stCondLst>
+                                            <p:cond delay="0"/>
+                                          </p:stCondLst>
+                                        </p:cTn>
+                                        <p:tgtEl>
+                                          <p:spTgt spid="42"/>
+                                        </p:tgtEl>
+                                        <p:attrNameLst>
+                                          <p:attrName>style.visibility</p:attrName>
+                                        </p:attrNameLst>
+                                      </p:cBhvr>
+                                      <p:to>
+                                        <p:strVal val="hidden"/>
+                                      </p:to>
+                                    </p:set>
+                                  </p:childTnLst>
+                                </p:cTn>
+                              </p:par>
+                            </p:childTnLst>
+                          </p:cTn>
+                        </p:par>
+                        <p:par>
+                          <p:cTn id="14" fill="hold">
+                            <p:stCondLst>
+                              <p:cond delay="0"/>
+                            </p:stCondLst>
+                            <p:childTnLst>
+                              <p:par>
+                                <p:cTn id="15" presetID="53" presetClass="entr" presetSubtype="0" fill="hold" grpId="0" nodeType="afterEffect">
+                                  <p:stCondLst>
+                                    <p:cond delay="0"/>
+                                  </p:stCondLst>
+                                  <p:childTnLst>
+                                    <p:set>
+                                      <p:cBhvr>
+                                        <p:cTn id="16" dur="1" fill="hold">
+                                          <p:stCondLst>
+                                            <p:cond delay="0"/>
+                                          </p:stCondLst>
+                                        </p:cTn>
+                                        <p:tgtEl>
+                                          <p:spTgt spid="54"/>
+                                        </p:tgtEl>
+                                        <p:attrNameLst>
+                                          <p:attrName>style.visibility</p:attrName>
+                                        </p:attrNameLst>
+                                      </p:cBhvr>
+                                      <p:to>
+                                        <p:strVal val="visible"/>
+                                      </p:to>
+                                    </p:set>
+                                    <p:anim calcmode="lin" valueType="num">
+                                      <p:cBhvr>
+                                        <p:cTn id="17" dur="500" fill="hold"/>
+                                        <p:tgtEl>
+                                          <p:spTgt spid="54"/>
+                                        </p:tgtEl>
+                                        <p:attrNameLst>
+                                          <p:attrName>ppt_w</p:attrName>
+                                        </p:attrNameLst>
+                                      </p:cBhvr>
+                                      <p:tavLst>
+                                        <p:tav tm="0">
+                                          <p:val>
+                                            <p:fltVal val="0"/>
+                                          </p:val>
+                                        </p:tav>
+                                        <p:tav tm="100000">
+                                          <p:val>
+                                            <p:strVal val="#ppt_w"/>
+                                          </p:val>
+                                        </p:tav>
+                                      </p:tavLst>
+                                    </p:anim>
+                                    <p:anim calcmode="lin" valueType="num">
+                                      <p:cBhvr>
+                                        <p:cTn id="18" dur="500" fill="hold"/>
+                                        <p:tgtEl>
+                                          <p:spTgt spid="54"/>
+                                        </p:tgtEl>
+                                        <p:attrNameLst>
+                                          <p:attrName>ppt_h</p:attrName>
+                                        </p:attrNameLst>
+                                      </p:cBhvr>
+                                      <p:tavLst>
+                                        <p:tav tm="0">
+                                          <p:val>
+                                            <p:fltVal val="0"/>
+                                          </p:val>
+                                        </p:tav>
+                                        <p:tav tm="100000">
+                                          <p:val>
+                                            <p:strVal val="#ppt_h"/>
+                                          </p:val>
+                                        </p:tav>
+                                      </p:tavLst>
+                                    </p:anim>
+                                    <p:animEffect transition="in" filter="fade">
+                                      <p:cBhvr>
+                                        <p:cTn id="19" dur="500"/>
+                                        <p:tgtEl>
+                                          <p:spTgt spid="54"/>
+                                        </p:tgtEl>
+                                      </p:cBhvr>
+                                    </p:animEffect>
+                                  </p:childTnLst>
+                                </p:cTn>
+                              </p:par>
+                            </p:childTnLst>
+                          </p:cTn>
+                        </p:par>
+                        <p:par>
+                          <p:cTn id="20" fill="hold">
+                            <p:stCondLst>
+                              <p:cond delay="500"/>
+                            </p:stCondLst>
+                            <p:childTnLst>
+                              <p:par>
+                                <p:cTn id="21" presetID="2" presetClass="entr" presetSubtype="8" fill="hold" nodeType="afterEffect">
+                                  <p:stCondLst>
+                                    <p:cond delay="0"/>
+                                  </p:stCondLst>
+                                  <p:childTnLst>
+                                    <p:set>
+                                      <p:cBhvr>
+                                        <p:cTn id="22" dur="1" fill="hold">
                                           <p:stCondLst>
                                             <p:cond delay="0"/>
                                           </p:stCondLst>
@@ -5765,7 +7496,7 @@
                                     </p:set>
                                     <p:anim calcmode="lin" valueType="num">
                                       <p:cBhvr additive="base">
-                                        <p:cTn id="14" dur="500" fill="hold"/>
+                                        <p:cTn id="23" dur="500" fill="hold"/>
                                         <p:tgtEl>
                                           <p:spTgt spid="84"/>
                                         </p:tgtEl>
@@ -5788,7 +7519,7 @@
                                     </p:anim>
                                     <p:anim calcmode="lin" valueType="num">
                                       <p:cBhvr additive="base">
-                                        <p:cTn id="15" dur="500" fill="hold"/>
+                                        <p:cTn id="24" dur="500" fill="hold"/>
                                         <p:tgtEl>
                                           <p:spTgt spid="84"/>
                                         </p:tgtEl>
@@ -5819,26 +7550,26 @@
                     </p:cTn>
                   </p:par>
                   <p:par>
-                    <p:cTn id="16" fill="hold">
+                    <p:cTn id="25" fill="hold">
                       <p:stCondLst>
                         <p:cond delay="indefinite"/>
                       </p:stCondLst>
                       <p:childTnLst>
                         <p:par>
-                          <p:cTn id="17" fill="hold">
+                          <p:cTn id="26" fill="hold">
                             <p:stCondLst>
                               <p:cond delay="0"/>
                             </p:stCondLst>
                             <p:childTnLst>
                               <p:par>
-                                <p:cTn id="18" presetID="1" presetClass="entr" presetSubtype="0" fill="hold" nodeType="clickEffect">
+                                <p:cTn id="27" presetID="1" presetClass="entr" presetSubtype="0" fill="hold" nodeType="clickEffect">
                                   <p:stCondLst>
                                     <p:cond delay="0"/>
                                   </p:stCondLst>
                                   <p:childTnLst>
                                     <p:set>
                                       <p:cBhvr>
-                                        <p:cTn id="19" dur="1" fill="hold">
+                                        <p:cTn id="28" dur="1" fill="hold">
                                           <p:stCondLst>
                                             <p:cond delay="0"/>
                                           </p:stCondLst>
@@ -5864,26 +7595,26 @@
                     </p:cTn>
                   </p:par>
                   <p:par>
-                    <p:cTn id="20" fill="hold">
+                    <p:cTn id="29" fill="hold">
                       <p:stCondLst>
                         <p:cond delay="indefinite"/>
                       </p:stCondLst>
                       <p:childTnLst>
                         <p:par>
-                          <p:cTn id="21" fill="hold">
+                          <p:cTn id="30" fill="hold">
                             <p:stCondLst>
                               <p:cond delay="0"/>
                             </p:stCondLst>
                             <p:childTnLst>
                               <p:par>
-                                <p:cTn id="22" presetID="1" presetClass="entr" presetSubtype="0" fill="hold" nodeType="clickEffect">
+                                <p:cTn id="31" presetID="1" presetClass="entr" presetSubtype="0" fill="hold" nodeType="clickEffect">
                                   <p:stCondLst>
                                     <p:cond delay="0"/>
                                   </p:stCondLst>
                                   <p:childTnLst>
                                     <p:set>
                                       <p:cBhvr>
-                                        <p:cTn id="23" dur="1" fill="hold">
+                                        <p:cTn id="32" dur="1" fill="hold">
                                           <p:stCondLst>
                                             <p:cond delay="0"/>
                                           </p:stCondLst>
@@ -5903,14 +7634,14 @@
                                 </p:cTn>
                               </p:par>
                               <p:par>
-                                <p:cTn id="24" presetID="1" presetClass="exit" presetSubtype="0" fill="hold" nodeType="withEffect">
+                                <p:cTn id="33" presetID="1" presetClass="exit" presetSubtype="0" fill="hold" nodeType="withEffect">
                                   <p:stCondLst>
                                     <p:cond delay="0"/>
                                   </p:stCondLst>
                                   <p:childTnLst>
                                     <p:set>
                                       <p:cBhvr>
-                                        <p:cTn id="25" dur="1" fill="hold">
+                                        <p:cTn id="34" dur="1" fill="hold">
                                           <p:stCondLst>
                                             <p:cond delay="0"/>
                                           </p:stCondLst>
@@ -5936,26 +7667,26 @@
                     </p:cTn>
                   </p:par>
                   <p:par>
-                    <p:cTn id="26" fill="hold">
+                    <p:cTn id="35" fill="hold">
                       <p:stCondLst>
                         <p:cond delay="indefinite"/>
                       </p:stCondLst>
                       <p:childTnLst>
                         <p:par>
-                          <p:cTn id="27" fill="hold">
+                          <p:cTn id="36" fill="hold">
                             <p:stCondLst>
                               <p:cond delay="0"/>
                             </p:stCondLst>
                             <p:childTnLst>
                               <p:par>
-                                <p:cTn id="28" presetID="1" presetClass="exit" presetSubtype="0" fill="hold" nodeType="clickEffect">
+                                <p:cTn id="37" presetID="1" presetClass="exit" presetSubtype="0" fill="hold" nodeType="clickEffect">
                                   <p:stCondLst>
                                     <p:cond delay="0"/>
                                   </p:stCondLst>
                                   <p:childTnLst>
                                     <p:set>
                                       <p:cBhvr>
-                                        <p:cTn id="29" dur="1" fill="hold">
+                                        <p:cTn id="38" dur="1" fill="hold">
                                           <p:stCondLst>
                                             <p:cond delay="0"/>
                                           </p:stCondLst>
@@ -5975,14 +7706,14 @@
                                 </p:cTn>
                               </p:par>
                               <p:par>
-                                <p:cTn id="30" presetID="1" presetClass="exit" presetSubtype="0" fill="hold" nodeType="withEffect">
+                                <p:cTn id="39" presetID="1" presetClass="exit" presetSubtype="0" fill="hold" nodeType="withEffect">
                                   <p:stCondLst>
                                     <p:cond delay="0"/>
                                   </p:stCondLst>
                                   <p:childTnLst>
                                     <p:set>
                                       <p:cBhvr>
-                                        <p:cTn id="31" dur="1" fill="hold">
+                                        <p:cTn id="40" dur="1" fill="hold">
                                           <p:stCondLst>
                                             <p:cond delay="0"/>
                                           </p:stCondLst>
@@ -6005,20 +7736,20 @@
                           </p:cTn>
                         </p:par>
                         <p:par>
-                          <p:cTn id="32" fill="hold">
+                          <p:cTn id="41" fill="hold">
                             <p:stCondLst>
                               <p:cond delay="0"/>
                             </p:stCondLst>
                             <p:childTnLst>
                               <p:par>
-                                <p:cTn id="33" presetID="2" presetClass="entr" presetSubtype="2" fill="hold" nodeType="afterEffect">
+                                <p:cTn id="42" presetID="2" presetClass="entr" presetSubtype="2" fill="hold" nodeType="afterEffect">
                                   <p:stCondLst>
                                     <p:cond delay="0"/>
                                   </p:stCondLst>
                                   <p:childTnLst>
                                     <p:set>
                                       <p:cBhvr>
-                                        <p:cTn id="34" dur="1" fill="hold">
+                                        <p:cTn id="43" dur="1" fill="hold">
                                           <p:stCondLst>
                                             <p:cond delay="0"/>
                                           </p:stCondLst>
@@ -6036,7 +7767,7 @@
                                     </p:set>
                                     <p:anim calcmode="lin" valueType="num">
                                       <p:cBhvr additive="base">
-                                        <p:cTn id="35" dur="500" fill="hold"/>
+                                        <p:cTn id="44" dur="500" fill="hold"/>
                                         <p:tgtEl>
                                           <p:spTgt spid="77"/>
                                         </p:tgtEl>
@@ -6059,7 +7790,7 @@
                                     </p:anim>
                                     <p:anim calcmode="lin" valueType="num">
                                       <p:cBhvr additive="base">
-                                        <p:cTn id="36" dur="500" fill="hold"/>
+                                        <p:cTn id="45" dur="500" fill="hold"/>
                                         <p:tgtEl>
                                           <p:spTgt spid="77"/>
                                         </p:tgtEl>
@@ -6090,26 +7821,62 @@
                     </p:cTn>
                   </p:par>
                   <p:par>
-                    <p:cTn id="37" fill="hold">
+                    <p:cTn id="46" fill="hold">
                       <p:stCondLst>
                         <p:cond delay="indefinite"/>
                       </p:stCondLst>
                       <p:childTnLst>
                         <p:par>
-                          <p:cTn id="38" fill="hold">
+                          <p:cTn id="47" fill="hold">
                             <p:stCondLst>
                               <p:cond delay="0"/>
                             </p:stCondLst>
                             <p:childTnLst>
                               <p:par>
-                                <p:cTn id="39" presetID="1" presetClass="exit" presetSubtype="0" fill="hold" nodeType="clickEffect">
+                                <p:cTn id="48" presetID="1" presetClass="exit" presetSubtype="0" fill="hold" grpId="1" nodeType="clickEffect">
                                   <p:stCondLst>
                                     <p:cond delay="0"/>
                                   </p:stCondLst>
                                   <p:childTnLst>
                                     <p:set>
                                       <p:cBhvr>
-                                        <p:cTn id="40" dur="1" fill="hold">
+                                        <p:cTn id="49" dur="1" fill="hold">
+                                          <p:stCondLst>
+                                            <p:cond delay="0"/>
+                                          </p:stCondLst>
+                                        </p:cTn>
+                                        <p:tgtEl>
+                                          <p:spTgt spid="54"/>
+                                        </p:tgtEl>
+                                        <p:attrNameLst>
+                                          <p:attrName>style.visibility</p:attrName>
+                                        </p:attrNameLst>
+                                      </p:cBhvr>
+                                      <p:to>
+                                        <p:strVal val="hidden"/>
+                                      </p:to>
+                                    </p:set>
+                                  </p:childTnLst>
+                                </p:cTn>
+                              </p:par>
+                            </p:childTnLst>
+                          </p:cTn>
+                        </p:par>
+                        <p:par>
+                          <p:cTn id="50" fill="hold">
+                            <p:stCondLst>
+                              <p:cond delay="0"/>
+                            </p:stCondLst>
+                            <p:childTnLst>
+                              <p:par>
+                                <p:cTn id="51" presetID="1" presetClass="exit" presetSubtype="0" fill="hold" nodeType="afterEffect">
+                                  <p:stCondLst>
+                                    <p:cond delay="0"/>
+                                  </p:stCondLst>
+                                  <p:childTnLst>
+                                    <p:set>
+                                      <p:cBhvr>
+                                        <p:cTn id="52" dur="1" fill="hold">
                                           <p:stCondLst>
                                             <p:cond delay="0"/>
                                           </p:stCondLst>
@@ -6131,66 +7898,21 @@
                             </p:childTnLst>
                           </p:cTn>
                         </p:par>
-                      </p:childTnLst>
-                    </p:cTn>
-                  </p:par>
-                  <p:par>
-                    <p:cTn id="41" fill="hold">
-                      <p:stCondLst>
-                        <p:cond delay="indefinite"/>
-                      </p:stCondLst>
-                      <p:childTnLst>
                         <p:par>
-                          <p:cTn id="42" fill="hold">
+                          <p:cTn id="53" fill="hold">
                             <p:stCondLst>
                               <p:cond delay="0"/>
                             </p:stCondLst>
                             <p:childTnLst>
                               <p:par>
-                                <p:cTn id="43" presetID="1" presetClass="exit" presetSubtype="0" fill="hold" grpId="1" nodeType="clickEffect">
+                                <p:cTn id="54" presetID="53" presetClass="entr" presetSubtype="0" fill="hold" grpId="1" nodeType="afterEffect">
                                   <p:stCondLst>
                                     <p:cond delay="0"/>
                                   </p:stCondLst>
                                   <p:childTnLst>
                                     <p:set>
                                       <p:cBhvr>
-                                        <p:cTn id="44" dur="1" fill="hold">
-                                          <p:stCondLst>
-                                            <p:cond delay="0"/>
-                                          </p:stCondLst>
-                                        </p:cTn>
-                                        <p:tgtEl>
-                                          <p:spTgt spid="42"/>
-                                        </p:tgtEl>
-                                        <p:attrNameLst>
-                                          <p:attrName>style.visibility</p:attrName>
-                                        </p:attrNameLst>
-                                      </p:cBhvr>
-                                      <p:to>
-                                        <p:strVal val="hidden"/>
-                                      </p:to>
-                                    </p:set>
-                                  </p:childTnLst>
-                                </p:cTn>
-                              </p:par>
-                            </p:childTnLst>
-                          </p:cTn>
-                        </p:par>
-                        <p:par>
-                          <p:cTn id="45" fill="hold">
-                            <p:stCondLst>
-                              <p:cond delay="0"/>
-                            </p:stCondLst>
-                            <p:childTnLst>
-                              <p:par>
-                                <p:cTn id="46" presetID="53" presetClass="entr" presetSubtype="0" fill="hold" grpId="1" nodeType="afterEffect">
-                                  <p:stCondLst>
-                                    <p:cond delay="0"/>
-                                  </p:stCondLst>
-                                  <p:childTnLst>
-                                    <p:set>
-                                      <p:cBhvr>
-                                        <p:cTn id="47" dur="1" fill="hold">
+                                        <p:cTn id="55" dur="1" fill="hold">
                                           <p:stCondLst>
                                             <p:cond delay="0"/>
                                           </p:stCondLst>
@@ -6208,7 +7930,7 @@
                                     </p:set>
                                     <p:anim calcmode="lin" valueType="num">
                                       <p:cBhvr>
-                                        <p:cTn id="48" dur="500" fill="hold"/>
+                                        <p:cTn id="56" dur="500" fill="hold"/>
                                         <p:tgtEl>
                                           <p:spTgt spid="43"/>
                                         </p:tgtEl>
@@ -6231,7 +7953,7 @@
                                     </p:anim>
                                     <p:anim calcmode="lin" valueType="num">
                                       <p:cBhvr>
-                                        <p:cTn id="49" dur="500" fill="hold"/>
+                                        <p:cTn id="57" dur="500" fill="hold"/>
                                         <p:tgtEl>
                                           <p:spTgt spid="43"/>
                                         </p:tgtEl>
@@ -6254,7 +7976,7 @@
                                     </p:anim>
                                     <p:animEffect transition="in" filter="fade">
                                       <p:cBhvr>
-                                        <p:cTn id="50" dur="500"/>
+                                        <p:cTn id="58" dur="500"/>
                                         <p:tgtEl>
                                           <p:spTgt spid="43"/>
                                         </p:tgtEl>
@@ -6270,26 +7992,26 @@
                     </p:cTn>
                   </p:par>
                   <p:par>
-                    <p:cTn id="51" fill="hold">
+                    <p:cTn id="59" fill="hold">
                       <p:stCondLst>
                         <p:cond delay="indefinite"/>
                       </p:stCondLst>
                       <p:childTnLst>
                         <p:par>
-                          <p:cTn id="52" fill="hold">
+                          <p:cTn id="60" fill="hold">
                             <p:stCondLst>
                               <p:cond delay="0"/>
                             </p:stCondLst>
                             <p:childTnLst>
                               <p:par>
-                                <p:cTn id="53" presetID="1" presetClass="exit" presetSubtype="0" fill="hold" grpId="2" nodeType="clickEffect">
+                                <p:cTn id="61" presetID="1" presetClass="exit" presetSubtype="0" fill="hold" grpId="2" nodeType="clickEffect">
                                   <p:stCondLst>
                                     <p:cond delay="0"/>
                                   </p:stCondLst>
                                   <p:childTnLst>
                                     <p:set>
                                       <p:cBhvr>
-                                        <p:cTn id="54" dur="1" fill="hold">
+                                        <p:cTn id="62" dur="1" fill="hold">
                                           <p:stCondLst>
                                             <p:cond delay="0"/>
                                           </p:stCondLst>
@@ -6315,26 +8037,26 @@
                     </p:cTn>
                   </p:par>
                   <p:par>
-                    <p:cTn id="55" fill="hold">
+                    <p:cTn id="63" fill="hold">
                       <p:stCondLst>
                         <p:cond delay="indefinite"/>
                       </p:stCondLst>
                       <p:childTnLst>
                         <p:par>
-                          <p:cTn id="56" fill="hold">
+                          <p:cTn id="64" fill="hold">
                             <p:stCondLst>
                               <p:cond delay="0"/>
                             </p:stCondLst>
                             <p:childTnLst>
                               <p:par>
-                                <p:cTn id="57" presetID="53" presetClass="entr" presetSubtype="0" fill="hold" grpId="0" nodeType="clickEffect">
+                                <p:cTn id="65" presetID="53" presetClass="entr" presetSubtype="0" fill="hold" grpId="0" nodeType="clickEffect">
                                   <p:stCondLst>
                                     <p:cond delay="0"/>
                                   </p:stCondLst>
                                   <p:childTnLst>
                                     <p:set>
                                       <p:cBhvr>
-                                        <p:cTn id="58" dur="1" fill="hold">
+                                        <p:cTn id="66" dur="1" fill="hold">
                                           <p:stCondLst>
                                             <p:cond delay="0"/>
                                           </p:stCondLst>
@@ -6352,7 +8074,7 @@
                                     </p:set>
                                     <p:anim calcmode="lin" valueType="num">
                                       <p:cBhvr>
-                                        <p:cTn id="59" dur="500" fill="hold"/>
+                                        <p:cTn id="67" dur="500" fill="hold"/>
                                         <p:tgtEl>
                                           <p:spTgt spid="44"/>
                                         </p:tgtEl>
@@ -6375,7 +8097,7 @@
                                     </p:anim>
                                     <p:anim calcmode="lin" valueType="num">
                                       <p:cBhvr>
-                                        <p:cTn id="60" dur="500" fill="hold"/>
+                                        <p:cTn id="68" dur="500" fill="hold"/>
                                         <p:tgtEl>
                                           <p:spTgt spid="44"/>
                                         </p:tgtEl>
@@ -6398,7 +8120,7 @@
                                     </p:anim>
                                     <p:animEffect transition="in" filter="fade">
                                       <p:cBhvr>
-                                        <p:cTn id="61" dur="500"/>
+                                        <p:cTn id="69" dur="500"/>
                                         <p:tgtEl>
                                           <p:spTgt spid="44"/>
                                         </p:tgtEl>
@@ -6414,26 +8136,161 @@
                     </p:cTn>
                   </p:par>
                   <p:par>
-                    <p:cTn id="62" fill="hold">
+                    <p:cTn id="70" fill="hold">
                       <p:stCondLst>
                         <p:cond delay="indefinite"/>
                       </p:stCondLst>
                       <p:childTnLst>
                         <p:par>
-                          <p:cTn id="63" fill="hold">
+                          <p:cTn id="71" fill="hold">
                             <p:stCondLst>
                               <p:cond delay="0"/>
                             </p:stCondLst>
                             <p:childTnLst>
                               <p:par>
-                                <p:cTn id="64" presetID="2" presetClass="entr" presetSubtype="8" fill="hold" nodeType="clickEffect">
+                                <p:cTn id="72" presetID="1" presetClass="exit" presetSubtype="0" fill="hold" grpId="2" nodeType="clickEffect">
                                   <p:stCondLst>
                                     <p:cond delay="0"/>
                                   </p:stCondLst>
                                   <p:childTnLst>
                                     <p:set>
                                       <p:cBhvr>
-                                        <p:cTn id="65" dur="1" fill="hold">
+                                        <p:cTn id="73" dur="1" fill="hold">
+                                          <p:stCondLst>
+                                            <p:cond delay="0"/>
+                                          </p:stCondLst>
+                                        </p:cTn>
+                                        <p:tgtEl>
+                                          <p:spTgt spid="44"/>
+                                        </p:tgtEl>
+                                        <p:attrNameLst>
+                                          <p:attrName>style.visibility</p:attrName>
+                                        </p:attrNameLst>
+                                      </p:cBhvr>
+                                      <p:to>
+                                        <p:strVal val="hidden"/>
+                                      </p:to>
+                                    </p:set>
+                                  </p:childTnLst>
+                                </p:cTn>
+                              </p:par>
+                            </p:childTnLst>
+                          </p:cTn>
+                        </p:par>
+                        <p:par>
+                          <p:cTn id="74" fill="hold">
+                            <p:stCondLst>
+                              <p:cond delay="0"/>
+                            </p:stCondLst>
+                            <p:childTnLst>
+                              <p:par>
+                                <p:cTn id="75" presetID="53" presetClass="entr" presetSubtype="0" fill="hold" grpId="0" nodeType="afterEffect">
+                                  <p:stCondLst>
+                                    <p:cond delay="0"/>
+                                  </p:stCondLst>
+                                  <p:childTnLst>
+                                    <p:set>
+                                      <p:cBhvr>
+                                        <p:cTn id="76" dur="1" fill="hold">
+                                          <p:stCondLst>
+                                            <p:cond delay="0"/>
+                                          </p:stCondLst>
+                                        </p:cTn>
+                                        <p:tgtEl>
+                                          <p:spTgt spid="64"/>
+                                        </p:tgtEl>
+                                        <p:attrNameLst>
+                                          <p:attrName>style.visibility</p:attrName>
+                                        </p:attrNameLst>
+                                      </p:cBhvr>
+                                      <p:to>
+                                        <p:strVal val="visible"/>
+                                      </p:to>
+                                    </p:set>
+                                    <p:anim calcmode="lin" valueType="num">
+                                      <p:cBhvr>
+                                        <p:cTn id="77" dur="500" fill="hold"/>
+                                        <p:tgtEl>
+                                          <p:spTgt spid="64"/>
+                                        </p:tgtEl>
+                                        <p:attrNameLst>
+                                          <p:attrName>ppt_w</p:attrName>
+                                        </p:attrNameLst>
+                                      </p:cBhvr>
+                                      <p:tavLst>
+                                        <p:tav tm="0">
+                                          <p:val>
+                                            <p:fltVal val="0"/>
+                                          </p:val>
+                                        </p:tav>
+                                        <p:tav tm="100000">
+                                          <p:val>
+                                            <p:strVal val="#ppt_w"/>
+                                          </p:val>
+                                        </p:tav>
+                                      </p:tavLst>
+                                    </p:anim>
+                                    <p:anim calcmode="lin" valueType="num">
+                                      <p:cBhvr>
+                                        <p:cTn id="78" dur="500" fill="hold"/>
+                                        <p:tgtEl>
+                                          <p:spTgt spid="64"/>
+                                        </p:tgtEl>
+                                        <p:attrNameLst>
+                                          <p:attrName>ppt_h</p:attrName>
+                                        </p:attrNameLst>
+                                      </p:cBhvr>
+                                      <p:tavLst>
+                                        <p:tav tm="0">
+                                          <p:val>
+                                            <p:fltVal val="0"/>
+                                          </p:val>
+                                        </p:tav>
+                                        <p:tav tm="100000">
+                                          <p:val>
+                                            <p:strVal val="#ppt_h"/>
+                                          </p:val>
+                                        </p:tav>
+                                      </p:tavLst>
+                                    </p:anim>
+                                    <p:animEffect transition="in" filter="fade">
+                                      <p:cBhvr>
+                                        <p:cTn id="79" dur="500"/>
+                                        <p:tgtEl>
+                                          <p:spTgt spid="64"/>
+                                        </p:tgtEl>
+                                      </p:cBhvr>
+                                    </p:animEffect>
+                                  </p:childTnLst>
+                                </p:cTn>
+                              </p:par>
+                            </p:childTnLst>
+                          </p:cTn>
+                        </p:par>
+                      </p:childTnLst>
+                    </p:cTn>
+                  </p:par>
+                  <p:par>
+                    <p:cTn id="80" fill="hold">
+                      <p:stCondLst>
+                        <p:cond delay="indefinite"/>
+                      </p:stCondLst>
+                      <p:childTnLst>
+                        <p:par>
+                          <p:cTn id="81" fill="hold">
+                            <p:stCondLst>
+                              <p:cond delay="0"/>
+                            </p:stCondLst>
+                            <p:childTnLst>
+                              <p:par>
+                                <p:cTn id="82" presetID="2" presetClass="entr" presetSubtype="8" fill="hold" nodeType="clickEffect">
+                                  <p:stCondLst>
+                                    <p:cond delay="0"/>
+                                  </p:stCondLst>
+                                  <p:childTnLst>
+                                    <p:set>
+                                      <p:cBhvr>
+                                        <p:cTn id="83" dur="1" fill="hold">
                                           <p:stCondLst>
                                             <p:cond delay="0"/>
                                           </p:stCondLst>
@@ -6451,7 +8308,7 @@
                                     </p:set>
                                     <p:anim calcmode="lin" valueType="num">
                                       <p:cBhvr additive="base">
-                                        <p:cTn id="66" dur="500" fill="hold"/>
+                                        <p:cTn id="84" dur="500" fill="hold"/>
                                         <p:tgtEl>
                                           <p:spTgt spid="48"/>
                                         </p:tgtEl>
@@ -6474,7 +8331,7 @@
                                     </p:anim>
                                     <p:anim calcmode="lin" valueType="num">
                                       <p:cBhvr additive="base">
-                                        <p:cTn id="67" dur="500" fill="hold"/>
+                                        <p:cTn id="85" dur="500" fill="hold"/>
                                         <p:tgtEl>
                                           <p:spTgt spid="48"/>
                                         </p:tgtEl>
@@ -6505,71 +8362,26 @@
                     </p:cTn>
                   </p:par>
                   <p:par>
-                    <p:cTn id="68" fill="hold">
+                    <p:cTn id="86" fill="hold">
                       <p:stCondLst>
                         <p:cond delay="indefinite"/>
                       </p:stCondLst>
                       <p:childTnLst>
                         <p:par>
-                          <p:cTn id="69" fill="hold">
+                          <p:cTn id="87" fill="hold">
                             <p:stCondLst>
                               <p:cond delay="0"/>
                             </p:stCondLst>
                             <p:childTnLst>
                               <p:par>
-                                <p:cTn id="70" presetID="1" presetClass="exit" presetSubtype="0" fill="hold" nodeType="clickEffect">
+                                <p:cTn id="88" presetID="1" presetClass="entr" presetSubtype="0" fill="hold" nodeType="clickEffect">
                                   <p:stCondLst>
                                     <p:cond delay="0"/>
                                   </p:stCondLst>
                                   <p:childTnLst>
                                     <p:set>
                                       <p:cBhvr>
-                                        <p:cTn id="71" dur="1" fill="hold">
-                                          <p:stCondLst>
-                                            <p:cond delay="0"/>
-                                          </p:stCondLst>
-                                        </p:cTn>
-                                        <p:tgtEl>
-                                          <p:spTgt spid="48"/>
-                                        </p:tgtEl>
-                                        <p:attrNameLst>
-                                          <p:attrName>style.visibility</p:attrName>
-                                        </p:attrNameLst>
-                                      </p:cBhvr>
-                                      <p:to>
-                                        <p:strVal val="hidden"/>
-                                      </p:to>
-                                    </p:set>
-                                  </p:childTnLst>
-                                </p:cTn>
-                              </p:par>
-                            </p:childTnLst>
-                          </p:cTn>
-                        </p:par>
-                      </p:childTnLst>
-                    </p:cTn>
-                  </p:par>
-                  <p:par>
-                    <p:cTn id="72" fill="hold">
-                      <p:stCondLst>
-                        <p:cond delay="indefinite"/>
-                      </p:stCondLst>
-                      <p:childTnLst>
-                        <p:par>
-                          <p:cTn id="73" fill="hold">
-                            <p:stCondLst>
-                              <p:cond delay="0"/>
-                            </p:stCondLst>
-                            <p:childTnLst>
-                              <p:par>
-                                <p:cTn id="74" presetID="1" presetClass="entr" presetSubtype="0" fill="hold" nodeType="clickEffect">
-                                  <p:stCondLst>
-                                    <p:cond delay="0"/>
-                                  </p:stCondLst>
-                                  <p:childTnLst>
-                                    <p:set>
-                                      <p:cBhvr>
-                                        <p:cTn id="75" dur="1" fill="hold">
+                                        <p:cTn id="89" dur="1" fill="hold">
                                           <p:stCondLst>
                                             <p:cond delay="0"/>
                                           </p:stCondLst>
@@ -6595,26 +8407,26 @@
                     </p:cTn>
                   </p:par>
                   <p:par>
-                    <p:cTn id="76" fill="hold">
+                    <p:cTn id="90" fill="hold">
                       <p:stCondLst>
                         <p:cond delay="indefinite"/>
                       </p:stCondLst>
                       <p:childTnLst>
                         <p:par>
-                          <p:cTn id="77" fill="hold">
+                          <p:cTn id="91" fill="hold">
                             <p:stCondLst>
                               <p:cond delay="0"/>
                             </p:stCondLst>
                             <p:childTnLst>
                               <p:par>
-                                <p:cTn id="78" presetID="1" presetClass="entr" presetSubtype="0" fill="hold" nodeType="clickEffect">
+                                <p:cTn id="92" presetID="1" presetClass="entr" presetSubtype="0" fill="hold" nodeType="clickEffect">
                                   <p:stCondLst>
                                     <p:cond delay="0"/>
                                   </p:stCondLst>
                                   <p:childTnLst>
                                     <p:set>
                                       <p:cBhvr>
-                                        <p:cTn id="79" dur="1" fill="hold">
+                                        <p:cTn id="93" dur="1" fill="hold">
                                           <p:stCondLst>
                                             <p:cond delay="0"/>
                                           </p:stCondLst>
@@ -6640,26 +8452,26 @@
                     </p:cTn>
                   </p:par>
                   <p:par>
-                    <p:cTn id="80" fill="hold">
+                    <p:cTn id="94" fill="hold">
                       <p:stCondLst>
                         <p:cond delay="indefinite"/>
                       </p:stCondLst>
                       <p:childTnLst>
                         <p:par>
-                          <p:cTn id="81" fill="hold">
+                          <p:cTn id="95" fill="hold">
                             <p:stCondLst>
                               <p:cond delay="0"/>
                             </p:stCondLst>
                             <p:childTnLst>
                               <p:par>
-                                <p:cTn id="82" presetID="1" presetClass="entr" presetSubtype="0" fill="hold" nodeType="clickEffect">
+                                <p:cTn id="96" presetID="1" presetClass="entr" presetSubtype="0" fill="hold" nodeType="clickEffect">
                                   <p:stCondLst>
                                     <p:cond delay="0"/>
                                   </p:stCondLst>
                                   <p:childTnLst>
                                     <p:set>
                                       <p:cBhvr>
-                                        <p:cTn id="83" dur="1" fill="hold">
+                                        <p:cTn id="97" dur="1" fill="hold">
                                           <p:stCondLst>
                                             <p:cond delay="0"/>
                                           </p:stCondLst>
@@ -6685,26 +8497,26 @@
                     </p:cTn>
                   </p:par>
                   <p:par>
-                    <p:cTn id="84" fill="hold">
+                    <p:cTn id="98" fill="hold">
                       <p:stCondLst>
                         <p:cond delay="indefinite"/>
                       </p:stCondLst>
                       <p:childTnLst>
                         <p:par>
-                          <p:cTn id="85" fill="hold">
+                          <p:cTn id="99" fill="hold">
                             <p:stCondLst>
                               <p:cond delay="0"/>
                             </p:stCondLst>
                             <p:childTnLst>
                               <p:par>
-                                <p:cTn id="86" presetID="1" presetClass="entr" presetSubtype="0" fill="hold" nodeType="clickEffect">
+                                <p:cTn id="100" presetID="1" presetClass="entr" presetSubtype="0" fill="hold" nodeType="clickEffect">
                                   <p:stCondLst>
                                     <p:cond delay="0"/>
                                   </p:stCondLst>
                                   <p:childTnLst>
                                     <p:set>
                                       <p:cBhvr>
-                                        <p:cTn id="87" dur="1" fill="hold">
+                                        <p:cTn id="101" dur="1" fill="hold">
                                           <p:stCondLst>
                                             <p:cond delay="0"/>
                                           </p:stCondLst>
@@ -6730,26 +8542,62 @@
                     </p:cTn>
                   </p:par>
                   <p:par>
-                    <p:cTn id="88" fill="hold">
+                    <p:cTn id="102" fill="hold">
                       <p:stCondLst>
                         <p:cond delay="indefinite"/>
                       </p:stCondLst>
                       <p:childTnLst>
                         <p:par>
-                          <p:cTn id="89" fill="hold">
+                          <p:cTn id="103" fill="hold">
                             <p:stCondLst>
                               <p:cond delay="0"/>
                             </p:stCondLst>
                             <p:childTnLst>
                               <p:par>
-                                <p:cTn id="90" presetID="2" presetClass="entr" presetSubtype="2" fill="hold" nodeType="clickEffect">
+                                <p:cTn id="104" presetID="1" presetClass="exit" presetSubtype="0" fill="hold" nodeType="clickEffect">
                                   <p:stCondLst>
                                     <p:cond delay="0"/>
                                   </p:stCondLst>
                                   <p:childTnLst>
                                     <p:set>
                                       <p:cBhvr>
-                                        <p:cTn id="91" dur="1" fill="hold">
+                                        <p:cTn id="105" dur="1" fill="hold">
+                                          <p:stCondLst>
+                                            <p:cond delay="0"/>
+                                          </p:stCondLst>
+                                        </p:cTn>
+                                        <p:tgtEl>
+                                          <p:spTgt spid="48"/>
+                                        </p:tgtEl>
+                                        <p:attrNameLst>
+                                          <p:attrName>style.visibility</p:attrName>
+                                        </p:attrNameLst>
+                                      </p:cBhvr>
+                                      <p:to>
+                                        <p:strVal val="hidden"/>
+                                      </p:to>
+                                    </p:set>
+                                  </p:childTnLst>
+                                </p:cTn>
+                              </p:par>
+                            </p:childTnLst>
+                          </p:cTn>
+                        </p:par>
+                        <p:par>
+                          <p:cTn id="106" fill="hold">
+                            <p:stCondLst>
+                              <p:cond delay="0"/>
+                            </p:stCondLst>
+                            <p:childTnLst>
+                              <p:par>
+                                <p:cTn id="107" presetID="2" presetClass="entr" presetSubtype="2" fill="hold" nodeType="afterEffect">
+                                  <p:stCondLst>
+                                    <p:cond delay="0"/>
+                                  </p:stCondLst>
+                                  <p:childTnLst>
+                                    <p:set>
+                                      <p:cBhvr>
+                                        <p:cTn id="108" dur="1" fill="hold">
                                           <p:stCondLst>
                                             <p:cond delay="0"/>
                                           </p:stCondLst>
@@ -6767,7 +8615,7 @@
                                     </p:set>
                                     <p:anim calcmode="lin" valueType="num">
                                       <p:cBhvr additive="base">
-                                        <p:cTn id="92" dur="500" fill="hold"/>
+                                        <p:cTn id="109" dur="500" fill="hold"/>
                                         <p:tgtEl>
                                           <p:spTgt spid="83"/>
                                         </p:tgtEl>
@@ -6790,7 +8638,7 @@
                                     </p:anim>
                                     <p:anim calcmode="lin" valueType="num">
                                       <p:cBhvr additive="base">
-                                        <p:cTn id="93" dur="500" fill="hold"/>
+                                        <p:cTn id="110" dur="500" fill="hold"/>
                                         <p:tgtEl>
                                           <p:spTgt spid="83"/>
                                         </p:tgtEl>
@@ -6821,32 +8669,32 @@
                     </p:cTn>
                   </p:par>
                   <p:par>
-                    <p:cTn id="94" fill="hold">
+                    <p:cTn id="111" fill="hold">
                       <p:stCondLst>
                         <p:cond delay="indefinite"/>
                       </p:stCondLst>
                       <p:childTnLst>
                         <p:par>
-                          <p:cTn id="95" fill="hold">
+                          <p:cTn id="112" fill="hold">
                             <p:stCondLst>
                               <p:cond delay="0"/>
                             </p:stCondLst>
                             <p:childTnLst>
                               <p:par>
-                                <p:cTn id="96" presetID="1" presetClass="exit" presetSubtype="0" fill="hold" grpId="2" nodeType="clickEffect">
+                                <p:cTn id="113" presetID="1" presetClass="exit" presetSubtype="0" fill="hold" grpId="1" nodeType="clickEffect">
                                   <p:stCondLst>
                                     <p:cond delay="0"/>
                                   </p:stCondLst>
                                   <p:childTnLst>
                                     <p:set>
                                       <p:cBhvr>
-                                        <p:cTn id="97" dur="1" fill="hold">
+                                        <p:cTn id="114" dur="1" fill="hold">
                                           <p:stCondLst>
                                             <p:cond delay="0"/>
                                           </p:stCondLst>
                                         </p:cTn>
                                         <p:tgtEl>
-                                          <p:spTgt spid="44"/>
+                                          <p:spTgt spid="64"/>
                                         </p:tgtEl>
                                         <p:attrNameLst>
                                           <p:attrName>style.visibility</p:attrName>
@@ -6863,20 +8711,20 @@
                           </p:cTn>
                         </p:par>
                         <p:par>
-                          <p:cTn id="98" fill="hold">
+                          <p:cTn id="115" fill="hold">
                             <p:stCondLst>
                               <p:cond delay="0"/>
                             </p:stCondLst>
                             <p:childTnLst>
                               <p:par>
-                                <p:cTn id="99" presetID="53" presetClass="entr" presetSubtype="0" fill="hold" nodeType="afterEffect">
+                                <p:cTn id="116" presetID="53" presetClass="entr" presetSubtype="0" fill="hold" nodeType="afterEffect">
                                   <p:stCondLst>
                                     <p:cond delay="0"/>
                                   </p:stCondLst>
                                   <p:childTnLst>
                                     <p:set>
                                       <p:cBhvr>
-                                        <p:cTn id="100" dur="1" fill="hold">
+                                        <p:cTn id="117" dur="1" fill="hold">
                                           <p:stCondLst>
                                             <p:cond delay="0"/>
                                           </p:stCondLst>
@@ -6894,7 +8742,7 @@
                                     </p:set>
                                     <p:anim calcmode="lin" valueType="num">
                                       <p:cBhvr>
-                                        <p:cTn id="101" dur="500" fill="hold"/>
+                                        <p:cTn id="118" dur="500" fill="hold"/>
                                         <p:tgtEl>
                                           <p:spTgt spid="82"/>
                                         </p:tgtEl>
@@ -6917,7 +8765,7 @@
                                     </p:anim>
                                     <p:anim calcmode="lin" valueType="num">
                                       <p:cBhvr>
-                                        <p:cTn id="102" dur="500" fill="hold"/>
+                                        <p:cTn id="119" dur="500" fill="hold"/>
                                         <p:tgtEl>
                                           <p:spTgt spid="82"/>
                                         </p:tgtEl>
@@ -6940,7 +8788,7 @@
                                     </p:anim>
                                     <p:animEffect transition="in" filter="fade">
                                       <p:cBhvr>
-                                        <p:cTn id="103" dur="500"/>
+                                        <p:cTn id="120" dur="500"/>
                                         <p:tgtEl>
                                           <p:spTgt spid="82"/>
                                         </p:tgtEl>
@@ -6983,12 +8831,16 @@
       <p:bldP spid="43" grpId="2"/>
       <p:bldP spid="44" grpId="0"/>
       <p:bldP spid="44" grpId="2"/>
+      <p:bldP spid="54" grpId="0"/>
+      <p:bldP spid="54" grpId="1"/>
+      <p:bldP spid="64" grpId="0"/>
+      <p:bldP spid="64" grpId="1"/>
     </p:bldLst>
   </p:timing>
 </p:sld>
 </file>
 
-<file path=ppt/slides/slide6.xml><?xml version="1.0" encoding="utf-8"?>
+<file path=ppt/slides/slide8.xml><?xml version="1.0" encoding="utf-8"?>
 <p:sld xmlns:a="http://schemas.openxmlformats.org/drawingml/2006/main" xmlns:r="http://schemas.openxmlformats.org/officeDocument/2006/relationships" xmlns:p="http://schemas.openxmlformats.org/presentationml/2006/main">
   <p:cSld>
     <p:spTree>
@@ -7070,156 +8922,6 @@
 </p:sld>
 </file>
 
-<file path=ppt/slides/slide7.xml><?xml version="1.0" encoding="utf-8"?>
-<p:sld xmlns:a="http://schemas.openxmlformats.org/drawingml/2006/main" xmlns:r="http://schemas.openxmlformats.org/officeDocument/2006/relationships" xmlns:p="http://schemas.openxmlformats.org/presentationml/2006/main">
-  <p:cSld>
-    <p:spTree>
-      <p:nvGrpSpPr>
-        <p:cNvPr id="1" name=""/>
-        <p:cNvGrpSpPr/>
-        <p:nvPr/>
-      </p:nvGrpSpPr>
-      <p:grpSpPr>
-        <a:xfrm>
-          <a:off x="0" y="0"/>
-          <a:ext cx="0" cy="0"/>
-          <a:chOff x="0" y="0"/>
-          <a:chExt cx="0" cy="0"/>
-        </a:xfrm>
-      </p:grpSpPr>
-      <p:sp>
-        <p:nvSpPr>
-          <p:cNvPr id="2" name="Title 1"/>
-          <p:cNvSpPr>
-            <a:spLocks noGrp="1"/>
-          </p:cNvSpPr>
-          <p:nvPr>
-            <p:ph type="title"/>
-          </p:nvPr>
-        </p:nvSpPr>
-        <p:spPr/>
-        <p:txBody>
-          <a:bodyPr>
-            <a:normAutofit fontScale="90000"/>
-          </a:bodyPr>
-          <a:lstStyle/>
-          <a:p>
-            <a:r>
-              <a:rPr lang="en-US" dirty="0" smtClean="0"/>
-              <a:t>Joe’s slides on other packages and benchmarking methods</a:t>
-            </a:r>
-            <a:endParaRPr lang="en-US" dirty="0"/>
-          </a:p>
-        </p:txBody>
-      </p:sp>
-      <p:sp>
-        <p:nvSpPr>
-          <p:cNvPr id="3" name="Content Placeholder 2"/>
-          <p:cNvSpPr>
-            <a:spLocks noGrp="1"/>
-          </p:cNvSpPr>
-          <p:nvPr>
-            <p:ph idx="1"/>
-          </p:nvPr>
-        </p:nvSpPr>
-        <p:spPr/>
-        <p:txBody>
-          <a:bodyPr/>
-          <a:lstStyle/>
-          <a:p>
-            <a:endParaRPr lang="en-US"/>
-          </a:p>
-        </p:txBody>
-      </p:sp>
-    </p:spTree>
-  </p:cSld>
-  <p:clrMapOvr>
-    <a:masterClrMapping/>
-  </p:clrMapOvr>
-  <p:timing>
-    <p:tnLst>
-      <p:par>
-        <p:cTn id="1" dur="indefinite" restart="never" nodeType="tmRoot"/>
-      </p:par>
-    </p:tnLst>
-  </p:timing>
-</p:sld>
-</file>
-
-<file path=ppt/slides/slide8.xml><?xml version="1.0" encoding="utf-8"?>
-<p:sld xmlns:a="http://schemas.openxmlformats.org/drawingml/2006/main" xmlns:r="http://schemas.openxmlformats.org/officeDocument/2006/relationships" xmlns:p="http://schemas.openxmlformats.org/presentationml/2006/main">
-  <p:cSld>
-    <p:spTree>
-      <p:nvGrpSpPr>
-        <p:cNvPr id="1" name=""/>
-        <p:cNvGrpSpPr/>
-        <p:nvPr/>
-      </p:nvGrpSpPr>
-      <p:grpSpPr>
-        <a:xfrm>
-          <a:off x="0" y="0"/>
-          <a:ext cx="0" cy="0"/>
-          <a:chOff x="0" y="0"/>
-          <a:chExt cx="0" cy="0"/>
-        </a:xfrm>
-      </p:grpSpPr>
-      <p:sp>
-        <p:nvSpPr>
-          <p:cNvPr id="2" name="Title 1"/>
-          <p:cNvSpPr>
-            <a:spLocks noGrp="1"/>
-          </p:cNvSpPr>
-          <p:nvPr>
-            <p:ph type="title"/>
-          </p:nvPr>
-        </p:nvSpPr>
-        <p:spPr/>
-        <p:txBody>
-          <a:bodyPr/>
-          <a:lstStyle/>
-          <a:p>
-            <a:r>
-              <a:rPr lang="en-US" dirty="0" smtClean="0"/>
-              <a:t>Results</a:t>
-            </a:r>
-            <a:endParaRPr lang="en-US" dirty="0"/>
-          </a:p>
-        </p:txBody>
-      </p:sp>
-      <p:sp>
-        <p:nvSpPr>
-          <p:cNvPr id="3" name="Content Placeholder 2"/>
-          <p:cNvSpPr>
-            <a:spLocks noGrp="1"/>
-          </p:cNvSpPr>
-          <p:nvPr>
-            <p:ph idx="1"/>
-          </p:nvPr>
-        </p:nvSpPr>
-        <p:spPr/>
-        <p:txBody>
-          <a:bodyPr/>
-          <a:lstStyle/>
-          <a:p>
-            <a:endParaRPr lang="en-US"/>
-          </a:p>
-        </p:txBody>
-      </p:sp>
-    </p:spTree>
-  </p:cSld>
-  <p:clrMapOvr>
-    <a:masterClrMapping/>
-  </p:clrMapOvr>
-  <p:timing>
-    <p:tnLst>
-      <p:par>
-        <p:cTn id="1" dur="indefinite" restart="never" nodeType="tmRoot"/>
-      </p:par>
-    </p:tnLst>
-  </p:timing>
-</p:sld>
-</file>
-
 <file path=ppt/slides/slide9.xml><?xml version="1.0" encoding="utf-8"?>
 <p:sld xmlns:a="http://schemas.openxmlformats.org/drawingml/2006/main" xmlns:r="http://schemas.openxmlformats.org/officeDocument/2006/relationships" xmlns:p="http://schemas.openxmlformats.org/presentationml/2006/main">
   <p:cSld>
@@ -7249,12 +8951,14 @@
         </p:nvSpPr>
         <p:spPr/>
         <p:txBody>
-          <a:bodyPr/>
+          <a:bodyPr>
+            <a:normAutofit fontScale="90000"/>
+          </a:bodyPr>
           <a:lstStyle/>
           <a:p>
             <a:r>
               <a:rPr lang="en-US" dirty="0" smtClean="0"/>
-              <a:t>Future Work</a:t>
+              <a:t>Joe’s slides on other packages and benchmarking methods</a:t>
             </a:r>
             <a:endParaRPr lang="en-US" dirty="0"/>
           </a:p>
@@ -7275,7 +8979,7 @@
           <a:bodyPr/>
           <a:lstStyle/>
           <a:p>
-            <a:endParaRPr lang="en-US" dirty="0"/>
+            <a:endParaRPr lang="en-US"/>
           </a:p>
         </p:txBody>
       </p:sp>
@@ -7575,4 +9279,287 @@
   <a:objectDefaults/>
   <a:extraClrSchemeLst/>
 </a:theme>
+</file>
+
+<file path=ppt/theme/theme2.xml><?xml version="1.0" encoding="utf-8"?>
+<a:theme xmlns:a="http://schemas.openxmlformats.org/drawingml/2006/main" name="Office Theme">
+  <a:themeElements>
+    <a:clrScheme name="Office">
+      <a:dk1>
+        <a:sysClr val="windowText" lastClr="000000"/>
+      </a:dk1>
+      <a:lt1>
+        <a:sysClr val="window" lastClr="FFFFFF"/>
+      </a:lt1>
+      <a:dk2>
+        <a:srgbClr val="1F497D"/>
+      </a:dk2>
+      <a:lt2>
+        <a:srgbClr val="EEECE1"/>
+      </a:lt2>
+      <a:accent1>
+        <a:srgbClr val="4F81BD"/>
+      </a:accent1>
+      <a:accent2>
+        <a:srgbClr val="C0504D"/>
+      </a:accent2>
+      <a:accent3>
+        <a:srgbClr val="9BBB59"/>
+      </a:accent3>
+      <a:accent4>
+        <a:srgbClr val="8064A2"/>
+      </a:accent4>
+      <a:accent5>
+        <a:srgbClr val="4BACC6"/>
+      </a:accent5>
+      <a:accent6>
+        <a:srgbClr val="F79646"/>
+      </a:accent6>
+      <a:hlink>
+        <a:srgbClr val="0000FF"/>
+      </a:hlink>
+      <a:folHlink>
+        <a:srgbClr val="800080"/>
+      </a:folHlink>
+    </a:clrScheme>
+    <a:fontScheme name="Office">
+      <a:majorFont>
+        <a:latin typeface="Calibri"/>
+        <a:ea typeface=""/>
+        <a:cs typeface=""/>
+        <a:font script="Jpan" typeface="ＭＳ Ｐゴシック"/>
+        <a:font script="Hang" typeface="맑은 고딕"/>
+        <a:font script="Hans" typeface="宋体"/>
+        <a:font script="Hant" typeface="新細明體"/>
+        <a:font script="Arab" typeface="Times New Roman"/>
+        <a:font script="Hebr" typeface="Times New Roman"/>
+        <a:font script="Thai" typeface="Angsana New"/>
+        <a:font script="Ethi" typeface="Nyala"/>
+        <a:font script="Beng" typeface="Vrinda"/>
+        <a:font script="Gujr" typeface="Shruti"/>
+        <a:font script="Khmr" typeface="MoolBoran"/>
+        <a:font script="Knda" typeface="Tunga"/>
+        <a:font script="Guru" typeface="Raavi"/>
+        <a:font script="Cans" typeface="Euphemia"/>
+        <a:font script="Cher" typeface="Plantagenet Cherokee"/>
+        <a:font script="Yiii" typeface="Microsoft Yi Baiti"/>
+        <a:font script="Tibt" typeface="Microsoft Himalaya"/>
+        <a:font script="Thaa" typeface="MV Boli"/>
+        <a:font script="Deva" typeface="Mangal"/>
+        <a:font script="Telu" typeface="Gautami"/>
+        <a:font script="Taml" typeface="Latha"/>
+        <a:font script="Syrc" typeface="Estrangelo Edessa"/>
+        <a:font script="Orya" typeface="Kalinga"/>
+        <a:font script="Mlym" typeface="Kartika"/>
+        <a:font script="Laoo" typeface="DokChampa"/>
+        <a:font script="Sinh" typeface="Iskoola Pota"/>
+        <a:font script="Mong" typeface="Mongolian Baiti"/>
+        <a:font script="Viet" typeface="Times New Roman"/>
+        <a:font script="Uigh" typeface="Microsoft Uighur"/>
+      </a:majorFont>
+      <a:minorFont>
+        <a:latin typeface="Calibri"/>
+        <a:ea typeface=""/>
+        <a:cs typeface=""/>
+        <a:font script="Jpan" typeface="ＭＳ Ｐゴシック"/>
+        <a:font script="Hang" typeface="맑은 고딕"/>
+        <a:font script="Hans" typeface="宋体"/>
+        <a:font script="Hant" typeface="新細明體"/>
+        <a:font script="Arab" typeface="Arial"/>
+        <a:font script="Hebr" typeface="Arial"/>
+        <a:font script="Thai" typeface="Cordia New"/>
+        <a:font script="Ethi" typeface="Nyala"/>
+        <a:font script="Beng" typeface="Vrinda"/>
+        <a:font script="Gujr" typeface="Shruti"/>
+        <a:font script="Khmr" typeface="DaunPenh"/>
+        <a:font script="Knda" typeface="Tunga"/>
+        <a:font script="Guru" typeface="Raavi"/>
+        <a:font script="Cans" typeface="Euphemia"/>
+        <a:font script="Cher" typeface="Plantagenet Cherokee"/>
+        <a:font script="Yiii" typeface="Microsoft Yi Baiti"/>
+        <a:font script="Tibt" typeface="Microsoft Himalaya"/>
+        <a:font script="Thaa" typeface="MV Boli"/>
+        <a:font script="Deva" typeface="Mangal"/>
+        <a:font script="Telu" typeface="Gautami"/>
+        <a:font script="Taml" typeface="Latha"/>
+        <a:font script="Syrc" typeface="Estrangelo Edessa"/>
+        <a:font script="Orya" typeface="Kalinga"/>
+        <a:font script="Mlym" typeface="Kartika"/>
+        <a:font script="Laoo" typeface="DokChampa"/>
+        <a:font script="Sinh" typeface="Iskoola Pota"/>
+        <a:font script="Mong" typeface="Mongolian Baiti"/>
+        <a:font script="Viet" typeface="Arial"/>
+        <a:font script="Uigh" typeface="Microsoft Uighur"/>
+      </a:minorFont>
+    </a:fontScheme>
+    <a:fmtScheme name="Office">
+      <a:fillStyleLst>
+        <a:solidFill>
+          <a:schemeClr val="phClr"/>
+        </a:solidFill>
+        <a:gradFill rotWithShape="1">
+          <a:gsLst>
+            <a:gs pos="0">
+              <a:schemeClr val="phClr">
+                <a:tint val="50000"/>
+                <a:satMod val="300000"/>
+              </a:schemeClr>
+            </a:gs>
+            <a:gs pos="35000">
+              <a:schemeClr val="phClr">
+                <a:tint val="37000"/>
+                <a:satMod val="300000"/>
+              </a:schemeClr>
+            </a:gs>
+            <a:gs pos="100000">
+              <a:schemeClr val="phClr">
+                <a:tint val="15000"/>
+                <a:satMod val="350000"/>
+              </a:schemeClr>
+            </a:gs>
+          </a:gsLst>
+          <a:lin ang="16200000" scaled="1"/>
+        </a:gradFill>
+        <a:gradFill rotWithShape="1">
+          <a:gsLst>
+            <a:gs pos="0">
+              <a:schemeClr val="phClr">
+                <a:shade val="51000"/>
+                <a:satMod val="130000"/>
+              </a:schemeClr>
+            </a:gs>
+            <a:gs pos="80000">
+              <a:schemeClr val="phClr">
+                <a:shade val="93000"/>
+                <a:satMod val="130000"/>
+              </a:schemeClr>
+            </a:gs>
+            <a:gs pos="100000">
+              <a:schemeClr val="phClr">
+                <a:shade val="94000"/>
+                <a:satMod val="135000"/>
+              </a:schemeClr>
+            </a:gs>
+          </a:gsLst>
+          <a:lin ang="16200000" scaled="0"/>
+        </a:gradFill>
+      </a:fillStyleLst>
+      <a:lnStyleLst>
+        <a:ln w="9525" cap="flat" cmpd="sng" algn="ctr">
+          <a:solidFill>
+            <a:schemeClr val="phClr">
+              <a:shade val="95000"/>
+              <a:satMod val="105000"/>
+            </a:schemeClr>
+          </a:solidFill>
+          <a:prstDash val="solid"/>
+        </a:ln>
+        <a:ln w="25400" cap="flat" cmpd="sng" algn="ctr">
+          <a:solidFill>
+            <a:schemeClr val="phClr"/>
+          </a:solidFill>
+          <a:prstDash val="solid"/>
+        </a:ln>
+        <a:ln w="38100" cap="flat" cmpd="sng" algn="ctr">
+          <a:solidFill>
+            <a:schemeClr val="phClr"/>
+          </a:solidFill>
+          <a:prstDash val="solid"/>
+        </a:ln>
+      </a:lnStyleLst>
+      <a:effectStyleLst>
+        <a:effectStyle>
+          <a:effectLst>
+            <a:outerShdw blurRad="40000" dist="20000" dir="5400000" rotWithShape="0">
+              <a:srgbClr val="000000">
+                <a:alpha val="38000"/>
+              </a:srgbClr>
+            </a:outerShdw>
+          </a:effectLst>
+        </a:effectStyle>
+        <a:effectStyle>
+          <a:effectLst>
+            <a:outerShdw blurRad="40000" dist="23000" dir="5400000" rotWithShape="0">
+              <a:srgbClr val="000000">
+                <a:alpha val="35000"/>
+              </a:srgbClr>
+            </a:outerShdw>
+          </a:effectLst>
+        </a:effectStyle>
+        <a:effectStyle>
+          <a:effectLst>
+            <a:outerShdw blurRad="40000" dist="23000" dir="5400000" rotWithShape="0">
+              <a:srgbClr val="000000">
+                <a:alpha val="35000"/>
+              </a:srgbClr>
+            </a:outerShdw>
+          </a:effectLst>
+          <a:scene3d>
+            <a:camera prst="orthographicFront">
+              <a:rot lat="0" lon="0" rev="0"/>
+            </a:camera>
+            <a:lightRig rig="threePt" dir="t">
+              <a:rot lat="0" lon="0" rev="1200000"/>
+            </a:lightRig>
+          </a:scene3d>
+          <a:sp3d>
+            <a:bevelT w="63500" h="25400"/>
+          </a:sp3d>
+        </a:effectStyle>
+      </a:effectStyleLst>
+      <a:bgFillStyleLst>
+        <a:solidFill>
+          <a:schemeClr val="phClr"/>
+        </a:solidFill>
+        <a:gradFill rotWithShape="1">
+          <a:gsLst>
+            <a:gs pos="0">
+              <a:schemeClr val="phClr">
+                <a:tint val="40000"/>
+                <a:satMod val="350000"/>
+              </a:schemeClr>
+            </a:gs>
+            <a:gs pos="40000">
+              <a:schemeClr val="phClr">
+                <a:tint val="45000"/>
+                <a:shade val="99000"/>
+                <a:satMod val="350000"/>
+              </a:schemeClr>
+            </a:gs>
+            <a:gs pos="100000">
+              <a:schemeClr val="phClr">
+                <a:shade val="20000"/>
+                <a:satMod val="255000"/>
+              </a:schemeClr>
+            </a:gs>
+          </a:gsLst>
+          <a:path path="circle">
+            <a:fillToRect l="50000" t="-80000" r="50000" b="180000"/>
+          </a:path>
+        </a:gradFill>
+        <a:gradFill rotWithShape="1">
+          <a:gsLst>
+            <a:gs pos="0">
+              <a:schemeClr val="phClr">
+                <a:tint val="80000"/>
+                <a:satMod val="300000"/>
+              </a:schemeClr>
+            </a:gs>
+            <a:gs pos="100000">
+              <a:schemeClr val="phClr">
+                <a:shade val="30000"/>
+                <a:satMod val="200000"/>
+              </a:schemeClr>
+            </a:gs>
+          </a:gsLst>
+          <a:path path="circle">
+            <a:fillToRect l="50000" t="50000" r="50000" b="50000"/>
+          </a:path>
+        </a:gradFill>
+      </a:bgFillStyleLst>
+    </a:fmtScheme>
+  </a:themeElements>
+  <a:objectDefaults/>
+  <a:extraClrSchemeLst/>
+</a:theme>
 </file>
--- a/SamPresentation.pptx
+++ b/SamPresentation.pptx
@@ -202,7 +202,8 @@
           <a:p>
             <a:fld id="{6E61956B-DC5B-4979-9B06-748A0538A2C7}" type="datetimeFigureOut">
               <a:rPr lang="en-US" smtClean="0"/>
-              <a:t>4/26/2011</a:t>
+              <a:pPr/>
+              <a:t>4/28/2011</a:t>
             </a:fld>
             <a:endParaRPr lang="en-US"/>
           </a:p>
@@ -363,6 +364,7 @@
           <a:p>
             <a:fld id="{B3822314-6588-4D35-B84D-1FB9C9EAAB81}" type="slidenum">
               <a:rPr lang="en-US" smtClean="0"/>
+              <a:pPr/>
               <a:t>‹#›</a:t>
             </a:fld>
             <a:endParaRPr lang="en-US"/>
@@ -513,6 +515,22 @@
           </a:bodyPr>
           <a:lstStyle/>
           <a:p>
+            <a:r>
+              <a:rPr lang="en-US" dirty="0" smtClean="0"/>
+              <a:t>At this point we demo</a:t>
+            </a:r>
+            <a:r>
+              <a:rPr lang="en-US" baseline="0" dirty="0" smtClean="0"/>
+              <a:t> the out-of-the-box </a:t>
+            </a:r>
+            <a:r>
+              <a:rPr lang="en-US" baseline="0" dirty="0" err="1" smtClean="0"/>
+              <a:t>GuiDsl</a:t>
+            </a:r>
+            <a:r>
+              <a:rPr lang="en-US" baseline="0" dirty="0" smtClean="0"/>
+              <a:t> that comes with the ATS.</a:t>
+            </a:r>
             <a:endParaRPr lang="en-US" dirty="0"/>
           </a:p>
         </p:txBody>
@@ -534,7 +552,8 @@
           <a:p>
             <a:fld id="{B3822314-6588-4D35-B84D-1FB9C9EAAB81}" type="slidenum">
               <a:rPr lang="en-US" smtClean="0"/>
-              <a:t>7</a:t>
+              <a:pPr/>
+              <a:t>2</a:t>
             </a:fld>
             <a:endParaRPr lang="en-US"/>
           </a:p>
@@ -596,7 +615,194 @@
           <a:p>
             <a:r>
               <a:rPr lang="en-US" dirty="0" smtClean="0"/>
-              <a:t>Currently</a:t>
+              <a:t>The first</a:t>
+            </a:r>
+            <a:r>
+              <a:rPr lang="en-US" baseline="0" dirty="0" smtClean="0"/>
+              <a:t> goal of </a:t>
+            </a:r>
+            <a:r>
+              <a:rPr lang="en-US" baseline="0" dirty="0" err="1" smtClean="0"/>
+              <a:t>WebGuiDsl</a:t>
+            </a:r>
+            <a:r>
+              <a:rPr lang="en-US" baseline="0" dirty="0" smtClean="0"/>
+              <a:t> is to present the functionality of </a:t>
+            </a:r>
+            <a:r>
+              <a:rPr lang="en-US" baseline="0" dirty="0" err="1" smtClean="0"/>
+              <a:t>GuiDsl</a:t>
+            </a:r>
+            <a:r>
+              <a:rPr lang="en-US" baseline="0" dirty="0" smtClean="0"/>
+              <a:t> in a web interface. Currently, the only working </a:t>
+            </a:r>
+            <a:r>
+              <a:rPr lang="en-US" baseline="0" dirty="0" err="1" smtClean="0"/>
+              <a:t>WebGuiDsl</a:t>
+            </a:r>
+            <a:r>
+              <a:rPr lang="en-US" baseline="0" dirty="0" smtClean="0"/>
+              <a:t> feature model is GPL but the design of </a:t>
+            </a:r>
+            <a:r>
+              <a:rPr lang="en-US" baseline="0" dirty="0" err="1" smtClean="0"/>
+              <a:t>WebGuiDsl</a:t>
+            </a:r>
+            <a:r>
+              <a:rPr lang="en-US" baseline="0" dirty="0" smtClean="0"/>
+              <a:t> should allow rapid development for future feature models. Only client-side code must be altered (see Future Work slide).</a:t>
+            </a:r>
+          </a:p>
+          <a:p>
+            <a:r>
+              <a:rPr lang="en-US" dirty="0" smtClean="0"/>
+              <a:t>The second goal was to implement</a:t>
+            </a:r>
+            <a:r>
+              <a:rPr lang="en-US" baseline="0" dirty="0" smtClean="0"/>
+              <a:t> this functionality in a manner that is compatible with the UTCS web server. That is we needed to be able to deploy the application without any special privileges. The obvious choice of languages for </a:t>
+            </a:r>
+            <a:r>
+              <a:rPr lang="en-US" baseline="0" dirty="0" err="1" smtClean="0"/>
+              <a:t>WebGuiDsl</a:t>
+            </a:r>
+            <a:r>
+              <a:rPr lang="en-US" baseline="0" dirty="0" smtClean="0"/>
+              <a:t> was Java and Java’s native web application technology, </a:t>
+            </a:r>
+            <a:r>
+              <a:rPr lang="en-US" baseline="0" dirty="0" err="1" smtClean="0"/>
+              <a:t>servlets</a:t>
+            </a:r>
+            <a:r>
+              <a:rPr lang="en-US" baseline="0" dirty="0" smtClean="0"/>
+              <a:t>, since the AHEAD Tool Suite is written in Java. This was not an option, however, since the CS web servers limited us to running PHP or CGI for dynamic content. Additionally, all PHP and CGI content is run as a restricted user named “www”. This forced us to create a world-writable directory to create temporary files in. </a:t>
+            </a:r>
+            <a:endParaRPr lang="en-US" dirty="0"/>
+          </a:p>
+        </p:txBody>
+      </p:sp>
+      <p:sp>
+        <p:nvSpPr>
+          <p:cNvPr id="4" name="Slide Number Placeholder 3"/>
+          <p:cNvSpPr>
+            <a:spLocks noGrp="1"/>
+          </p:cNvSpPr>
+          <p:nvPr>
+            <p:ph type="sldNum" sz="quarter" idx="10"/>
+          </p:nvPr>
+        </p:nvSpPr>
+        <p:spPr/>
+        <p:txBody>
+          <a:bodyPr/>
+          <a:lstStyle/>
+          <a:p>
+            <a:fld id="{B3822314-6588-4D35-B84D-1FB9C9EAAB81}" type="slidenum">
+              <a:rPr lang="en-US" smtClean="0"/>
+              <a:pPr/>
+              <a:t>3</a:t>
+            </a:fld>
+            <a:endParaRPr lang="en-US"/>
+          </a:p>
+        </p:txBody>
+      </p:sp>
+    </p:spTree>
+  </p:cSld>
+  <p:clrMapOvr>
+    <a:masterClrMapping/>
+  </p:clrMapOvr>
+</p:notes>
+</file>
+
+<file path=ppt/notesSlides/notesSlide3.xml><?xml version="1.0" encoding="utf-8"?>
+<p:notes xmlns:a="http://schemas.openxmlformats.org/drawingml/2006/main" xmlns:r="http://schemas.openxmlformats.org/officeDocument/2006/relationships" xmlns:p="http://schemas.openxmlformats.org/presentationml/2006/main">
+  <p:cSld>
+    <p:spTree>
+      <p:nvGrpSpPr>
+        <p:cNvPr id="1" name=""/>
+        <p:cNvGrpSpPr/>
+        <p:nvPr/>
+      </p:nvGrpSpPr>
+      <p:grpSpPr>
+        <a:xfrm>
+          <a:off x="0" y="0"/>
+          <a:ext cx="0" cy="0"/>
+          <a:chOff x="0" y="0"/>
+          <a:chExt cx="0" cy="0"/>
+        </a:xfrm>
+      </p:grpSpPr>
+      <p:sp>
+        <p:nvSpPr>
+          <p:cNvPr id="2" name="Slide Image Placeholder 1"/>
+          <p:cNvSpPr>
+            <a:spLocks noGrp="1" noRot="1" noChangeAspect="1"/>
+          </p:cNvSpPr>
+          <p:nvPr>
+            <p:ph type="sldImg"/>
+          </p:nvPr>
+        </p:nvSpPr>
+        <p:spPr/>
+      </p:sp>
+      <p:sp>
+        <p:nvSpPr>
+          <p:cNvPr id="3" name="Notes Placeholder 2"/>
+          <p:cNvSpPr>
+            <a:spLocks noGrp="1"/>
+          </p:cNvSpPr>
+          <p:nvPr>
+            <p:ph type="body" idx="1"/>
+          </p:nvPr>
+        </p:nvSpPr>
+        <p:spPr/>
+        <p:txBody>
+          <a:bodyPr>
+            <a:normAutofit/>
+          </a:bodyPr>
+          <a:lstStyle/>
+          <a:p>
+            <a:r>
+              <a:rPr lang="en-US" dirty="0" smtClean="0"/>
+              <a:t>We chose to write our CGI scripts</a:t>
+            </a:r>
+            <a:r>
+              <a:rPr lang="en-US" baseline="0" dirty="0" smtClean="0"/>
+              <a:t> using Python because it contains modules that handle temporary directories and zip files with ease.</a:t>
+            </a:r>
+          </a:p>
+          <a:p>
+            <a:pPr marL="0" marR="0" lvl="1" indent="0" algn="l" defTabSz="914400" rtl="0" eaLnBrk="1" fontAlgn="auto" latinLnBrk="0" hangingPunct="1">
+              <a:lnSpc>
+                <a:spcPct val="100000"/>
+              </a:lnSpc>
+              <a:spcBef>
+                <a:spcPts val="0"/>
+              </a:spcBef>
+              <a:spcAft>
+                <a:spcPts val="0"/>
+              </a:spcAft>
+              <a:buClrTx/>
+              <a:buSzTx/>
+              <a:buFontTx/>
+              <a:buNone/>
+              <a:tabLst/>
+              <a:defRPr/>
+            </a:pPr>
+            <a:r>
+              <a:rPr lang="en-US" baseline="0" dirty="0" smtClean="0"/>
+              <a:t>We chose to use the </a:t>
+            </a:r>
+            <a:r>
+              <a:rPr lang="en-US" baseline="0" dirty="0" err="1" smtClean="0"/>
+              <a:t>jQuery</a:t>
+            </a:r>
+            <a:r>
+              <a:rPr lang="en-US" baseline="0" dirty="0" smtClean="0"/>
+              <a:t> JavaScript library for its powerful ability to select and modify DOM elements and its support for handling Ajax requests. Additionally, we chose to use the </a:t>
+            </a:r>
+            <a:r>
+              <a:rPr lang="en-US" baseline="0" dirty="0" err="1" smtClean="0"/>
+              <a:t>BlockUI</a:t>
             </a:r>
             <a:r>
               <a:rPr lang="en-US" baseline="0" dirty="0" smtClean="0"/>
@@ -604,6 +810,740 @@
             </a:r>
             <a:r>
               <a:rPr lang="en-US" baseline="0" dirty="0" err="1" smtClean="0"/>
+              <a:t>jQuery</a:t>
+            </a:r>
+            <a:r>
+              <a:rPr lang="en-US" baseline="0" dirty="0" smtClean="0"/>
+              <a:t> </a:t>
+            </a:r>
+            <a:r>
+              <a:rPr lang="en-US" baseline="0" dirty="0" err="1" smtClean="0"/>
+              <a:t>plugin</a:t>
+            </a:r>
+            <a:r>
+              <a:rPr lang="en-US" baseline="0" dirty="0" smtClean="0"/>
+              <a:t> </a:t>
+            </a:r>
+            <a:r>
+              <a:rPr lang="en-US" baseline="0" dirty="0" err="1" smtClean="0"/>
+              <a:t>availible</a:t>
+            </a:r>
+            <a:r>
+              <a:rPr lang="en-US" baseline="0" dirty="0" smtClean="0"/>
+              <a:t> at </a:t>
+            </a:r>
+            <a:r>
+              <a:rPr lang="en-US" dirty="0" smtClean="0"/>
+              <a:t>http://jquery.malsup.com/block/. This </a:t>
+            </a:r>
+            <a:r>
+              <a:rPr lang="en-US" dirty="0" err="1" smtClean="0"/>
+              <a:t>plugin</a:t>
+            </a:r>
+            <a:r>
+              <a:rPr lang="en-US" dirty="0" smtClean="0"/>
+              <a:t> allows us to simulate synchronous Ajax behavior without</a:t>
+            </a:r>
+            <a:r>
+              <a:rPr lang="en-US" baseline="0" dirty="0" smtClean="0"/>
+              <a:t> locking the browser which is the default behavior in many browsers if you send an Ajax request with the synchronous flag.</a:t>
+            </a:r>
+          </a:p>
+          <a:p>
+            <a:pPr marL="0" marR="0" lvl="1" indent="0" algn="l" defTabSz="914400" rtl="0" eaLnBrk="1" fontAlgn="auto" latinLnBrk="0" hangingPunct="1">
+              <a:lnSpc>
+                <a:spcPct val="100000"/>
+              </a:lnSpc>
+              <a:spcBef>
+                <a:spcPts val="0"/>
+              </a:spcBef>
+              <a:spcAft>
+                <a:spcPts val="0"/>
+              </a:spcAft>
+              <a:buClrTx/>
+              <a:buSzTx/>
+              <a:buFontTx/>
+              <a:buNone/>
+              <a:tabLst/>
+              <a:defRPr/>
+            </a:pPr>
+            <a:r>
+              <a:rPr lang="en-US" baseline="0" dirty="0" smtClean="0"/>
+              <a:t>The final piece of technology that we leveraged is the Google-</a:t>
+            </a:r>
+            <a:r>
+              <a:rPr lang="en-US" baseline="0" dirty="0" err="1" smtClean="0"/>
+              <a:t>gson</a:t>
+            </a:r>
+            <a:r>
+              <a:rPr lang="en-US" baseline="0" dirty="0" smtClean="0"/>
+              <a:t> library. This Java library provides methods to serialize Java Objects from the Java programs running on the server into JavaScript Object Notation (JSON) objects which can be understood by JavaScript engines.</a:t>
+            </a:r>
+            <a:endParaRPr lang="en-US" dirty="0" smtClean="0"/>
+          </a:p>
+          <a:p>
+            <a:endParaRPr lang="en-US" dirty="0"/>
+          </a:p>
+        </p:txBody>
+      </p:sp>
+      <p:sp>
+        <p:nvSpPr>
+          <p:cNvPr id="4" name="Slide Number Placeholder 3"/>
+          <p:cNvSpPr>
+            <a:spLocks noGrp="1"/>
+          </p:cNvSpPr>
+          <p:nvPr>
+            <p:ph type="sldNum" sz="quarter" idx="10"/>
+          </p:nvPr>
+        </p:nvSpPr>
+        <p:spPr/>
+        <p:txBody>
+          <a:bodyPr/>
+          <a:lstStyle/>
+          <a:p>
+            <a:fld id="{B3822314-6588-4D35-B84D-1FB9C9EAAB81}" type="slidenum">
+              <a:rPr lang="en-US" smtClean="0"/>
+              <a:pPr/>
+              <a:t>4</a:t>
+            </a:fld>
+            <a:endParaRPr lang="en-US"/>
+          </a:p>
+        </p:txBody>
+      </p:sp>
+    </p:spTree>
+  </p:cSld>
+  <p:clrMapOvr>
+    <a:masterClrMapping/>
+  </p:clrMapOvr>
+</p:notes>
+</file>
+
+<file path=ppt/notesSlides/notesSlide4.xml><?xml version="1.0" encoding="utf-8"?>
+<p:notes xmlns:a="http://schemas.openxmlformats.org/drawingml/2006/main" xmlns:r="http://schemas.openxmlformats.org/officeDocument/2006/relationships" xmlns:p="http://schemas.openxmlformats.org/presentationml/2006/main">
+  <p:cSld>
+    <p:spTree>
+      <p:nvGrpSpPr>
+        <p:cNvPr id="1" name=""/>
+        <p:cNvGrpSpPr/>
+        <p:nvPr/>
+      </p:nvGrpSpPr>
+      <p:grpSpPr>
+        <a:xfrm>
+          <a:off x="0" y="0"/>
+          <a:ext cx="0" cy="0"/>
+          <a:chOff x="0" y="0"/>
+          <a:chExt cx="0" cy="0"/>
+        </a:xfrm>
+      </p:grpSpPr>
+      <p:sp>
+        <p:nvSpPr>
+          <p:cNvPr id="2" name="Slide Image Placeholder 1"/>
+          <p:cNvSpPr>
+            <a:spLocks noGrp="1" noRot="1" noChangeAspect="1"/>
+          </p:cNvSpPr>
+          <p:nvPr>
+            <p:ph type="sldImg"/>
+          </p:nvPr>
+        </p:nvSpPr>
+        <p:spPr/>
+      </p:sp>
+      <p:sp>
+        <p:nvSpPr>
+          <p:cNvPr id="3" name="Notes Placeholder 2"/>
+          <p:cNvSpPr>
+            <a:spLocks noGrp="1"/>
+          </p:cNvSpPr>
+          <p:nvPr>
+            <p:ph type="body" idx="1"/>
+          </p:nvPr>
+        </p:nvSpPr>
+        <p:spPr/>
+        <p:txBody>
+          <a:bodyPr>
+            <a:normAutofit/>
+          </a:bodyPr>
+          <a:lstStyle/>
+          <a:p>
+            <a:r>
+              <a:rPr lang="en-US" dirty="0" smtClean="0"/>
+              <a:t>The first part of our implementation</a:t>
+            </a:r>
+            <a:r>
+              <a:rPr lang="en-US" baseline="0" dirty="0" smtClean="0"/>
+              <a:t> involved creating a new feature in </a:t>
+            </a:r>
+            <a:r>
+              <a:rPr lang="en-US" baseline="0" dirty="0" err="1" smtClean="0"/>
+              <a:t>GuiDsl</a:t>
+            </a:r>
+            <a:r>
+              <a:rPr lang="en-US" baseline="0" dirty="0" smtClean="0"/>
+              <a:t> called </a:t>
+            </a:r>
+            <a:r>
+              <a:rPr lang="en-US" baseline="0" dirty="0" err="1" smtClean="0"/>
+              <a:t>WebTool</a:t>
+            </a:r>
+            <a:r>
+              <a:rPr lang="en-US" baseline="0" dirty="0" smtClean="0"/>
+              <a:t>. The </a:t>
+            </a:r>
+            <a:r>
+              <a:rPr lang="en-US" baseline="0" dirty="0" err="1" smtClean="0"/>
+              <a:t>WebTool</a:t>
+            </a:r>
+            <a:r>
+              <a:rPr lang="en-US" baseline="0" dirty="0" smtClean="0"/>
+              <a:t> feature is similar to the existing Tool interface in </a:t>
+            </a:r>
+            <a:r>
+              <a:rPr lang="en-US" baseline="0" dirty="0" err="1" smtClean="0"/>
+              <a:t>GuiDsl</a:t>
+            </a:r>
+            <a:r>
+              <a:rPr lang="en-US" baseline="0" dirty="0" smtClean="0"/>
+              <a:t> in that it provides another programming interface to </a:t>
+            </a:r>
+            <a:r>
+              <a:rPr lang="en-US" baseline="0" dirty="0" err="1" smtClean="0"/>
+              <a:t>GuiDsl</a:t>
+            </a:r>
+            <a:r>
+              <a:rPr lang="en-US" baseline="0" dirty="0" smtClean="0"/>
+              <a:t>. </a:t>
+            </a:r>
+            <a:r>
+              <a:rPr lang="en-US" baseline="0" dirty="0" err="1" smtClean="0"/>
+              <a:t>WebTool</a:t>
+            </a:r>
+            <a:r>
+              <a:rPr lang="en-US" baseline="0" dirty="0" smtClean="0"/>
+              <a:t> exposes a method that takes in a list of features that the user wants to select. The method then calls the SAT solver available in </a:t>
+            </a:r>
+            <a:r>
+              <a:rPr lang="en-US" baseline="0" dirty="0" err="1" smtClean="0"/>
+              <a:t>GuiDsl</a:t>
+            </a:r>
+            <a:r>
+              <a:rPr lang="en-US" baseline="0" dirty="0" smtClean="0"/>
+              <a:t> to determine the values for other variables. The method returns the values for all the variables and the reasons that they have the values.</a:t>
+            </a:r>
+            <a:endParaRPr lang="en-US" dirty="0"/>
+          </a:p>
+        </p:txBody>
+      </p:sp>
+      <p:sp>
+        <p:nvSpPr>
+          <p:cNvPr id="4" name="Slide Number Placeholder 3"/>
+          <p:cNvSpPr>
+            <a:spLocks noGrp="1"/>
+          </p:cNvSpPr>
+          <p:nvPr>
+            <p:ph type="sldNum" sz="quarter" idx="10"/>
+          </p:nvPr>
+        </p:nvSpPr>
+        <p:spPr/>
+        <p:txBody>
+          <a:bodyPr/>
+          <a:lstStyle/>
+          <a:p>
+            <a:fld id="{B3822314-6588-4D35-B84D-1FB9C9EAAB81}" type="slidenum">
+              <a:rPr lang="en-US" smtClean="0"/>
+              <a:pPr/>
+              <a:t>5</a:t>
+            </a:fld>
+            <a:endParaRPr lang="en-US"/>
+          </a:p>
+        </p:txBody>
+      </p:sp>
+    </p:spTree>
+  </p:cSld>
+  <p:clrMapOvr>
+    <a:masterClrMapping/>
+  </p:clrMapOvr>
+</p:notes>
+</file>
+
+<file path=ppt/notesSlides/notesSlide5.xml><?xml version="1.0" encoding="utf-8"?>
+<p:notes xmlns:a="http://schemas.openxmlformats.org/drawingml/2006/main" xmlns:r="http://schemas.openxmlformats.org/officeDocument/2006/relationships" xmlns:p="http://schemas.openxmlformats.org/presentationml/2006/main">
+  <p:cSld>
+    <p:spTree>
+      <p:nvGrpSpPr>
+        <p:cNvPr id="1" name=""/>
+        <p:cNvGrpSpPr/>
+        <p:nvPr/>
+      </p:nvGrpSpPr>
+      <p:grpSpPr>
+        <a:xfrm>
+          <a:off x="0" y="0"/>
+          <a:ext cx="0" cy="0"/>
+          <a:chOff x="0" y="0"/>
+          <a:chExt cx="0" cy="0"/>
+        </a:xfrm>
+      </p:grpSpPr>
+      <p:sp>
+        <p:nvSpPr>
+          <p:cNvPr id="2" name="Slide Image Placeholder 1"/>
+          <p:cNvSpPr>
+            <a:spLocks noGrp="1" noRot="1" noChangeAspect="1"/>
+          </p:cNvSpPr>
+          <p:nvPr>
+            <p:ph type="sldImg"/>
+          </p:nvPr>
+        </p:nvSpPr>
+        <p:spPr/>
+      </p:sp>
+      <p:sp>
+        <p:nvSpPr>
+          <p:cNvPr id="3" name="Notes Placeholder 2"/>
+          <p:cNvSpPr>
+            <a:spLocks noGrp="1"/>
+          </p:cNvSpPr>
+          <p:nvPr>
+            <p:ph type="body" idx="1"/>
+          </p:nvPr>
+        </p:nvSpPr>
+        <p:spPr/>
+        <p:txBody>
+          <a:bodyPr>
+            <a:normAutofit/>
+          </a:bodyPr>
+          <a:lstStyle/>
+          <a:p>
+            <a:r>
+              <a:rPr lang="en-US" dirty="0" err="1" smtClean="0"/>
+              <a:t>WebGuiDsl</a:t>
+            </a:r>
+            <a:r>
+              <a:rPr lang="en-US" baseline="0" dirty="0" smtClean="0"/>
+              <a:t> contains two CGI scripts. webguidsl.cgi responds to requests as the user makes selections and compose.cgi composes the desired product from the GPL and zips the files.</a:t>
+            </a:r>
+          </a:p>
+          <a:p>
+            <a:r>
+              <a:rPr lang="en-US" baseline="0" dirty="0" smtClean="0"/>
+              <a:t>gpl.html defines the presentation to the user as a form with the appropriate &lt;input&gt; tags.</a:t>
+            </a:r>
+          </a:p>
+          <a:p>
+            <a:r>
+              <a:rPr lang="en-US" baseline="0" dirty="0" smtClean="0"/>
+              <a:t>webguidsl.js handles all the client-side logic. It creates all the event handlers, send Ajax requests, and updates the user interface when the server responds to an Ajax request.</a:t>
+            </a:r>
+            <a:endParaRPr lang="en-US" dirty="0"/>
+          </a:p>
+        </p:txBody>
+      </p:sp>
+      <p:sp>
+        <p:nvSpPr>
+          <p:cNvPr id="4" name="Slide Number Placeholder 3"/>
+          <p:cNvSpPr>
+            <a:spLocks noGrp="1"/>
+          </p:cNvSpPr>
+          <p:nvPr>
+            <p:ph type="sldNum" sz="quarter" idx="10"/>
+          </p:nvPr>
+        </p:nvSpPr>
+        <p:spPr/>
+        <p:txBody>
+          <a:bodyPr/>
+          <a:lstStyle/>
+          <a:p>
+            <a:fld id="{B3822314-6588-4D35-B84D-1FB9C9EAAB81}" type="slidenum">
+              <a:rPr lang="en-US" smtClean="0"/>
+              <a:pPr/>
+              <a:t>6</a:t>
+            </a:fld>
+            <a:endParaRPr lang="en-US"/>
+          </a:p>
+        </p:txBody>
+      </p:sp>
+    </p:spTree>
+  </p:cSld>
+  <p:clrMapOvr>
+    <a:masterClrMapping/>
+  </p:clrMapOvr>
+</p:notes>
+</file>
+
+<file path=ppt/notesSlides/notesSlide6.xml><?xml version="1.0" encoding="utf-8"?>
+<p:notes xmlns:a="http://schemas.openxmlformats.org/drawingml/2006/main" xmlns:r="http://schemas.openxmlformats.org/officeDocument/2006/relationships" xmlns:p="http://schemas.openxmlformats.org/presentationml/2006/main">
+  <p:cSld>
+    <p:spTree>
+      <p:nvGrpSpPr>
+        <p:cNvPr id="1" name=""/>
+        <p:cNvGrpSpPr/>
+        <p:nvPr/>
+      </p:nvGrpSpPr>
+      <p:grpSpPr>
+        <a:xfrm>
+          <a:off x="0" y="0"/>
+          <a:ext cx="0" cy="0"/>
+          <a:chOff x="0" y="0"/>
+          <a:chExt cx="0" cy="0"/>
+        </a:xfrm>
+      </p:grpSpPr>
+      <p:sp>
+        <p:nvSpPr>
+          <p:cNvPr id="2" name="Slide Image Placeholder 1"/>
+          <p:cNvSpPr>
+            <a:spLocks noGrp="1" noRot="1" noChangeAspect="1"/>
+          </p:cNvSpPr>
+          <p:nvPr>
+            <p:ph type="sldImg"/>
+          </p:nvPr>
+        </p:nvSpPr>
+        <p:spPr/>
+      </p:sp>
+      <p:sp>
+        <p:nvSpPr>
+          <p:cNvPr id="3" name="Notes Placeholder 2"/>
+          <p:cNvSpPr>
+            <a:spLocks noGrp="1"/>
+          </p:cNvSpPr>
+          <p:nvPr>
+            <p:ph type="body" idx="1"/>
+          </p:nvPr>
+        </p:nvSpPr>
+        <p:spPr/>
+        <p:txBody>
+          <a:bodyPr>
+            <a:normAutofit/>
+          </a:bodyPr>
+          <a:lstStyle/>
+          <a:p>
+            <a:r>
+              <a:rPr lang="en-US" dirty="0" smtClean="0"/>
+              <a:t>Let’s look at</a:t>
+            </a:r>
+            <a:r>
+              <a:rPr lang="en-US" baseline="0" dirty="0" smtClean="0"/>
+              <a:t> a use case for </a:t>
+            </a:r>
+            <a:r>
+              <a:rPr lang="en-US" baseline="0" dirty="0" err="1" smtClean="0"/>
+              <a:t>WebGuiDsl</a:t>
+            </a:r>
+            <a:r>
+              <a:rPr lang="en-US" baseline="0" dirty="0" smtClean="0"/>
+              <a:t>:</a:t>
+            </a:r>
+          </a:p>
+          <a:p>
+            <a:pPr marL="228600" indent="-228600">
+              <a:buAutoNum type="arabicPeriod"/>
+            </a:pPr>
+            <a:r>
+              <a:rPr lang="en-US" baseline="0" dirty="0" smtClean="0"/>
+              <a:t>Suppose the user selects an available feature by clicking on it in the interface.</a:t>
+            </a:r>
+            <a:r>
+              <a:rPr lang="en-US" baseline="0" dirty="0"/>
+              <a:t> </a:t>
+            </a:r>
+            <a:r>
+              <a:rPr lang="en-US" baseline="0" dirty="0" smtClean="0"/>
+              <a:t>The following sequence of events will occur:</a:t>
+            </a:r>
+          </a:p>
+          <a:p>
+            <a:pPr marL="685800" lvl="1" indent="-228600">
+              <a:buFont typeface="Arial" pitchFamily="34" charset="0"/>
+              <a:buChar char="•"/>
+            </a:pPr>
+            <a:r>
+              <a:rPr lang="en-US" baseline="0" dirty="0" smtClean="0"/>
+              <a:t>An Ajax request is sent to the server with a list of all the features that the user has selected. The client’s user interface will block until it gets a reply from the server.</a:t>
+            </a:r>
+          </a:p>
+          <a:p>
+            <a:pPr marL="685800" lvl="1" indent="-228600">
+              <a:buFont typeface="Arial" pitchFamily="34" charset="0"/>
+              <a:buChar char="•"/>
+            </a:pPr>
+            <a:r>
+              <a:rPr lang="en-US" baseline="0" dirty="0" smtClean="0"/>
+              <a:t>webguidsl.cgi will handle the Ajax request. It passes the list of user selected features to a Java program called </a:t>
+            </a:r>
+            <a:r>
+              <a:rPr lang="en-US" baseline="0" dirty="0" err="1" smtClean="0"/>
+              <a:t>WebGuiDsl</a:t>
+            </a:r>
+            <a:r>
+              <a:rPr lang="en-US" baseline="0" dirty="0" smtClean="0"/>
+              <a:t> which uses the new </a:t>
+            </a:r>
+            <a:r>
+              <a:rPr lang="en-US" baseline="0" dirty="0" err="1" smtClean="0"/>
+              <a:t>WebTool</a:t>
+            </a:r>
+            <a:r>
+              <a:rPr lang="en-US" baseline="0" dirty="0" smtClean="0"/>
+              <a:t> feature of </a:t>
+            </a:r>
+            <a:r>
+              <a:rPr lang="en-US" baseline="0" dirty="0" err="1" smtClean="0"/>
+              <a:t>GuiDsl</a:t>
+            </a:r>
+            <a:r>
+              <a:rPr lang="en-US" baseline="0" dirty="0" smtClean="0"/>
+              <a:t> to determine the values for all variables and the reason for each value. </a:t>
+            </a:r>
+            <a:r>
+              <a:rPr lang="en-US" baseline="0" dirty="0" err="1" smtClean="0"/>
+              <a:t>WebGuiDsl</a:t>
+            </a:r>
+            <a:r>
+              <a:rPr lang="en-US" baseline="0" dirty="0" smtClean="0"/>
+              <a:t> then writes a JSON array to standard out which webguidsl.cgi captures and sends back to the client.</a:t>
+            </a:r>
+          </a:p>
+          <a:p>
+            <a:pPr marL="685800" lvl="1" indent="-228600">
+              <a:buFont typeface="Arial" pitchFamily="34" charset="0"/>
+              <a:buChar char="•"/>
+            </a:pPr>
+            <a:r>
+              <a:rPr lang="en-US" baseline="0" dirty="0" smtClean="0"/>
+              <a:t>webguidsl.js will then update the DOM appropriately to reflect the results generated by the SAT solver.</a:t>
+            </a:r>
+          </a:p>
+          <a:p>
+            <a:pPr marL="228600" lvl="0" indent="-228600">
+              <a:buFont typeface="+mj-lt"/>
+              <a:buAutoNum type="arabicPeriod"/>
+            </a:pPr>
+            <a:r>
+              <a:rPr lang="en-US" baseline="0" dirty="0" smtClean="0"/>
+              <a:t>Now suppose that the user wants to compose a specific product. The following sequence of events will occur:</a:t>
+            </a:r>
+          </a:p>
+          <a:p>
+            <a:pPr marL="685800" lvl="1" indent="-228600">
+              <a:buFont typeface="Arial" pitchFamily="34" charset="0"/>
+              <a:buChar char="•"/>
+            </a:pPr>
+            <a:r>
+              <a:rPr lang="en-US" baseline="0" dirty="0" smtClean="0"/>
+              <a:t>webguidsl.js will attempt to validate that all required selections have been made. If they have not an error message is displayed.</a:t>
+            </a:r>
+          </a:p>
+          <a:p>
+            <a:pPr marL="685800" lvl="1" indent="-228600">
+              <a:buFont typeface="Arial" pitchFamily="34" charset="0"/>
+              <a:buChar char="•"/>
+            </a:pPr>
+            <a:r>
+              <a:rPr lang="en-US" baseline="0" dirty="0" smtClean="0"/>
+              <a:t>All features to compose are sent to compose.cgi.</a:t>
+            </a:r>
+          </a:p>
+          <a:p>
+            <a:pPr marL="685800" lvl="1" indent="-228600">
+              <a:buFont typeface="Arial" pitchFamily="34" charset="0"/>
+              <a:buChar char="•"/>
+            </a:pPr>
+            <a:r>
+              <a:rPr lang="en-US" baseline="0" dirty="0" smtClean="0"/>
+              <a:t>compose.cgi calls composer with all requested features, jak2java, </a:t>
+            </a:r>
+            <a:r>
+              <a:rPr lang="en-US" baseline="0" dirty="0" err="1" smtClean="0"/>
+              <a:t>javac</a:t>
+            </a:r>
+            <a:r>
+              <a:rPr lang="en-US" baseline="0" dirty="0" smtClean="0"/>
+              <a:t>, and xhtml2html.</a:t>
+            </a:r>
+          </a:p>
+        </p:txBody>
+      </p:sp>
+      <p:sp>
+        <p:nvSpPr>
+          <p:cNvPr id="4" name="Slide Number Placeholder 3"/>
+          <p:cNvSpPr>
+            <a:spLocks noGrp="1"/>
+          </p:cNvSpPr>
+          <p:nvPr>
+            <p:ph type="sldNum" sz="quarter" idx="10"/>
+          </p:nvPr>
+        </p:nvSpPr>
+        <p:spPr/>
+        <p:txBody>
+          <a:bodyPr/>
+          <a:lstStyle/>
+          <a:p>
+            <a:fld id="{B3822314-6588-4D35-B84D-1FB9C9EAAB81}" type="slidenum">
+              <a:rPr lang="en-US" smtClean="0"/>
+              <a:pPr/>
+              <a:t>7</a:t>
+            </a:fld>
+            <a:endParaRPr lang="en-US"/>
+          </a:p>
+        </p:txBody>
+      </p:sp>
+    </p:spTree>
+  </p:cSld>
+  <p:clrMapOvr>
+    <a:masterClrMapping/>
+  </p:clrMapOvr>
+</p:notes>
+</file>
+
+<file path=ppt/notesSlides/notesSlide7.xml><?xml version="1.0" encoding="utf-8"?>
+<p:notes xmlns:a="http://schemas.openxmlformats.org/drawingml/2006/main" xmlns:r="http://schemas.openxmlformats.org/officeDocument/2006/relationships" xmlns:p="http://schemas.openxmlformats.org/presentationml/2006/main">
+  <p:cSld>
+    <p:spTree>
+      <p:nvGrpSpPr>
+        <p:cNvPr id="1" name=""/>
+        <p:cNvGrpSpPr/>
+        <p:nvPr/>
+      </p:nvGrpSpPr>
+      <p:grpSpPr>
+        <a:xfrm>
+          <a:off x="0" y="0"/>
+          <a:ext cx="0" cy="0"/>
+          <a:chOff x="0" y="0"/>
+          <a:chExt cx="0" cy="0"/>
+        </a:xfrm>
+      </p:grpSpPr>
+      <p:sp>
+        <p:nvSpPr>
+          <p:cNvPr id="2" name="Slide Image Placeholder 1"/>
+          <p:cNvSpPr>
+            <a:spLocks noGrp="1" noRot="1" noChangeAspect="1"/>
+          </p:cNvSpPr>
+          <p:nvPr>
+            <p:ph type="sldImg"/>
+          </p:nvPr>
+        </p:nvSpPr>
+        <p:spPr/>
+      </p:sp>
+      <p:sp>
+        <p:nvSpPr>
+          <p:cNvPr id="3" name="Notes Placeholder 2"/>
+          <p:cNvSpPr>
+            <a:spLocks noGrp="1"/>
+          </p:cNvSpPr>
+          <p:nvPr>
+            <p:ph type="body" idx="1"/>
+          </p:nvPr>
+        </p:nvSpPr>
+        <p:spPr/>
+        <p:txBody>
+          <a:bodyPr>
+            <a:normAutofit/>
+          </a:bodyPr>
+          <a:lstStyle/>
+          <a:p>
+            <a:r>
+              <a:rPr lang="en-US" dirty="0" smtClean="0"/>
+              <a:t>At this point we demo a live</a:t>
+            </a:r>
+            <a:r>
+              <a:rPr lang="en-US" baseline="0" dirty="0" smtClean="0"/>
+              <a:t> version of </a:t>
+            </a:r>
+            <a:r>
+              <a:rPr lang="en-US" baseline="0" dirty="0" err="1" smtClean="0"/>
+              <a:t>WebGuiDsl</a:t>
+            </a:r>
+            <a:r>
+              <a:rPr lang="en-US" baseline="0" dirty="0" smtClean="0"/>
+              <a:t> for GPL actually running on the CS server!</a:t>
+            </a:r>
+            <a:endParaRPr lang="en-US" dirty="0"/>
+          </a:p>
+        </p:txBody>
+      </p:sp>
+      <p:sp>
+        <p:nvSpPr>
+          <p:cNvPr id="4" name="Slide Number Placeholder 3"/>
+          <p:cNvSpPr>
+            <a:spLocks noGrp="1"/>
+          </p:cNvSpPr>
+          <p:nvPr>
+            <p:ph type="sldNum" sz="quarter" idx="10"/>
+          </p:nvPr>
+        </p:nvSpPr>
+        <p:spPr/>
+        <p:txBody>
+          <a:bodyPr/>
+          <a:lstStyle/>
+          <a:p>
+            <a:fld id="{B3822314-6588-4D35-B84D-1FB9C9EAAB81}" type="slidenum">
+              <a:rPr lang="en-US" smtClean="0"/>
+              <a:pPr/>
+              <a:t>8</a:t>
+            </a:fld>
+            <a:endParaRPr lang="en-US"/>
+          </a:p>
+        </p:txBody>
+      </p:sp>
+    </p:spTree>
+  </p:cSld>
+  <p:clrMapOvr>
+    <a:masterClrMapping/>
+  </p:clrMapOvr>
+</p:notes>
+</file>
+
+<file path=ppt/notesSlides/notesSlide8.xml><?xml version="1.0" encoding="utf-8"?>
+<p:notes xmlns:a="http://schemas.openxmlformats.org/drawingml/2006/main" xmlns:r="http://schemas.openxmlformats.org/officeDocument/2006/relationships" xmlns:p="http://schemas.openxmlformats.org/presentationml/2006/main">
+  <p:cSld>
+    <p:spTree>
+      <p:nvGrpSpPr>
+        <p:cNvPr id="1" name=""/>
+        <p:cNvGrpSpPr/>
+        <p:nvPr/>
+      </p:nvGrpSpPr>
+      <p:grpSpPr>
+        <a:xfrm>
+          <a:off x="0" y="0"/>
+          <a:ext cx="0" cy="0"/>
+          <a:chOff x="0" y="0"/>
+          <a:chExt cx="0" cy="0"/>
+        </a:xfrm>
+      </p:grpSpPr>
+      <p:sp>
+        <p:nvSpPr>
+          <p:cNvPr id="2" name="Slide Image Placeholder 1"/>
+          <p:cNvSpPr>
+            <a:spLocks noGrp="1" noRot="1" noChangeAspect="1"/>
+          </p:cNvSpPr>
+          <p:nvPr>
+            <p:ph type="sldImg"/>
+          </p:nvPr>
+        </p:nvSpPr>
+        <p:spPr/>
+      </p:sp>
+      <p:sp>
+        <p:nvSpPr>
+          <p:cNvPr id="3" name="Notes Placeholder 2"/>
+          <p:cNvSpPr>
+            <a:spLocks noGrp="1"/>
+          </p:cNvSpPr>
+          <p:nvPr>
+            <p:ph type="body" idx="1"/>
+          </p:nvPr>
+        </p:nvSpPr>
+        <p:spPr/>
+        <p:txBody>
+          <a:bodyPr>
+            <a:normAutofit/>
+          </a:bodyPr>
+          <a:lstStyle/>
+          <a:p>
+            <a:r>
+              <a:rPr lang="en-US" dirty="0" smtClean="0"/>
+              <a:t>Currently</a:t>
+            </a:r>
+            <a:r>
+              <a:rPr lang="en-US" baseline="0" dirty="0" smtClean="0"/>
+              <a:t> </a:t>
+            </a:r>
+            <a:r>
+              <a:rPr lang="en-US" baseline="0" dirty="0" err="1" smtClean="0"/>
               <a:t>WebGuiDsl</a:t>
             </a:r>
             <a:r>
@@ -651,6 +1591,7 @@
           <a:p>
             <a:fld id="{B3822314-6588-4D35-B84D-1FB9C9EAAB81}" type="slidenum">
               <a:rPr lang="en-US" smtClean="0"/>
+              <a:pPr/>
               <a:t>11</a:t>
             </a:fld>
             <a:endParaRPr lang="en-US"/>
@@ -847,7 +1788,7 @@
             <a:fld id="{F5171E49-61C0-4B63-A2BA-8260F4CF6852}" type="datetimeFigureOut">
               <a:rPr lang="en-US" smtClean="0"/>
               <a:pPr/>
-              <a:t>4/26/2011</a:t>
+              <a:t>4/28/2011</a:t>
             </a:fld>
             <a:endParaRPr lang="en-US"/>
           </a:p>
@@ -1014,7 +1955,7 @@
             <a:fld id="{F5171E49-61C0-4B63-A2BA-8260F4CF6852}" type="datetimeFigureOut">
               <a:rPr lang="en-US" smtClean="0"/>
               <a:pPr/>
-              <a:t>4/26/2011</a:t>
+              <a:t>4/28/2011</a:t>
             </a:fld>
             <a:endParaRPr lang="en-US"/>
           </a:p>
@@ -1191,7 +2132,7 @@
             <a:fld id="{F5171E49-61C0-4B63-A2BA-8260F4CF6852}" type="datetimeFigureOut">
               <a:rPr lang="en-US" smtClean="0"/>
               <a:pPr/>
-              <a:t>4/26/2011</a:t>
+              <a:t>4/28/2011</a:t>
             </a:fld>
             <a:endParaRPr lang="en-US"/>
           </a:p>
@@ -1358,7 +2299,7 @@
             <a:fld id="{F5171E49-61C0-4B63-A2BA-8260F4CF6852}" type="datetimeFigureOut">
               <a:rPr lang="en-US" smtClean="0"/>
               <a:pPr/>
-              <a:t>4/26/2011</a:t>
+              <a:t>4/28/2011</a:t>
             </a:fld>
             <a:endParaRPr lang="en-US"/>
           </a:p>
@@ -1601,7 +2542,7 @@
             <a:fld id="{F5171E49-61C0-4B63-A2BA-8260F4CF6852}" type="datetimeFigureOut">
               <a:rPr lang="en-US" smtClean="0"/>
               <a:pPr/>
-              <a:t>4/26/2011</a:t>
+              <a:t>4/28/2011</a:t>
             </a:fld>
             <a:endParaRPr lang="en-US"/>
           </a:p>
@@ -1886,7 +2827,7 @@
             <a:fld id="{F5171E49-61C0-4B63-A2BA-8260F4CF6852}" type="datetimeFigureOut">
               <a:rPr lang="en-US" smtClean="0"/>
               <a:pPr/>
-              <a:t>4/26/2011</a:t>
+              <a:t>4/28/2011</a:t>
             </a:fld>
             <a:endParaRPr lang="en-US"/>
           </a:p>
@@ -2305,7 +3246,7 @@
             <a:fld id="{F5171E49-61C0-4B63-A2BA-8260F4CF6852}" type="datetimeFigureOut">
               <a:rPr lang="en-US" smtClean="0"/>
               <a:pPr/>
-              <a:t>4/26/2011</a:t>
+              <a:t>4/28/2011</a:t>
             </a:fld>
             <a:endParaRPr lang="en-US"/>
           </a:p>
@@ -2420,7 +3361,7 @@
             <a:fld id="{F5171E49-61C0-4B63-A2BA-8260F4CF6852}" type="datetimeFigureOut">
               <a:rPr lang="en-US" smtClean="0"/>
               <a:pPr/>
-              <a:t>4/26/2011</a:t>
+              <a:t>4/28/2011</a:t>
             </a:fld>
             <a:endParaRPr lang="en-US"/>
           </a:p>
@@ -2512,7 +3453,7 @@
             <a:fld id="{F5171E49-61C0-4B63-A2BA-8260F4CF6852}" type="datetimeFigureOut">
               <a:rPr lang="en-US" smtClean="0"/>
               <a:pPr/>
-              <a:t>4/26/2011</a:t>
+              <a:t>4/28/2011</a:t>
             </a:fld>
             <a:endParaRPr lang="en-US"/>
           </a:p>
@@ -2786,7 +3727,7 @@
             <a:fld id="{F5171E49-61C0-4B63-A2BA-8260F4CF6852}" type="datetimeFigureOut">
               <a:rPr lang="en-US" smtClean="0"/>
               <a:pPr/>
-              <a:t>4/26/2011</a:t>
+              <a:t>4/28/2011</a:t>
             </a:fld>
             <a:endParaRPr lang="en-US"/>
           </a:p>
@@ -3036,7 +3977,7 @@
             <a:fld id="{F5171E49-61C0-4B63-A2BA-8260F4CF6852}" type="datetimeFigureOut">
               <a:rPr lang="en-US" smtClean="0"/>
               <a:pPr/>
-              <a:t>4/26/2011</a:t>
+              <a:t>4/28/2011</a:t>
             </a:fld>
             <a:endParaRPr lang="en-US"/>
           </a:p>
@@ -3246,7 +4187,7 @@
             <a:fld id="{F5171E49-61C0-4B63-A2BA-8260F4CF6852}" type="datetimeFigureOut">
               <a:rPr lang="en-US" smtClean="0"/>
               <a:pPr/>
-              <a:t>4/26/2011</a:t>
+              <a:t>4/28/2011</a:t>
             </a:fld>
             <a:endParaRPr lang="en-US"/>
           </a:p>
@@ -4198,7 +5139,7 @@
           </p:nvPr>
         </p:nvPicPr>
         <p:blipFill>
-          <a:blip r:embed="rId2" cstate="print"/>
+          <a:blip r:embed="rId3" cstate="print"/>
           <a:stretch>
             <a:fillRect/>
           </a:stretch>
@@ -4621,7 +5562,19 @@
             <a:pPr lvl="1"/>
             <a:r>
               <a:rPr lang="en-US" dirty="0" smtClean="0"/>
-              <a:t>Provides a method that calls SAT solver for a given number of set variables and returns a JSON 2D array consisting of variable values (set/not set) and reasons for the values</a:t>
+              <a:t>Provides a method that calls SAT solver for a given number of set variables and returns a </a:t>
+            </a:r>
+            <a:r>
+              <a:rPr lang="en-US" dirty="0" smtClean="0"/>
+              <a:t>2D </a:t>
+            </a:r>
+            <a:r>
+              <a:rPr lang="en-US" dirty="0" smtClean="0"/>
+              <a:t>JSON </a:t>
+            </a:r>
+            <a:r>
+              <a:rPr lang="en-US" dirty="0" smtClean="0"/>
+              <a:t>array consisting of variable values (set/not set) and reasons for the values</a:t>
             </a:r>
           </a:p>
         </p:txBody>
@@ -4711,7 +5664,6 @@
               <a:rPr lang="en-US" dirty="0" smtClean="0"/>
               <a:t>webguidsl.cgi</a:t>
             </a:r>
-            <a:endParaRPr lang="en-US" dirty="0" smtClean="0"/>
           </a:p>
           <a:p>
             <a:pPr lvl="1"/>
@@ -4961,7 +5913,6 @@
                 <a:rPr lang="en-US" sz="2000" dirty="0" smtClean="0"/>
                 <a:t>webguidsl.cgi</a:t>
               </a:r>
-              <a:endParaRPr lang="en-US" sz="2000" dirty="0" smtClean="0"/>
             </a:p>
             <a:p>
               <a:pPr algn="ctr"/>
@@ -8895,7 +9846,7 @@
           </p:nvPr>
         </p:nvPicPr>
         <p:blipFill>
-          <a:blip r:embed="rId2" cstate="print"/>
+          <a:blip r:embed="rId3" cstate="print"/>
           <a:stretch>
             <a:fillRect/>
           </a:stretch>

--- a/SamPresentation.pptx
+++ b/SamPresentation.pptx
@@ -203,7 +203,7 @@
             <a:fld id="{6E61956B-DC5B-4979-9B06-748A0538A2C7}" type="datetimeFigureOut">
               <a:rPr lang="en-US" smtClean="0"/>
               <a:pPr/>
-              <a:t>4/28/2011</a:t>
+              <a:t>4/29/2011</a:t>
             </a:fld>
             <a:endParaRPr lang="en-US"/>
           </a:p>
@@ -1026,7 +1026,41 @@
             </a:r>
             <a:r>
               <a:rPr lang="en-US" baseline="0" dirty="0" smtClean="0"/>
-              <a:t> to determine the values for other variables. The method returns the values for all the variables and the reasons that they have the values.</a:t>
+              <a:t> to determine the values for other variables. The method returns the values for all the variables and the reasons that they have the values</a:t>
+            </a:r>
+            <a:r>
+              <a:rPr lang="en-US" baseline="0" dirty="0" smtClean="0"/>
+              <a:t>.</a:t>
+            </a:r>
+          </a:p>
+          <a:p>
+            <a:r>
+              <a:rPr lang="en-US" baseline="0" dirty="0" smtClean="0"/>
+              <a:t>A simple Java program named </a:t>
+            </a:r>
+            <a:r>
+              <a:rPr lang="en-US" baseline="0" dirty="0" err="1" smtClean="0"/>
+              <a:t>WebGuiDsl</a:t>
+            </a:r>
+            <a:r>
+              <a:rPr lang="en-US" baseline="0" dirty="0" smtClean="0"/>
+              <a:t> is required to interact with the </a:t>
+            </a:r>
+            <a:r>
+              <a:rPr lang="en-US" baseline="0" dirty="0" err="1" smtClean="0"/>
+              <a:t>WebTool</a:t>
+            </a:r>
+            <a:r>
+              <a:rPr lang="en-US" baseline="0" dirty="0" smtClean="0"/>
+              <a:t> feature in </a:t>
+            </a:r>
+            <a:r>
+              <a:rPr lang="en-US" baseline="0" dirty="0" err="1" smtClean="0"/>
+              <a:t>GuiDsl</a:t>
+            </a:r>
+            <a:r>
+              <a:rPr lang="en-US" baseline="0" dirty="0" smtClean="0"/>
+              <a:t>.</a:t>
             </a:r>
             <a:endParaRPr lang="en-US" dirty="0"/>
           </a:p>
@@ -1788,7 +1822,7 @@
             <a:fld id="{F5171E49-61C0-4B63-A2BA-8260F4CF6852}" type="datetimeFigureOut">
               <a:rPr lang="en-US" smtClean="0"/>
               <a:pPr/>
-              <a:t>4/28/2011</a:t>
+              <a:t>4/29/2011</a:t>
             </a:fld>
             <a:endParaRPr lang="en-US"/>
           </a:p>
@@ -1955,7 +1989,7 @@
             <a:fld id="{F5171E49-61C0-4B63-A2BA-8260F4CF6852}" type="datetimeFigureOut">
               <a:rPr lang="en-US" smtClean="0"/>
               <a:pPr/>
-              <a:t>4/28/2011</a:t>
+              <a:t>4/29/2011</a:t>
             </a:fld>
             <a:endParaRPr lang="en-US"/>
           </a:p>
@@ -2132,7 +2166,7 @@
             <a:fld id="{F5171E49-61C0-4B63-A2BA-8260F4CF6852}" type="datetimeFigureOut">
               <a:rPr lang="en-US" smtClean="0"/>
               <a:pPr/>
-              <a:t>4/28/2011</a:t>
+              <a:t>4/29/2011</a:t>
             </a:fld>
             <a:endParaRPr lang="en-US"/>
           </a:p>
@@ -2299,7 +2333,7 @@
             <a:fld id="{F5171E49-61C0-4B63-A2BA-8260F4CF6852}" type="datetimeFigureOut">
               <a:rPr lang="en-US" smtClean="0"/>
               <a:pPr/>
-              <a:t>4/28/2011</a:t>
+              <a:t>4/29/2011</a:t>
             </a:fld>
             <a:endParaRPr lang="en-US"/>
           </a:p>
@@ -2542,7 +2576,7 @@
             <a:fld id="{F5171E49-61C0-4B63-A2BA-8260F4CF6852}" type="datetimeFigureOut">
               <a:rPr lang="en-US" smtClean="0"/>
               <a:pPr/>
-              <a:t>4/28/2011</a:t>
+              <a:t>4/29/2011</a:t>
             </a:fld>
             <a:endParaRPr lang="en-US"/>
           </a:p>
@@ -2827,7 +2861,7 @@
             <a:fld id="{F5171E49-61C0-4B63-A2BA-8260F4CF6852}" type="datetimeFigureOut">
               <a:rPr lang="en-US" smtClean="0"/>
               <a:pPr/>
-              <a:t>4/28/2011</a:t>
+              <a:t>4/29/2011</a:t>
             </a:fld>
             <a:endParaRPr lang="en-US"/>
           </a:p>
@@ -3246,7 +3280,7 @@
             <a:fld id="{F5171E49-61C0-4B63-A2BA-8260F4CF6852}" type="datetimeFigureOut">
               <a:rPr lang="en-US" smtClean="0"/>
               <a:pPr/>
-              <a:t>4/28/2011</a:t>
+              <a:t>4/29/2011</a:t>
             </a:fld>
             <a:endParaRPr lang="en-US"/>
           </a:p>
@@ -3361,7 +3395,7 @@
             <a:fld id="{F5171E49-61C0-4B63-A2BA-8260F4CF6852}" type="datetimeFigureOut">
               <a:rPr lang="en-US" smtClean="0"/>
               <a:pPr/>
-              <a:t>4/28/2011</a:t>
+              <a:t>4/29/2011</a:t>
             </a:fld>
             <a:endParaRPr lang="en-US"/>
           </a:p>
@@ -3453,7 +3487,7 @@
             <a:fld id="{F5171E49-61C0-4B63-A2BA-8260F4CF6852}" type="datetimeFigureOut">
               <a:rPr lang="en-US" smtClean="0"/>
               <a:pPr/>
-              <a:t>4/28/2011</a:t>
+              <a:t>4/29/2011</a:t>
             </a:fld>
             <a:endParaRPr lang="en-US"/>
           </a:p>
@@ -3727,7 +3761,7 @@
             <a:fld id="{F5171E49-61C0-4B63-A2BA-8260F4CF6852}" type="datetimeFigureOut">
               <a:rPr lang="en-US" smtClean="0"/>
               <a:pPr/>
-              <a:t>4/28/2011</a:t>
+              <a:t>4/29/2011</a:t>
             </a:fld>
             <a:endParaRPr lang="en-US"/>
           </a:p>
@@ -3977,7 +4011,7 @@
             <a:fld id="{F5171E49-61C0-4B63-A2BA-8260F4CF6852}" type="datetimeFigureOut">
               <a:rPr lang="en-US" smtClean="0"/>
               <a:pPr/>
-              <a:t>4/28/2011</a:t>
+              <a:t>4/29/2011</a:t>
             </a:fld>
             <a:endParaRPr lang="en-US"/>
           </a:p>
@@ -4187,7 +4221,7 @@
             <a:fld id="{F5171E49-61C0-4B63-A2BA-8260F4CF6852}" type="datetimeFigureOut">
               <a:rPr lang="en-US" smtClean="0"/>
               <a:pPr/>
-              <a:t>4/28/2011</a:t>
+              <a:t>4/29/2011</a:t>
             </a:fld>
             <a:endParaRPr lang="en-US"/>
           </a:p>
@@ -5077,9 +5111,273 @@
   <p:timing>
     <p:tnLst>
       <p:par>
-        <p:cTn id="1" dur="indefinite" restart="never" nodeType="tmRoot"/>
+        <p:cTn id="1" dur="indefinite" restart="never" nodeType="tmRoot">
+          <p:childTnLst>
+            <p:seq concurrent="1" nextAc="seek">
+              <p:cTn id="2" dur="indefinite" nodeType="mainSeq">
+                <p:childTnLst>
+                  <p:par>
+                    <p:cTn id="3" fill="hold">
+                      <p:stCondLst>
+                        <p:cond delay="indefinite"/>
+                      </p:stCondLst>
+                      <p:childTnLst>
+                        <p:par>
+                          <p:cTn id="4" fill="hold">
+                            <p:stCondLst>
+                              <p:cond delay="0"/>
+                            </p:stCondLst>
+                            <p:childTnLst>
+                              <p:par>
+                                <p:cTn id="5" presetID="1" presetClass="entr" presetSubtype="0" fill="hold" grpId="0" nodeType="clickEffect">
+                                  <p:stCondLst>
+                                    <p:cond delay="0"/>
+                                  </p:stCondLst>
+                                  <p:childTnLst>
+                                    <p:set>
+                                      <p:cBhvr>
+                                        <p:cTn id="6" dur="1" fill="hold">
+                                          <p:stCondLst>
+                                            <p:cond delay="0"/>
+                                          </p:stCondLst>
+                                        </p:cTn>
+                                        <p:tgtEl>
+                                          <p:spTgt spid="5"/>
+                                        </p:tgtEl>
+                                        <p:attrNameLst>
+                                          <p:attrName>style.visibility</p:attrName>
+                                        </p:attrNameLst>
+                                      </p:cBhvr>
+                                      <p:to>
+                                        <p:strVal val="visible"/>
+                                      </p:to>
+                                    </p:set>
+                                  </p:childTnLst>
+                                </p:cTn>
+                              </p:par>
+                              <p:par>
+                                <p:cTn id="7" presetID="1" presetClass="entr" presetSubtype="0" fill="hold" grpId="0" nodeType="withEffect">
+                                  <p:stCondLst>
+                                    <p:cond delay="0"/>
+                                  </p:stCondLst>
+                                  <p:childTnLst>
+                                    <p:set>
+                                      <p:cBhvr>
+                                        <p:cTn id="8" dur="1" fill="hold">
+                                          <p:stCondLst>
+                                            <p:cond delay="0"/>
+                                          </p:stCondLst>
+                                        </p:cTn>
+                                        <p:tgtEl>
+                                          <p:spTgt spid="6"/>
+                                        </p:tgtEl>
+                                        <p:attrNameLst>
+                                          <p:attrName>style.visibility</p:attrName>
+                                        </p:attrNameLst>
+                                      </p:cBhvr>
+                                      <p:to>
+                                        <p:strVal val="visible"/>
+                                      </p:to>
+                                    </p:set>
+                                  </p:childTnLst>
+                                </p:cTn>
+                              </p:par>
+                              <p:par>
+                                <p:cTn id="9" presetID="1" presetClass="entr" presetSubtype="0" fill="hold" grpId="0" nodeType="withEffect">
+                                  <p:stCondLst>
+                                    <p:cond delay="0"/>
+                                  </p:stCondLst>
+                                  <p:childTnLst>
+                                    <p:set>
+                                      <p:cBhvr>
+                                        <p:cTn id="10" dur="1" fill="hold">
+                                          <p:stCondLst>
+                                            <p:cond delay="0"/>
+                                          </p:stCondLst>
+                                        </p:cTn>
+                                        <p:tgtEl>
+                                          <p:spTgt spid="7"/>
+                                        </p:tgtEl>
+                                        <p:attrNameLst>
+                                          <p:attrName>style.visibility</p:attrName>
+                                        </p:attrNameLst>
+                                      </p:cBhvr>
+                                      <p:to>
+                                        <p:strVal val="visible"/>
+                                      </p:to>
+                                    </p:set>
+                                  </p:childTnLst>
+                                </p:cTn>
+                              </p:par>
+                              <p:par>
+                                <p:cTn id="11" presetID="1" presetClass="entr" presetSubtype="0" fill="hold" nodeType="withEffect">
+                                  <p:stCondLst>
+                                    <p:cond delay="0"/>
+                                  </p:stCondLst>
+                                  <p:childTnLst>
+                                    <p:set>
+                                      <p:cBhvr>
+                                        <p:cTn id="12" dur="1" fill="hold">
+                                          <p:stCondLst>
+                                            <p:cond delay="0"/>
+                                          </p:stCondLst>
+                                        </p:cTn>
+                                        <p:tgtEl>
+                                          <p:spTgt spid="9"/>
+                                        </p:tgtEl>
+                                        <p:attrNameLst>
+                                          <p:attrName>style.visibility</p:attrName>
+                                        </p:attrNameLst>
+                                      </p:cBhvr>
+                                      <p:to>
+                                        <p:strVal val="visible"/>
+                                      </p:to>
+                                    </p:set>
+                                  </p:childTnLst>
+                                </p:cTn>
+                              </p:par>
+                              <p:par>
+                                <p:cTn id="13" presetID="1" presetClass="entr" presetSubtype="0" fill="hold" grpId="0" nodeType="withEffect">
+                                  <p:stCondLst>
+                                    <p:cond delay="0"/>
+                                  </p:stCondLst>
+                                  <p:childTnLst>
+                                    <p:set>
+                                      <p:cBhvr>
+                                        <p:cTn id="14" dur="1" fill="hold">
+                                          <p:stCondLst>
+                                            <p:cond delay="0"/>
+                                          </p:stCondLst>
+                                        </p:cTn>
+                                        <p:tgtEl>
+                                          <p:spTgt spid="11"/>
+                                        </p:tgtEl>
+                                        <p:attrNameLst>
+                                          <p:attrName>style.visibility</p:attrName>
+                                        </p:attrNameLst>
+                                      </p:cBhvr>
+                                      <p:to>
+                                        <p:strVal val="visible"/>
+                                      </p:to>
+                                    </p:set>
+                                  </p:childTnLst>
+                                </p:cTn>
+                              </p:par>
+                              <p:par>
+                                <p:cTn id="15" presetID="1" presetClass="entr" presetSubtype="0" fill="hold" grpId="0" nodeType="withEffect">
+                                  <p:stCondLst>
+                                    <p:cond delay="0"/>
+                                  </p:stCondLst>
+                                  <p:childTnLst>
+                                    <p:set>
+                                      <p:cBhvr>
+                                        <p:cTn id="16" dur="1" fill="hold">
+                                          <p:stCondLst>
+                                            <p:cond delay="0"/>
+                                          </p:stCondLst>
+                                        </p:cTn>
+                                        <p:tgtEl>
+                                          <p:spTgt spid="12"/>
+                                        </p:tgtEl>
+                                        <p:attrNameLst>
+                                          <p:attrName>style.visibility</p:attrName>
+                                        </p:attrNameLst>
+                                      </p:cBhvr>
+                                      <p:to>
+                                        <p:strVal val="visible"/>
+                                      </p:to>
+                                    </p:set>
+                                  </p:childTnLst>
+                                </p:cTn>
+                              </p:par>
+                              <p:par>
+                                <p:cTn id="17" presetID="1" presetClass="entr" presetSubtype="0" fill="hold" nodeType="withEffect">
+                                  <p:stCondLst>
+                                    <p:cond delay="0"/>
+                                  </p:stCondLst>
+                                  <p:childTnLst>
+                                    <p:set>
+                                      <p:cBhvr>
+                                        <p:cTn id="18" dur="1" fill="hold">
+                                          <p:stCondLst>
+                                            <p:cond delay="0"/>
+                                          </p:stCondLst>
+                                        </p:cTn>
+                                        <p:tgtEl>
+                                          <p:spTgt spid="24"/>
+                                        </p:tgtEl>
+                                        <p:attrNameLst>
+                                          <p:attrName>style.visibility</p:attrName>
+                                        </p:attrNameLst>
+                                      </p:cBhvr>
+                                      <p:to>
+                                        <p:strVal val="visible"/>
+                                      </p:to>
+                                    </p:set>
+                                  </p:childTnLst>
+                                </p:cTn>
+                              </p:par>
+                              <p:par>
+                                <p:cTn id="19" presetID="1" presetClass="entr" presetSubtype="0" fill="hold" nodeType="withEffect">
+                                  <p:stCondLst>
+                                    <p:cond delay="0"/>
+                                  </p:stCondLst>
+                                  <p:childTnLst>
+                                    <p:set>
+                                      <p:cBhvr>
+                                        <p:cTn id="20" dur="1" fill="hold">
+                                          <p:stCondLst>
+                                            <p:cond delay="0"/>
+                                          </p:stCondLst>
+                                        </p:cTn>
+                                        <p:tgtEl>
+                                          <p:spTgt spid="26"/>
+                                        </p:tgtEl>
+                                        <p:attrNameLst>
+                                          <p:attrName>style.visibility</p:attrName>
+                                        </p:attrNameLst>
+                                      </p:cBhvr>
+                                      <p:to>
+                                        <p:strVal val="visible"/>
+                                      </p:to>
+                                    </p:set>
+                                  </p:childTnLst>
+                                </p:cTn>
+                              </p:par>
+                            </p:childTnLst>
+                          </p:cTn>
+                        </p:par>
+                      </p:childTnLst>
+                    </p:cTn>
+                  </p:par>
+                </p:childTnLst>
+              </p:cTn>
+              <p:prevCondLst>
+                <p:cond evt="onPrev" delay="0">
+                  <p:tgtEl>
+                    <p:sldTgt/>
+                  </p:tgtEl>
+                </p:cond>
+              </p:prevCondLst>
+              <p:nextCondLst>
+                <p:cond evt="onNext" delay="0">
+                  <p:tgtEl>
+                    <p:sldTgt/>
+                  </p:tgtEl>
+                </p:cond>
+              </p:nextCondLst>
+            </p:seq>
+          </p:childTnLst>
+        </p:cTn>
       </p:par>
     </p:tnLst>
+    <p:bldLst>
+      <p:bldP spid="5" grpId="0" animBg="1"/>
+      <p:bldP spid="6" grpId="0"/>
+      <p:bldP spid="7" grpId="0"/>
+      <p:bldP spid="11" grpId="0"/>
+      <p:bldP spid="12" grpId="0"/>
+    </p:bldLst>
   </p:timing>
 </p:sld>
 </file>
@@ -5294,9 +5592,257 @@
   <p:timing>
     <p:tnLst>
       <p:par>
-        <p:cTn id="1" dur="indefinite" restart="never" nodeType="tmRoot"/>
+        <p:cTn id="1" dur="indefinite" restart="never" nodeType="tmRoot">
+          <p:childTnLst>
+            <p:seq concurrent="1" nextAc="seek">
+              <p:cTn id="2" dur="indefinite" nodeType="mainSeq">
+                <p:childTnLst>
+                  <p:par>
+                    <p:cTn id="3" fill="hold">
+                      <p:stCondLst>
+                        <p:cond delay="indefinite"/>
+                      </p:stCondLst>
+                      <p:childTnLst>
+                        <p:par>
+                          <p:cTn id="4" fill="hold">
+                            <p:stCondLst>
+                              <p:cond delay="0"/>
+                            </p:stCondLst>
+                            <p:childTnLst>
+                              <p:par>
+                                <p:cTn id="5" presetID="1" presetClass="entr" presetSubtype="0" fill="hold" grpId="0" nodeType="clickEffect">
+                                  <p:stCondLst>
+                                    <p:cond delay="0"/>
+                                  </p:stCondLst>
+                                  <p:childTnLst>
+                                    <p:set>
+                                      <p:cBhvr>
+                                        <p:cTn id="6" dur="1" fill="hold">
+                                          <p:stCondLst>
+                                            <p:cond delay="0"/>
+                                          </p:stCondLst>
+                                        </p:cTn>
+                                        <p:tgtEl>
+                                          <p:spTgt spid="3">
+                                            <p:txEl>
+                                              <p:pRg st="0" end="0"/>
+                                            </p:txEl>
+                                          </p:spTgt>
+                                        </p:tgtEl>
+                                        <p:attrNameLst>
+                                          <p:attrName>style.visibility</p:attrName>
+                                        </p:attrNameLst>
+                                      </p:cBhvr>
+                                      <p:to>
+                                        <p:strVal val="visible"/>
+                                      </p:to>
+                                    </p:set>
+                                  </p:childTnLst>
+                                </p:cTn>
+                              </p:par>
+                              <p:par>
+                                <p:cTn id="7" presetID="1" presetClass="entr" presetSubtype="0" fill="hold" grpId="0" nodeType="withEffect">
+                                  <p:stCondLst>
+                                    <p:cond delay="0"/>
+                                  </p:stCondLst>
+                                  <p:childTnLst>
+                                    <p:set>
+                                      <p:cBhvr>
+                                        <p:cTn id="8" dur="1" fill="hold">
+                                          <p:stCondLst>
+                                            <p:cond delay="0"/>
+                                          </p:stCondLst>
+                                        </p:cTn>
+                                        <p:tgtEl>
+                                          <p:spTgt spid="3">
+                                            <p:txEl>
+                                              <p:pRg st="1" end="1"/>
+                                            </p:txEl>
+                                          </p:spTgt>
+                                        </p:tgtEl>
+                                        <p:attrNameLst>
+                                          <p:attrName>style.visibility</p:attrName>
+                                        </p:attrNameLst>
+                                      </p:cBhvr>
+                                      <p:to>
+                                        <p:strVal val="visible"/>
+                                      </p:to>
+                                    </p:set>
+                                  </p:childTnLst>
+                                </p:cTn>
+                              </p:par>
+                            </p:childTnLst>
+                          </p:cTn>
+                        </p:par>
+                      </p:childTnLst>
+                    </p:cTn>
+                  </p:par>
+                  <p:par>
+                    <p:cTn id="9" fill="hold">
+                      <p:stCondLst>
+                        <p:cond delay="indefinite"/>
+                      </p:stCondLst>
+                      <p:childTnLst>
+                        <p:par>
+                          <p:cTn id="10" fill="hold">
+                            <p:stCondLst>
+                              <p:cond delay="0"/>
+                            </p:stCondLst>
+                            <p:childTnLst>
+                              <p:par>
+                                <p:cTn id="11" presetID="1" presetClass="entr" presetSubtype="0" fill="hold" grpId="0" nodeType="clickEffect">
+                                  <p:stCondLst>
+                                    <p:cond delay="0"/>
+                                  </p:stCondLst>
+                                  <p:childTnLst>
+                                    <p:set>
+                                      <p:cBhvr>
+                                        <p:cTn id="12" dur="1" fill="hold">
+                                          <p:stCondLst>
+                                            <p:cond delay="0"/>
+                                          </p:stCondLst>
+                                        </p:cTn>
+                                        <p:tgtEl>
+                                          <p:spTgt spid="3">
+                                            <p:txEl>
+                                              <p:pRg st="2" end="2"/>
+                                            </p:txEl>
+                                          </p:spTgt>
+                                        </p:tgtEl>
+                                        <p:attrNameLst>
+                                          <p:attrName>style.visibility</p:attrName>
+                                        </p:attrNameLst>
+                                      </p:cBhvr>
+                                      <p:to>
+                                        <p:strVal val="visible"/>
+                                      </p:to>
+                                    </p:set>
+                                  </p:childTnLst>
+                                </p:cTn>
+                              </p:par>
+                              <p:par>
+                                <p:cTn id="13" presetID="1" presetClass="entr" presetSubtype="0" fill="hold" grpId="0" nodeType="withEffect">
+                                  <p:stCondLst>
+                                    <p:cond delay="0"/>
+                                  </p:stCondLst>
+                                  <p:childTnLst>
+                                    <p:set>
+                                      <p:cBhvr>
+                                        <p:cTn id="14" dur="1" fill="hold">
+                                          <p:stCondLst>
+                                            <p:cond delay="0"/>
+                                          </p:stCondLst>
+                                        </p:cTn>
+                                        <p:tgtEl>
+                                          <p:spTgt spid="3">
+                                            <p:txEl>
+                                              <p:pRg st="3" end="3"/>
+                                            </p:txEl>
+                                          </p:spTgt>
+                                        </p:tgtEl>
+                                        <p:attrNameLst>
+                                          <p:attrName>style.visibility</p:attrName>
+                                        </p:attrNameLst>
+                                      </p:cBhvr>
+                                      <p:to>
+                                        <p:strVal val="visible"/>
+                                      </p:to>
+                                    </p:set>
+                                  </p:childTnLst>
+                                </p:cTn>
+                              </p:par>
+                              <p:par>
+                                <p:cTn id="15" presetID="1" presetClass="entr" presetSubtype="0" fill="hold" grpId="0" nodeType="withEffect">
+                                  <p:stCondLst>
+                                    <p:cond delay="0"/>
+                                  </p:stCondLst>
+                                  <p:childTnLst>
+                                    <p:set>
+                                      <p:cBhvr>
+                                        <p:cTn id="16" dur="1" fill="hold">
+                                          <p:stCondLst>
+                                            <p:cond delay="0"/>
+                                          </p:stCondLst>
+                                        </p:cTn>
+                                        <p:tgtEl>
+                                          <p:spTgt spid="3">
+                                            <p:txEl>
+                                              <p:pRg st="4" end="4"/>
+                                            </p:txEl>
+                                          </p:spTgt>
+                                        </p:tgtEl>
+                                        <p:attrNameLst>
+                                          <p:attrName>style.visibility</p:attrName>
+                                        </p:attrNameLst>
+                                      </p:cBhvr>
+                                      <p:to>
+                                        <p:strVal val="visible"/>
+                                      </p:to>
+                                    </p:set>
+                                  </p:childTnLst>
+                                </p:cTn>
+                              </p:par>
+                              <p:par>
+                                <p:cTn id="17" presetID="1" presetClass="entr" presetSubtype="0" fill="hold" grpId="0" nodeType="withEffect">
+                                  <p:stCondLst>
+                                    <p:cond delay="0"/>
+                                  </p:stCondLst>
+                                  <p:childTnLst>
+                                    <p:set>
+                                      <p:cBhvr>
+                                        <p:cTn id="18" dur="1" fill="hold">
+                                          <p:stCondLst>
+                                            <p:cond delay="0"/>
+                                          </p:stCondLst>
+                                        </p:cTn>
+                                        <p:tgtEl>
+                                          <p:spTgt spid="3">
+                                            <p:txEl>
+                                              <p:pRg st="5" end="5"/>
+                                            </p:txEl>
+                                          </p:spTgt>
+                                        </p:tgtEl>
+                                        <p:attrNameLst>
+                                          <p:attrName>style.visibility</p:attrName>
+                                        </p:attrNameLst>
+                                      </p:cBhvr>
+                                      <p:to>
+                                        <p:strVal val="visible"/>
+                                      </p:to>
+                                    </p:set>
+                                  </p:childTnLst>
+                                </p:cTn>
+                              </p:par>
+                            </p:childTnLst>
+                          </p:cTn>
+                        </p:par>
+                      </p:childTnLst>
+                    </p:cTn>
+                  </p:par>
+                </p:childTnLst>
+              </p:cTn>
+              <p:prevCondLst>
+                <p:cond evt="onPrev" delay="0">
+                  <p:tgtEl>
+                    <p:sldTgt/>
+                  </p:tgtEl>
+                </p:cond>
+              </p:prevCondLst>
+              <p:nextCondLst>
+                <p:cond evt="onNext" delay="0">
+                  <p:tgtEl>
+                    <p:sldTgt/>
+                  </p:tgtEl>
+                </p:cond>
+              </p:nextCondLst>
+            </p:seq>
+          </p:childTnLst>
+        </p:cTn>
       </p:par>
     </p:tnLst>
+    <p:bldLst>
+      <p:bldP spid="3" grpId="0" build="p"/>
+    </p:bldLst>
   </p:timing>
 </p:sld>
 </file>
@@ -5465,9 +6011,417 @@
   <p:timing>
     <p:tnLst>
       <p:par>
-        <p:cTn id="1" dur="indefinite" restart="never" nodeType="tmRoot"/>
+        <p:cTn id="1" dur="indefinite" restart="never" nodeType="tmRoot">
+          <p:childTnLst>
+            <p:seq concurrent="1" nextAc="seek">
+              <p:cTn id="2" dur="indefinite" nodeType="mainSeq">
+                <p:childTnLst>
+                  <p:par>
+                    <p:cTn id="3" fill="hold">
+                      <p:stCondLst>
+                        <p:cond delay="indefinite"/>
+                      </p:stCondLst>
+                      <p:childTnLst>
+                        <p:par>
+                          <p:cTn id="4" fill="hold">
+                            <p:stCondLst>
+                              <p:cond delay="0"/>
+                            </p:stCondLst>
+                            <p:childTnLst>
+                              <p:par>
+                                <p:cTn id="5" presetID="1" presetClass="entr" presetSubtype="0" fill="hold" grpId="0" nodeType="clickEffect">
+                                  <p:stCondLst>
+                                    <p:cond delay="0"/>
+                                  </p:stCondLst>
+                                  <p:childTnLst>
+                                    <p:set>
+                                      <p:cBhvr>
+                                        <p:cTn id="6" dur="1" fill="hold">
+                                          <p:stCondLst>
+                                            <p:cond delay="0"/>
+                                          </p:stCondLst>
+                                        </p:cTn>
+                                        <p:tgtEl>
+                                          <p:spTgt spid="3">
+                                            <p:txEl>
+                                              <p:pRg st="0" end="0"/>
+                                            </p:txEl>
+                                          </p:spTgt>
+                                        </p:tgtEl>
+                                        <p:attrNameLst>
+                                          <p:attrName>style.visibility</p:attrName>
+                                        </p:attrNameLst>
+                                      </p:cBhvr>
+                                      <p:to>
+                                        <p:strVal val="visible"/>
+                                      </p:to>
+                                    </p:set>
+                                  </p:childTnLst>
+                                </p:cTn>
+                              </p:par>
+                            </p:childTnLst>
+                          </p:cTn>
+                        </p:par>
+                      </p:childTnLst>
+                    </p:cTn>
+                  </p:par>
+                  <p:par>
+                    <p:cTn id="7" fill="hold">
+                      <p:stCondLst>
+                        <p:cond delay="indefinite"/>
+                      </p:stCondLst>
+                      <p:childTnLst>
+                        <p:par>
+                          <p:cTn id="8" fill="hold">
+                            <p:stCondLst>
+                              <p:cond delay="0"/>
+                            </p:stCondLst>
+                            <p:childTnLst>
+                              <p:par>
+                                <p:cTn id="9" presetID="1" presetClass="entr" presetSubtype="0" fill="hold" grpId="0" nodeType="clickEffect">
+                                  <p:stCondLst>
+                                    <p:cond delay="0"/>
+                                  </p:stCondLst>
+                                  <p:childTnLst>
+                                    <p:set>
+                                      <p:cBhvr>
+                                        <p:cTn id="10" dur="1" fill="hold">
+                                          <p:stCondLst>
+                                            <p:cond delay="0"/>
+                                          </p:stCondLst>
+                                        </p:cTn>
+                                        <p:tgtEl>
+                                          <p:spTgt spid="3">
+                                            <p:txEl>
+                                              <p:pRg st="1" end="1"/>
+                                            </p:txEl>
+                                          </p:spTgt>
+                                        </p:tgtEl>
+                                        <p:attrNameLst>
+                                          <p:attrName>style.visibility</p:attrName>
+                                        </p:attrNameLst>
+                                      </p:cBhvr>
+                                      <p:to>
+                                        <p:strVal val="visible"/>
+                                      </p:to>
+                                    </p:set>
+                                  </p:childTnLst>
+                                </p:cTn>
+                              </p:par>
+                              <p:par>
+                                <p:cTn id="11" presetID="1" presetClass="entr" presetSubtype="0" fill="hold" grpId="0" nodeType="withEffect">
+                                  <p:stCondLst>
+                                    <p:cond delay="0"/>
+                                  </p:stCondLst>
+                                  <p:childTnLst>
+                                    <p:set>
+                                      <p:cBhvr>
+                                        <p:cTn id="12" dur="1" fill="hold">
+                                          <p:stCondLst>
+                                            <p:cond delay="0"/>
+                                          </p:stCondLst>
+                                        </p:cTn>
+                                        <p:tgtEl>
+                                          <p:spTgt spid="3">
+                                            <p:txEl>
+                                              <p:pRg st="2" end="2"/>
+                                            </p:txEl>
+                                          </p:spTgt>
+                                        </p:tgtEl>
+                                        <p:attrNameLst>
+                                          <p:attrName>style.visibility</p:attrName>
+                                        </p:attrNameLst>
+                                      </p:cBhvr>
+                                      <p:to>
+                                        <p:strVal val="visible"/>
+                                      </p:to>
+                                    </p:set>
+                                  </p:childTnLst>
+                                </p:cTn>
+                              </p:par>
+                              <p:par>
+                                <p:cTn id="13" presetID="1" presetClass="entr" presetSubtype="0" fill="hold" grpId="0" nodeType="withEffect">
+                                  <p:stCondLst>
+                                    <p:cond delay="0"/>
+                                  </p:stCondLst>
+                                  <p:childTnLst>
+                                    <p:set>
+                                      <p:cBhvr>
+                                        <p:cTn id="14" dur="1" fill="hold">
+                                          <p:stCondLst>
+                                            <p:cond delay="0"/>
+                                          </p:stCondLst>
+                                        </p:cTn>
+                                        <p:tgtEl>
+                                          <p:spTgt spid="3">
+                                            <p:txEl>
+                                              <p:pRg st="3" end="3"/>
+                                            </p:txEl>
+                                          </p:spTgt>
+                                        </p:tgtEl>
+                                        <p:attrNameLst>
+                                          <p:attrName>style.visibility</p:attrName>
+                                        </p:attrNameLst>
+                                      </p:cBhvr>
+                                      <p:to>
+                                        <p:strVal val="visible"/>
+                                      </p:to>
+                                    </p:set>
+                                  </p:childTnLst>
+                                </p:cTn>
+                              </p:par>
+                            </p:childTnLst>
+                          </p:cTn>
+                        </p:par>
+                      </p:childTnLst>
+                    </p:cTn>
+                  </p:par>
+                  <p:par>
+                    <p:cTn id="15" fill="hold">
+                      <p:stCondLst>
+                        <p:cond delay="indefinite"/>
+                      </p:stCondLst>
+                      <p:childTnLst>
+                        <p:par>
+                          <p:cTn id="16" fill="hold">
+                            <p:stCondLst>
+                              <p:cond delay="0"/>
+                            </p:stCondLst>
+                            <p:childTnLst>
+                              <p:par>
+                                <p:cTn id="17" presetID="1" presetClass="entr" presetSubtype="0" fill="hold" grpId="0" nodeType="clickEffect">
+                                  <p:stCondLst>
+                                    <p:cond delay="0"/>
+                                  </p:stCondLst>
+                                  <p:childTnLst>
+                                    <p:set>
+                                      <p:cBhvr>
+                                        <p:cTn id="18" dur="1" fill="hold">
+                                          <p:stCondLst>
+                                            <p:cond delay="0"/>
+                                          </p:stCondLst>
+                                        </p:cTn>
+                                        <p:tgtEl>
+                                          <p:spTgt spid="3">
+                                            <p:txEl>
+                                              <p:pRg st="4" end="4"/>
+                                            </p:txEl>
+                                          </p:spTgt>
+                                        </p:tgtEl>
+                                        <p:attrNameLst>
+                                          <p:attrName>style.visibility</p:attrName>
+                                        </p:attrNameLst>
+                                      </p:cBhvr>
+                                      <p:to>
+                                        <p:strVal val="visible"/>
+                                      </p:to>
+                                    </p:set>
+                                  </p:childTnLst>
+                                </p:cTn>
+                              </p:par>
+                              <p:par>
+                                <p:cTn id="19" presetID="1" presetClass="entr" presetSubtype="0" fill="hold" grpId="0" nodeType="withEffect">
+                                  <p:stCondLst>
+                                    <p:cond delay="0"/>
+                                  </p:stCondLst>
+                                  <p:childTnLst>
+                                    <p:set>
+                                      <p:cBhvr>
+                                        <p:cTn id="20" dur="1" fill="hold">
+                                          <p:stCondLst>
+                                            <p:cond delay="0"/>
+                                          </p:stCondLst>
+                                        </p:cTn>
+                                        <p:tgtEl>
+                                          <p:spTgt spid="3">
+                                            <p:txEl>
+                                              <p:pRg st="5" end="5"/>
+                                            </p:txEl>
+                                          </p:spTgt>
+                                        </p:tgtEl>
+                                        <p:attrNameLst>
+                                          <p:attrName>style.visibility</p:attrName>
+                                        </p:attrNameLst>
+                                      </p:cBhvr>
+                                      <p:to>
+                                        <p:strVal val="visible"/>
+                                      </p:to>
+                                    </p:set>
+                                  </p:childTnLst>
+                                </p:cTn>
+                              </p:par>
+                              <p:par>
+                                <p:cTn id="21" presetID="1" presetClass="entr" presetSubtype="0" fill="hold" grpId="0" nodeType="withEffect">
+                                  <p:stCondLst>
+                                    <p:cond delay="0"/>
+                                  </p:stCondLst>
+                                  <p:childTnLst>
+                                    <p:set>
+                                      <p:cBhvr>
+                                        <p:cTn id="22" dur="1" fill="hold">
+                                          <p:stCondLst>
+                                            <p:cond delay="0"/>
+                                          </p:stCondLst>
+                                        </p:cTn>
+                                        <p:tgtEl>
+                                          <p:spTgt spid="3">
+                                            <p:txEl>
+                                              <p:pRg st="6" end="6"/>
+                                            </p:txEl>
+                                          </p:spTgt>
+                                        </p:tgtEl>
+                                        <p:attrNameLst>
+                                          <p:attrName>style.visibility</p:attrName>
+                                        </p:attrNameLst>
+                                      </p:cBhvr>
+                                      <p:to>
+                                        <p:strVal val="visible"/>
+                                      </p:to>
+                                    </p:set>
+                                  </p:childTnLst>
+                                </p:cTn>
+                              </p:par>
+                            </p:childTnLst>
+                          </p:cTn>
+                        </p:par>
+                      </p:childTnLst>
+                    </p:cTn>
+                  </p:par>
+                  <p:par>
+                    <p:cTn id="23" fill="hold">
+                      <p:stCondLst>
+                        <p:cond delay="indefinite"/>
+                      </p:stCondLst>
+                      <p:childTnLst>
+                        <p:par>
+                          <p:cTn id="24" fill="hold">
+                            <p:stCondLst>
+                              <p:cond delay="0"/>
+                            </p:stCondLst>
+                            <p:childTnLst>
+                              <p:par>
+                                <p:cTn id="25" presetID="1" presetClass="entr" presetSubtype="0" fill="hold" grpId="0" nodeType="clickEffect">
+                                  <p:stCondLst>
+                                    <p:cond delay="0"/>
+                                  </p:stCondLst>
+                                  <p:childTnLst>
+                                    <p:set>
+                                      <p:cBhvr>
+                                        <p:cTn id="26" dur="1" fill="hold">
+                                          <p:stCondLst>
+                                            <p:cond delay="0"/>
+                                          </p:stCondLst>
+                                        </p:cTn>
+                                        <p:tgtEl>
+                                          <p:spTgt spid="3">
+                                            <p:txEl>
+                                              <p:pRg st="7" end="7"/>
+                                            </p:txEl>
+                                          </p:spTgt>
+                                        </p:tgtEl>
+                                        <p:attrNameLst>
+                                          <p:attrName>style.visibility</p:attrName>
+                                        </p:attrNameLst>
+                                      </p:cBhvr>
+                                      <p:to>
+                                        <p:strVal val="visible"/>
+                                      </p:to>
+                                    </p:set>
+                                  </p:childTnLst>
+                                </p:cTn>
+                              </p:par>
+                              <p:par>
+                                <p:cTn id="27" presetID="1" presetClass="entr" presetSubtype="0" fill="hold" grpId="0" nodeType="withEffect">
+                                  <p:stCondLst>
+                                    <p:cond delay="0"/>
+                                  </p:stCondLst>
+                                  <p:childTnLst>
+                                    <p:set>
+                                      <p:cBhvr>
+                                        <p:cTn id="28" dur="1" fill="hold">
+                                          <p:stCondLst>
+                                            <p:cond delay="0"/>
+                                          </p:stCondLst>
+                                        </p:cTn>
+                                        <p:tgtEl>
+                                          <p:spTgt spid="3">
+                                            <p:txEl>
+                                              <p:pRg st="8" end="8"/>
+                                            </p:txEl>
+                                          </p:spTgt>
+                                        </p:tgtEl>
+                                        <p:attrNameLst>
+                                          <p:attrName>style.visibility</p:attrName>
+                                        </p:attrNameLst>
+                                      </p:cBhvr>
+                                      <p:to>
+                                        <p:strVal val="visible"/>
+                                      </p:to>
+                                    </p:set>
+                                  </p:childTnLst>
+                                </p:cTn>
+                              </p:par>
+                              <p:par>
+                                <p:cTn id="29" presetID="1" presetClass="entr" presetSubtype="0" fill="hold" grpId="0" nodeType="withEffect">
+                                  <p:stCondLst>
+                                    <p:cond delay="0"/>
+                                  </p:stCondLst>
+                                  <p:childTnLst>
+                                    <p:set>
+                                      <p:cBhvr>
+                                        <p:cTn id="30" dur="1" fill="hold">
+                                          <p:stCondLst>
+                                            <p:cond delay="0"/>
+                                          </p:stCondLst>
+                                        </p:cTn>
+                                        <p:tgtEl>
+                                          <p:spTgt spid="3">
+                                            <p:txEl>
+                                              <p:pRg st="9" end="9"/>
+                                            </p:txEl>
+                                          </p:spTgt>
+                                        </p:tgtEl>
+                                        <p:attrNameLst>
+                                          <p:attrName>style.visibility</p:attrName>
+                                        </p:attrNameLst>
+                                      </p:cBhvr>
+                                      <p:to>
+                                        <p:strVal val="visible"/>
+                                      </p:to>
+                                    </p:set>
+                                  </p:childTnLst>
+                                </p:cTn>
+                              </p:par>
+                            </p:childTnLst>
+                          </p:cTn>
+                        </p:par>
+                      </p:childTnLst>
+                    </p:cTn>
+                  </p:par>
+                </p:childTnLst>
+              </p:cTn>
+              <p:prevCondLst>
+                <p:cond evt="onPrev" delay="0">
+                  <p:tgtEl>
+                    <p:sldTgt/>
+                  </p:tgtEl>
+                </p:cond>
+              </p:prevCondLst>
+              <p:nextCondLst>
+                <p:cond evt="onNext" delay="0">
+                  <p:tgtEl>
+                    <p:sldTgt/>
+                  </p:tgtEl>
+                </p:cond>
+              </p:nextCondLst>
+            </p:seq>
+          </p:childTnLst>
+        </p:cTn>
       </p:par>
     </p:tnLst>
+    <p:bldLst>
+      <p:bldP spid="3" grpId="0" build="p"/>
+    </p:bldLst>
   </p:timing>
 </p:sld>
 </file>
@@ -5562,20 +6516,35 @@
             <a:pPr lvl="1"/>
             <a:r>
               <a:rPr lang="en-US" dirty="0" smtClean="0"/>
-              <a:t>Provides a method that calls SAT solver for a given number of set variables and returns a </a:t>
+              <a:t>Provides a method that calls SAT solver for a given number of set variables and returns a 2D JSON array consisting of variable values (set/not set) and reasons for the </a:t>
             </a:r>
             <a:r>
               <a:rPr lang="en-US" dirty="0" smtClean="0"/>
-              <a:t>2D </a:t>
-            </a:r>
+              <a:t>values</a:t>
+            </a:r>
+          </a:p>
+          <a:p>
             <a:r>
               <a:rPr lang="en-US" dirty="0" smtClean="0"/>
-              <a:t>JSON </a:t>
-            </a:r>
+              <a:t>Java program – </a:t>
+            </a:r>
+            <a:r>
+              <a:rPr lang="en-US" dirty="0" err="1" smtClean="0"/>
+              <a:t>WebGuiDsl</a:t>
+            </a:r>
+            <a:endParaRPr lang="en-US" dirty="0" smtClean="0"/>
+          </a:p>
+          <a:p>
+            <a:pPr lvl="1"/>
             <a:r>
               <a:rPr lang="en-US" dirty="0" smtClean="0"/>
-              <a:t>array consisting of variable values (set/not set) and reasons for the values</a:t>
-            </a:r>
+              <a:t>Interacts with </a:t>
+            </a:r>
+            <a:r>
+              <a:rPr lang="en-US" dirty="0" err="1" smtClean="0"/>
+              <a:t>WebTool</a:t>
+            </a:r>
+            <a:endParaRPr lang="en-US" dirty="0" smtClean="0"/>
           </a:p>
         </p:txBody>
       </p:sp>
@@ -5587,9 +6556,226 @@
   <p:timing>
     <p:tnLst>
       <p:par>
-        <p:cTn id="1" dur="indefinite" restart="never" nodeType="tmRoot"/>
+        <p:cTn id="1" dur="indefinite" restart="never" nodeType="tmRoot">
+          <p:childTnLst>
+            <p:seq concurrent="1" nextAc="seek">
+              <p:cTn id="2" dur="indefinite" nodeType="mainSeq">
+                <p:childTnLst>
+                  <p:par>
+                    <p:cTn id="3" fill="hold">
+                      <p:stCondLst>
+                        <p:cond delay="indefinite"/>
+                      </p:stCondLst>
+                      <p:childTnLst>
+                        <p:par>
+                          <p:cTn id="4" fill="hold">
+                            <p:stCondLst>
+                              <p:cond delay="0"/>
+                            </p:stCondLst>
+                            <p:childTnLst>
+                              <p:par>
+                                <p:cTn id="5" presetID="1" presetClass="entr" presetSubtype="0" fill="hold" grpId="0" nodeType="clickEffect">
+                                  <p:stCondLst>
+                                    <p:cond delay="0"/>
+                                  </p:stCondLst>
+                                  <p:childTnLst>
+                                    <p:set>
+                                      <p:cBhvr>
+                                        <p:cTn id="6" dur="1" fill="hold">
+                                          <p:stCondLst>
+                                            <p:cond delay="0"/>
+                                          </p:stCondLst>
+                                        </p:cTn>
+                                        <p:tgtEl>
+                                          <p:spTgt spid="3">
+                                            <p:txEl>
+                                              <p:pRg st="0" end="0"/>
+                                            </p:txEl>
+                                          </p:spTgt>
+                                        </p:tgtEl>
+                                        <p:attrNameLst>
+                                          <p:attrName>style.visibility</p:attrName>
+                                        </p:attrNameLst>
+                                      </p:cBhvr>
+                                      <p:to>
+                                        <p:strVal val="visible"/>
+                                      </p:to>
+                                    </p:set>
+                                  </p:childTnLst>
+                                </p:cTn>
+                              </p:par>
+                              <p:par>
+                                <p:cTn id="7" presetID="1" presetClass="entr" presetSubtype="0" fill="hold" grpId="0" nodeType="withEffect">
+                                  <p:stCondLst>
+                                    <p:cond delay="0"/>
+                                  </p:stCondLst>
+                                  <p:childTnLst>
+                                    <p:set>
+                                      <p:cBhvr>
+                                        <p:cTn id="8" dur="1" fill="hold">
+                                          <p:stCondLst>
+                                            <p:cond delay="0"/>
+                                          </p:stCondLst>
+                                        </p:cTn>
+                                        <p:tgtEl>
+                                          <p:spTgt spid="3">
+                                            <p:txEl>
+                                              <p:pRg st="1" end="1"/>
+                                            </p:txEl>
+                                          </p:spTgt>
+                                        </p:tgtEl>
+                                        <p:attrNameLst>
+                                          <p:attrName>style.visibility</p:attrName>
+                                        </p:attrNameLst>
+                                      </p:cBhvr>
+                                      <p:to>
+                                        <p:strVal val="visible"/>
+                                      </p:to>
+                                    </p:set>
+                                  </p:childTnLst>
+                                </p:cTn>
+                              </p:par>
+                              <p:par>
+                                <p:cTn id="9" presetID="1" presetClass="entr" presetSubtype="0" fill="hold" grpId="0" nodeType="withEffect">
+                                  <p:stCondLst>
+                                    <p:cond delay="0"/>
+                                  </p:stCondLst>
+                                  <p:childTnLst>
+                                    <p:set>
+                                      <p:cBhvr>
+                                        <p:cTn id="10" dur="1" fill="hold">
+                                          <p:stCondLst>
+                                            <p:cond delay="0"/>
+                                          </p:stCondLst>
+                                        </p:cTn>
+                                        <p:tgtEl>
+                                          <p:spTgt spid="3">
+                                            <p:txEl>
+                                              <p:pRg st="2" end="2"/>
+                                            </p:txEl>
+                                          </p:spTgt>
+                                        </p:tgtEl>
+                                        <p:attrNameLst>
+                                          <p:attrName>style.visibility</p:attrName>
+                                        </p:attrNameLst>
+                                      </p:cBhvr>
+                                      <p:to>
+                                        <p:strVal val="visible"/>
+                                      </p:to>
+                                    </p:set>
+                                  </p:childTnLst>
+                                </p:cTn>
+                              </p:par>
+                            </p:childTnLst>
+                          </p:cTn>
+                        </p:par>
+                      </p:childTnLst>
+                    </p:cTn>
+                  </p:par>
+                  <p:par>
+                    <p:cTn id="11" fill="hold">
+                      <p:stCondLst>
+                        <p:cond delay="indefinite"/>
+                      </p:stCondLst>
+                      <p:childTnLst>
+                        <p:par>
+                          <p:cTn id="12" fill="hold">
+                            <p:stCondLst>
+                              <p:cond delay="0"/>
+                            </p:stCondLst>
+                            <p:childTnLst>
+                              <p:par>
+                                <p:cTn id="13" presetID="1" presetClass="entr" presetSubtype="0" fill="hold" grpId="0" nodeType="clickEffect">
+                                  <p:stCondLst>
+                                    <p:cond delay="0"/>
+                                  </p:stCondLst>
+                                  <p:childTnLst>
+                                    <p:set>
+                                      <p:cBhvr>
+                                        <p:cTn id="14" dur="1" fill="hold">
+                                          <p:stCondLst>
+                                            <p:cond delay="0"/>
+                                          </p:stCondLst>
+                                        </p:cTn>
+                                        <p:tgtEl>
+                                          <p:spTgt spid="3">
+                                            <p:txEl>
+                                              <p:pRg st="3" end="3"/>
+                                            </p:txEl>
+                                          </p:spTgt>
+                                        </p:tgtEl>
+                                        <p:attrNameLst>
+                                          <p:attrName>style.visibility</p:attrName>
+                                        </p:attrNameLst>
+                                      </p:cBhvr>
+                                      <p:to>
+                                        <p:strVal val="visible"/>
+                                      </p:to>
+                                    </p:set>
+                                  </p:childTnLst>
+                                </p:cTn>
+                              </p:par>
+                              <p:par>
+                                <p:cTn id="15" presetID="1" presetClass="entr" presetSubtype="0" fill="hold" grpId="0" nodeType="withEffect">
+                                  <p:stCondLst>
+                                    <p:cond delay="0"/>
+                                  </p:stCondLst>
+                                  <p:childTnLst>
+                                    <p:set>
+                                      <p:cBhvr>
+                                        <p:cTn id="16" dur="1" fill="hold">
+                                          <p:stCondLst>
+                                            <p:cond delay="0"/>
+                                          </p:stCondLst>
+                                        </p:cTn>
+                                        <p:tgtEl>
+                                          <p:spTgt spid="3">
+                                            <p:txEl>
+                                              <p:pRg st="4" end="4"/>
+                                            </p:txEl>
+                                          </p:spTgt>
+                                        </p:tgtEl>
+                                        <p:attrNameLst>
+                                          <p:attrName>style.visibility</p:attrName>
+                                        </p:attrNameLst>
+                                      </p:cBhvr>
+                                      <p:to>
+                                        <p:strVal val="visible"/>
+                                      </p:to>
+                                    </p:set>
+                                  </p:childTnLst>
+                                </p:cTn>
+                              </p:par>
+                            </p:childTnLst>
+                          </p:cTn>
+                        </p:par>
+                      </p:childTnLst>
+                    </p:cTn>
+                  </p:par>
+                </p:childTnLst>
+              </p:cTn>
+              <p:prevCondLst>
+                <p:cond evt="onPrev" delay="0">
+                  <p:tgtEl>
+                    <p:sldTgt/>
+                  </p:tgtEl>
+                </p:cond>
+              </p:prevCondLst>
+              <p:nextCondLst>
+                <p:cond evt="onNext" delay="0">
+                  <p:tgtEl>
+                    <p:sldTgt/>
+                  </p:tgtEl>
+                </p:cond>
+              </p:nextCondLst>
+            </p:seq>
+          </p:childTnLst>
+        </p:cTn>
       </p:par>
     </p:tnLst>
+    <p:bldLst>
+      <p:bldP spid="3" grpId="0" build="p"/>
+    </p:bldLst>
   </p:timing>
 </p:sld>
 </file>
@@ -5716,9 +6902,337 @@
   <p:timing>
     <p:tnLst>
       <p:par>
-        <p:cTn id="1" dur="indefinite" restart="never" nodeType="tmRoot"/>
+        <p:cTn id="1" dur="indefinite" restart="never" nodeType="tmRoot">
+          <p:childTnLst>
+            <p:seq concurrent="1" nextAc="seek">
+              <p:cTn id="2" dur="indefinite" nodeType="mainSeq">
+                <p:childTnLst>
+                  <p:par>
+                    <p:cTn id="3" fill="hold">
+                      <p:stCondLst>
+                        <p:cond delay="indefinite"/>
+                      </p:stCondLst>
+                      <p:childTnLst>
+                        <p:par>
+                          <p:cTn id="4" fill="hold">
+                            <p:stCondLst>
+                              <p:cond delay="0"/>
+                            </p:stCondLst>
+                            <p:childTnLst>
+                              <p:par>
+                                <p:cTn id="5" presetID="1" presetClass="entr" presetSubtype="0" fill="hold" grpId="0" nodeType="clickEffect">
+                                  <p:stCondLst>
+                                    <p:cond delay="0"/>
+                                  </p:stCondLst>
+                                  <p:childTnLst>
+                                    <p:set>
+                                      <p:cBhvr>
+                                        <p:cTn id="6" dur="1" fill="hold">
+                                          <p:stCondLst>
+                                            <p:cond delay="0"/>
+                                          </p:stCondLst>
+                                        </p:cTn>
+                                        <p:tgtEl>
+                                          <p:spTgt spid="3">
+                                            <p:txEl>
+                                              <p:pRg st="0" end="0"/>
+                                            </p:txEl>
+                                          </p:spTgt>
+                                        </p:tgtEl>
+                                        <p:attrNameLst>
+                                          <p:attrName>style.visibility</p:attrName>
+                                        </p:attrNameLst>
+                                      </p:cBhvr>
+                                      <p:to>
+                                        <p:strVal val="visible"/>
+                                      </p:to>
+                                    </p:set>
+                                  </p:childTnLst>
+                                </p:cTn>
+                              </p:par>
+                              <p:par>
+                                <p:cTn id="7" presetID="1" presetClass="entr" presetSubtype="0" fill="hold" grpId="0" nodeType="withEffect">
+                                  <p:stCondLst>
+                                    <p:cond delay="0"/>
+                                  </p:stCondLst>
+                                  <p:childTnLst>
+                                    <p:set>
+                                      <p:cBhvr>
+                                        <p:cTn id="8" dur="1" fill="hold">
+                                          <p:stCondLst>
+                                            <p:cond delay="0"/>
+                                          </p:stCondLst>
+                                        </p:cTn>
+                                        <p:tgtEl>
+                                          <p:spTgt spid="3">
+                                            <p:txEl>
+                                              <p:pRg st="1" end="1"/>
+                                            </p:txEl>
+                                          </p:spTgt>
+                                        </p:tgtEl>
+                                        <p:attrNameLst>
+                                          <p:attrName>style.visibility</p:attrName>
+                                        </p:attrNameLst>
+                                      </p:cBhvr>
+                                      <p:to>
+                                        <p:strVal val="visible"/>
+                                      </p:to>
+                                    </p:set>
+                                  </p:childTnLst>
+                                </p:cTn>
+                              </p:par>
+                              <p:par>
+                                <p:cTn id="9" presetID="1" presetClass="entr" presetSubtype="0" fill="hold" grpId="0" nodeType="withEffect">
+                                  <p:stCondLst>
+                                    <p:cond delay="0"/>
+                                  </p:stCondLst>
+                                  <p:childTnLst>
+                                    <p:set>
+                                      <p:cBhvr>
+                                        <p:cTn id="10" dur="1" fill="hold">
+                                          <p:stCondLst>
+                                            <p:cond delay="0"/>
+                                          </p:stCondLst>
+                                        </p:cTn>
+                                        <p:tgtEl>
+                                          <p:spTgt spid="3">
+                                            <p:txEl>
+                                              <p:pRg st="2" end="2"/>
+                                            </p:txEl>
+                                          </p:spTgt>
+                                        </p:tgtEl>
+                                        <p:attrNameLst>
+                                          <p:attrName>style.visibility</p:attrName>
+                                        </p:attrNameLst>
+                                      </p:cBhvr>
+                                      <p:to>
+                                        <p:strVal val="visible"/>
+                                      </p:to>
+                                    </p:set>
+                                  </p:childTnLst>
+                                </p:cTn>
+                              </p:par>
+                            </p:childTnLst>
+                          </p:cTn>
+                        </p:par>
+                      </p:childTnLst>
+                    </p:cTn>
+                  </p:par>
+                  <p:par>
+                    <p:cTn id="11" fill="hold">
+                      <p:stCondLst>
+                        <p:cond delay="indefinite"/>
+                      </p:stCondLst>
+                      <p:childTnLst>
+                        <p:par>
+                          <p:cTn id="12" fill="hold">
+                            <p:stCondLst>
+                              <p:cond delay="0"/>
+                            </p:stCondLst>
+                            <p:childTnLst>
+                              <p:par>
+                                <p:cTn id="13" presetID="1" presetClass="entr" presetSubtype="0" fill="hold" grpId="0" nodeType="clickEffect">
+                                  <p:stCondLst>
+                                    <p:cond delay="0"/>
+                                  </p:stCondLst>
+                                  <p:childTnLst>
+                                    <p:set>
+                                      <p:cBhvr>
+                                        <p:cTn id="14" dur="1" fill="hold">
+                                          <p:stCondLst>
+                                            <p:cond delay="0"/>
+                                          </p:stCondLst>
+                                        </p:cTn>
+                                        <p:tgtEl>
+                                          <p:spTgt spid="3">
+                                            <p:txEl>
+                                              <p:pRg st="3" end="3"/>
+                                            </p:txEl>
+                                          </p:spTgt>
+                                        </p:tgtEl>
+                                        <p:attrNameLst>
+                                          <p:attrName>style.visibility</p:attrName>
+                                        </p:attrNameLst>
+                                      </p:cBhvr>
+                                      <p:to>
+                                        <p:strVal val="visible"/>
+                                      </p:to>
+                                    </p:set>
+                                  </p:childTnLst>
+                                </p:cTn>
+                              </p:par>
+                              <p:par>
+                                <p:cTn id="15" presetID="1" presetClass="entr" presetSubtype="0" fill="hold" grpId="0" nodeType="withEffect">
+                                  <p:stCondLst>
+                                    <p:cond delay="0"/>
+                                  </p:stCondLst>
+                                  <p:childTnLst>
+                                    <p:set>
+                                      <p:cBhvr>
+                                        <p:cTn id="16" dur="1" fill="hold">
+                                          <p:stCondLst>
+                                            <p:cond delay="0"/>
+                                          </p:stCondLst>
+                                        </p:cTn>
+                                        <p:tgtEl>
+                                          <p:spTgt spid="3">
+                                            <p:txEl>
+                                              <p:pRg st="4" end="4"/>
+                                            </p:txEl>
+                                          </p:spTgt>
+                                        </p:tgtEl>
+                                        <p:attrNameLst>
+                                          <p:attrName>style.visibility</p:attrName>
+                                        </p:attrNameLst>
+                                      </p:cBhvr>
+                                      <p:to>
+                                        <p:strVal val="visible"/>
+                                      </p:to>
+                                    </p:set>
+                                  </p:childTnLst>
+                                </p:cTn>
+                              </p:par>
+                            </p:childTnLst>
+                          </p:cTn>
+                        </p:par>
+                      </p:childTnLst>
+                    </p:cTn>
+                  </p:par>
+                  <p:par>
+                    <p:cTn id="17" fill="hold">
+                      <p:stCondLst>
+                        <p:cond delay="indefinite"/>
+                      </p:stCondLst>
+                      <p:childTnLst>
+                        <p:par>
+                          <p:cTn id="18" fill="hold">
+                            <p:stCondLst>
+                              <p:cond delay="0"/>
+                            </p:stCondLst>
+                            <p:childTnLst>
+                              <p:par>
+                                <p:cTn id="19" presetID="1" presetClass="entr" presetSubtype="0" fill="hold" grpId="0" nodeType="clickEffect">
+                                  <p:stCondLst>
+                                    <p:cond delay="0"/>
+                                  </p:stCondLst>
+                                  <p:childTnLst>
+                                    <p:set>
+                                      <p:cBhvr>
+                                        <p:cTn id="20" dur="1" fill="hold">
+                                          <p:stCondLst>
+                                            <p:cond delay="0"/>
+                                          </p:stCondLst>
+                                        </p:cTn>
+                                        <p:tgtEl>
+                                          <p:spTgt spid="3">
+                                            <p:txEl>
+                                              <p:pRg st="5" end="5"/>
+                                            </p:txEl>
+                                          </p:spTgt>
+                                        </p:tgtEl>
+                                        <p:attrNameLst>
+                                          <p:attrName>style.visibility</p:attrName>
+                                        </p:attrNameLst>
+                                      </p:cBhvr>
+                                      <p:to>
+                                        <p:strVal val="visible"/>
+                                      </p:to>
+                                    </p:set>
+                                  </p:childTnLst>
+                                </p:cTn>
+                              </p:par>
+                              <p:par>
+                                <p:cTn id="21" presetID="1" presetClass="entr" presetSubtype="0" fill="hold" grpId="0" nodeType="withEffect">
+                                  <p:stCondLst>
+                                    <p:cond delay="0"/>
+                                  </p:stCondLst>
+                                  <p:childTnLst>
+                                    <p:set>
+                                      <p:cBhvr>
+                                        <p:cTn id="22" dur="1" fill="hold">
+                                          <p:stCondLst>
+                                            <p:cond delay="0"/>
+                                          </p:stCondLst>
+                                        </p:cTn>
+                                        <p:tgtEl>
+                                          <p:spTgt spid="3">
+                                            <p:txEl>
+                                              <p:pRg st="6" end="6"/>
+                                            </p:txEl>
+                                          </p:spTgt>
+                                        </p:tgtEl>
+                                        <p:attrNameLst>
+                                          <p:attrName>style.visibility</p:attrName>
+                                        </p:attrNameLst>
+                                      </p:cBhvr>
+                                      <p:to>
+                                        <p:strVal val="visible"/>
+                                      </p:to>
+                                    </p:set>
+                                  </p:childTnLst>
+                                </p:cTn>
+                              </p:par>
+                              <p:par>
+                                <p:cTn id="23" presetID="1" presetClass="entr" presetSubtype="0" fill="hold" grpId="0" nodeType="withEffect">
+                                  <p:stCondLst>
+                                    <p:cond delay="0"/>
+                                  </p:stCondLst>
+                                  <p:childTnLst>
+                                    <p:set>
+                                      <p:cBhvr>
+                                        <p:cTn id="24" dur="1" fill="hold">
+                                          <p:stCondLst>
+                                            <p:cond delay="0"/>
+                                          </p:stCondLst>
+                                        </p:cTn>
+                                        <p:tgtEl>
+                                          <p:spTgt spid="3">
+                                            <p:txEl>
+                                              <p:pRg st="7" end="7"/>
+                                            </p:txEl>
+                                          </p:spTgt>
+                                        </p:tgtEl>
+                                        <p:attrNameLst>
+                                          <p:attrName>style.visibility</p:attrName>
+                                        </p:attrNameLst>
+                                      </p:cBhvr>
+                                      <p:to>
+                                        <p:strVal val="visible"/>
+                                      </p:to>
+                                    </p:set>
+                                  </p:childTnLst>
+                                </p:cTn>
+                              </p:par>
+                            </p:childTnLst>
+                          </p:cTn>
+                        </p:par>
+                      </p:childTnLst>
+                    </p:cTn>
+                  </p:par>
+                </p:childTnLst>
+              </p:cTn>
+              <p:prevCondLst>
+                <p:cond evt="onPrev" delay="0">
+                  <p:tgtEl>
+                    <p:sldTgt/>
+                  </p:tgtEl>
+                </p:cond>
+              </p:prevCondLst>
+              <p:nextCondLst>
+                <p:cond evt="onNext" delay="0">
+                  <p:tgtEl>
+                    <p:sldTgt/>
+                  </p:tgtEl>
+                </p:cond>
+              </p:nextCondLst>
+            </p:seq>
+          </p:childTnLst>
+        </p:cTn>
       </p:par>
     </p:tnLst>
+    <p:bldLst>
+      <p:bldP spid="3" grpId="0" build="p"/>
+    </p:bldLst>
   </p:timing>
 </p:sld>
 </file>

--- a/SamPresentation.pptx
+++ b/SamPresentation.pptx
@@ -5,7 +5,7 @@
     <p:sldMasterId id="2147483648" r:id="rId1"/>
   </p:sldMasterIdLst>
   <p:notesMasterIdLst>
-    <p:notesMasterId r:id="rId13"/>
+    <p:notesMasterId r:id="rId18"/>
   </p:notesMasterIdLst>
   <p:sldIdLst>
     <p:sldId id="261" r:id="rId2"/>
@@ -18,7 +18,12 @@
     <p:sldId id="262" r:id="rId9"/>
     <p:sldId id="263" r:id="rId10"/>
     <p:sldId id="264" r:id="rId11"/>
-    <p:sldId id="265" r:id="rId12"/>
+    <p:sldId id="269" r:id="rId12"/>
+    <p:sldId id="270" r:id="rId13"/>
+    <p:sldId id="271" r:id="rId14"/>
+    <p:sldId id="272" r:id="rId15"/>
+    <p:sldId id="268" r:id="rId16"/>
+    <p:sldId id="265" r:id="rId17"/>
   </p:sldIdLst>
   <p:sldSz cx="9144000" cy="6858000" type="screen4x3"/>
   <p:notesSz cx="6858000" cy="9144000"/>
@@ -203,7 +208,7 @@
             <a:fld id="{6E61956B-DC5B-4979-9B06-748A0538A2C7}" type="datetimeFigureOut">
               <a:rPr lang="en-US" smtClean="0"/>
               <a:pPr/>
-              <a:t>4/29/2011</a:t>
+              <a:t>5/4/2011</a:t>
             </a:fld>
             <a:endParaRPr lang="en-US"/>
           </a:p>
@@ -1026,11 +1031,7 @@
             </a:r>
             <a:r>
               <a:rPr lang="en-US" baseline="0" dirty="0" smtClean="0"/>
-              <a:t> to determine the values for other variables. The method returns the values for all the variables and the reasons that they have the values</a:t>
-            </a:r>
-            <a:r>
-              <a:rPr lang="en-US" baseline="0" dirty="0" smtClean="0"/>
-              <a:t>.</a:t>
+              <a:t> to determine the values for other variables. The method returns the values for all the variables and the reasons that they have the values.</a:t>
             </a:r>
           </a:p>
           <a:p>
@@ -1626,7 +1627,7 @@
             <a:fld id="{B3822314-6588-4D35-B84D-1FB9C9EAAB81}" type="slidenum">
               <a:rPr lang="en-US" smtClean="0"/>
               <a:pPr/>
-              <a:t>11</a:t>
+              <a:t>16</a:t>
             </a:fld>
             <a:endParaRPr lang="en-US"/>
           </a:p>
@@ -1822,7 +1823,7 @@
             <a:fld id="{F5171E49-61C0-4B63-A2BA-8260F4CF6852}" type="datetimeFigureOut">
               <a:rPr lang="en-US" smtClean="0"/>
               <a:pPr/>
-              <a:t>4/29/2011</a:t>
+              <a:t>5/4/2011</a:t>
             </a:fld>
             <a:endParaRPr lang="en-US"/>
           </a:p>
@@ -1989,7 +1990,7 @@
             <a:fld id="{F5171E49-61C0-4B63-A2BA-8260F4CF6852}" type="datetimeFigureOut">
               <a:rPr lang="en-US" smtClean="0"/>
               <a:pPr/>
-              <a:t>4/29/2011</a:t>
+              <a:t>5/4/2011</a:t>
             </a:fld>
             <a:endParaRPr lang="en-US"/>
           </a:p>
@@ -2166,7 +2167,7 @@
             <a:fld id="{F5171E49-61C0-4B63-A2BA-8260F4CF6852}" type="datetimeFigureOut">
               <a:rPr lang="en-US" smtClean="0"/>
               <a:pPr/>
-              <a:t>4/29/2011</a:t>
+              <a:t>5/4/2011</a:t>
             </a:fld>
             <a:endParaRPr lang="en-US"/>
           </a:p>
@@ -2333,7 +2334,7 @@
             <a:fld id="{F5171E49-61C0-4B63-A2BA-8260F4CF6852}" type="datetimeFigureOut">
               <a:rPr lang="en-US" smtClean="0"/>
               <a:pPr/>
-              <a:t>4/29/2011</a:t>
+              <a:t>5/4/2011</a:t>
             </a:fld>
             <a:endParaRPr lang="en-US"/>
           </a:p>
@@ -2576,7 +2577,7 @@
             <a:fld id="{F5171E49-61C0-4B63-A2BA-8260F4CF6852}" type="datetimeFigureOut">
               <a:rPr lang="en-US" smtClean="0"/>
               <a:pPr/>
-              <a:t>4/29/2011</a:t>
+              <a:t>5/4/2011</a:t>
             </a:fld>
             <a:endParaRPr lang="en-US"/>
           </a:p>
@@ -2861,7 +2862,7 @@
             <a:fld id="{F5171E49-61C0-4B63-A2BA-8260F4CF6852}" type="datetimeFigureOut">
               <a:rPr lang="en-US" smtClean="0"/>
               <a:pPr/>
-              <a:t>4/29/2011</a:t>
+              <a:t>5/4/2011</a:t>
             </a:fld>
             <a:endParaRPr lang="en-US"/>
           </a:p>
@@ -3280,7 +3281,7 @@
             <a:fld id="{F5171E49-61C0-4B63-A2BA-8260F4CF6852}" type="datetimeFigureOut">
               <a:rPr lang="en-US" smtClean="0"/>
               <a:pPr/>
-              <a:t>4/29/2011</a:t>
+              <a:t>5/4/2011</a:t>
             </a:fld>
             <a:endParaRPr lang="en-US"/>
           </a:p>
@@ -3395,7 +3396,7 @@
             <a:fld id="{F5171E49-61C0-4B63-A2BA-8260F4CF6852}" type="datetimeFigureOut">
               <a:rPr lang="en-US" smtClean="0"/>
               <a:pPr/>
-              <a:t>4/29/2011</a:t>
+              <a:t>5/4/2011</a:t>
             </a:fld>
             <a:endParaRPr lang="en-US"/>
           </a:p>
@@ -3487,7 +3488,7 @@
             <a:fld id="{F5171E49-61C0-4B63-A2BA-8260F4CF6852}" type="datetimeFigureOut">
               <a:rPr lang="en-US" smtClean="0"/>
               <a:pPr/>
-              <a:t>4/29/2011</a:t>
+              <a:t>5/4/2011</a:t>
             </a:fld>
             <a:endParaRPr lang="en-US"/>
           </a:p>
@@ -3761,7 +3762,7 @@
             <a:fld id="{F5171E49-61C0-4B63-A2BA-8260F4CF6852}" type="datetimeFigureOut">
               <a:rPr lang="en-US" smtClean="0"/>
               <a:pPr/>
-              <a:t>4/29/2011</a:t>
+              <a:t>5/4/2011</a:t>
             </a:fld>
             <a:endParaRPr lang="en-US"/>
           </a:p>
@@ -4011,7 +4012,7 @@
             <a:fld id="{F5171E49-61C0-4B63-A2BA-8260F4CF6852}" type="datetimeFigureOut">
               <a:rPr lang="en-US" smtClean="0"/>
               <a:pPr/>
-              <a:t>4/29/2011</a:t>
+              <a:t>5/4/2011</a:t>
             </a:fld>
             <a:endParaRPr lang="en-US"/>
           </a:p>
@@ -4221,7 +4222,7 @@
             <a:fld id="{F5171E49-61C0-4B63-A2BA-8260F4CF6852}" type="datetimeFigureOut">
               <a:rPr lang="en-US" smtClean="0"/>
               <a:pPr/>
-              <a:t>4/29/2011</a:t>
+              <a:t>5/4/2011</a:t>
             </a:fld>
             <a:endParaRPr lang="en-US"/>
           </a:p>
@@ -4666,48 +4667,140 @@
           <a:chExt cx="0" cy="0"/>
         </a:xfrm>
       </p:grpSpPr>
-      <p:sp>
-        <p:nvSpPr>
-          <p:cNvPr id="2" name="Title 1"/>
-          <p:cNvSpPr>
-            <a:spLocks noGrp="1"/>
-          </p:cNvSpPr>
-          <p:nvPr>
-            <p:ph type="title"/>
-          </p:nvPr>
-        </p:nvSpPr>
-        <p:spPr/>
-        <p:txBody>
-          <a:bodyPr/>
-          <a:lstStyle/>
-          <a:p>
-            <a:r>
-              <a:rPr lang="en-US" dirty="0" smtClean="0"/>
-              <a:t>Results</a:t>
-            </a:r>
-            <a:endParaRPr lang="en-US" dirty="0"/>
-          </a:p>
-        </p:txBody>
-      </p:sp>
-      <p:sp>
-        <p:nvSpPr>
-          <p:cNvPr id="3" name="Content Placeholder 2"/>
-          <p:cNvSpPr>
-            <a:spLocks noGrp="1"/>
-          </p:cNvSpPr>
+      <p:pic>
+        <p:nvPicPr>
+          <p:cNvPr id="4" name="Content Placeholder 3" descr="cycle.randommultigraph.txt.png"/>
+          <p:cNvPicPr>
+            <a:picLocks noGrp="1" noChangeAspect="1"/>
+          </p:cNvPicPr>
           <p:nvPr>
             <p:ph idx="1"/>
           </p:nvPr>
-        </p:nvSpPr>
-        <p:spPr/>
-        <p:txBody>
-          <a:bodyPr/>
-          <a:lstStyle/>
-          <a:p>
-            <a:endParaRPr lang="en-US"/>
-          </a:p>
-        </p:txBody>
-      </p:sp>
+        </p:nvPicPr>
+        <p:blipFill>
+          <a:blip r:embed="rId2" cstate="print"/>
+          <a:stretch>
+            <a:fillRect/>
+          </a:stretch>
+        </p:blipFill>
+        <p:spPr>
+          <a:xfrm>
+            <a:off x="0" y="3566160"/>
+            <a:ext cx="3291840" cy="3291840"/>
+          </a:xfrm>
+        </p:spPr>
+      </p:pic>
+      <p:pic>
+        <p:nvPicPr>
+          <p:cNvPr id="5" name="Picture 4" descr="cycle.randompseudograph.txt.png"/>
+          <p:cNvPicPr>
+            <a:picLocks noChangeAspect="1"/>
+          </p:cNvPicPr>
+          <p:nvPr/>
+        </p:nvPicPr>
+        <p:blipFill>
+          <a:blip r:embed="rId3" cstate="print"/>
+          <a:stretch>
+            <a:fillRect/>
+          </a:stretch>
+        </p:blipFill>
+        <p:spPr>
+          <a:xfrm>
+            <a:off x="2926080" y="3566160"/>
+            <a:ext cx="3291840" cy="3291840"/>
+          </a:xfrm>
+          <a:prstGeom prst="rect">
+            <a:avLst/>
+          </a:prstGeom>
+        </p:spPr>
+      </p:pic>
+      <p:pic>
+        <p:nvPicPr>
+          <p:cNvPr id="7" name="Picture 6" descr="cycle.simplelineargraph.txt.png"/>
+          <p:cNvPicPr>
+            <a:picLocks noChangeAspect="1"/>
+          </p:cNvPicPr>
+          <p:nvPr/>
+        </p:nvPicPr>
+        <p:blipFill>
+          <a:blip r:embed="rId4" cstate="print"/>
+          <a:stretch>
+            <a:fillRect/>
+          </a:stretch>
+        </p:blipFill>
+        <p:spPr>
+          <a:xfrm>
+            <a:off x="6019800" y="3566160"/>
+            <a:ext cx="3291840" cy="3291840"/>
+          </a:xfrm>
+          <a:prstGeom prst="rect">
+            <a:avLst/>
+          </a:prstGeom>
+        </p:spPr>
+      </p:pic>
+      <p:grpSp>
+        <p:nvGrpSpPr>
+          <p:cNvPr id="10" name="Group 9"/>
+          <p:cNvGrpSpPr/>
+          <p:nvPr/>
+        </p:nvGrpSpPr>
+        <p:grpSpPr>
+          <a:xfrm>
+            <a:off x="1280160" y="175418"/>
+            <a:ext cx="6583680" cy="3291840"/>
+            <a:chOff x="464662" y="91440"/>
+            <a:chExt cx="6583680" cy="3291840"/>
+          </a:xfrm>
+        </p:grpSpPr>
+        <p:pic>
+          <p:nvPicPr>
+            <p:cNvPr id="6" name="Picture 5" descr="cycle.randomsimplegraph.txt.png"/>
+            <p:cNvPicPr>
+              <a:picLocks noChangeAspect="1"/>
+            </p:cNvPicPr>
+            <p:nvPr/>
+          </p:nvPicPr>
+          <p:blipFill>
+            <a:blip r:embed="rId5" cstate="print"/>
+            <a:stretch>
+              <a:fillRect/>
+            </a:stretch>
+          </p:blipFill>
+          <p:spPr>
+            <a:xfrm>
+              <a:off x="3756502" y="91440"/>
+              <a:ext cx="3291840" cy="3291840"/>
+            </a:xfrm>
+            <a:prstGeom prst="rect">
+              <a:avLst/>
+            </a:prstGeom>
+          </p:spPr>
+        </p:pic>
+        <p:pic>
+          <p:nvPicPr>
+            <p:cNvPr id="8" name="Picture 7" descr="cycle.TestV500E45K.bench.png"/>
+            <p:cNvPicPr>
+              <a:picLocks noChangeAspect="1"/>
+            </p:cNvPicPr>
+            <p:nvPr/>
+          </p:nvPicPr>
+          <p:blipFill>
+            <a:blip r:embed="rId6" cstate="print"/>
+            <a:stretch>
+              <a:fillRect/>
+            </a:stretch>
+          </p:blipFill>
+          <p:spPr>
+            <a:xfrm>
+              <a:off x="464662" y="91440"/>
+              <a:ext cx="3291840" cy="3291840"/>
+            </a:xfrm>
+            <a:prstGeom prst="rect">
+              <a:avLst/>
+            </a:prstGeom>
+          </p:spPr>
+        </p:pic>
+      </p:grpSp>
     </p:spTree>
   </p:cSld>
   <p:clrMapOvr>
@@ -4740,369 +4833,141 @@
           <a:chExt cx="0" cy="0"/>
         </a:xfrm>
       </p:grpSpPr>
-      <p:sp>
-        <p:nvSpPr>
-          <p:cNvPr id="2" name="Title 1"/>
-          <p:cNvSpPr>
-            <a:spLocks noGrp="1"/>
-          </p:cNvSpPr>
-          <p:nvPr>
-            <p:ph type="title"/>
-          </p:nvPr>
-        </p:nvSpPr>
-        <p:spPr/>
-        <p:txBody>
-          <a:bodyPr/>
-          <a:lstStyle/>
-          <a:p>
-            <a:r>
-              <a:rPr lang="en-US" dirty="0" smtClean="0"/>
-              <a:t>Future Work</a:t>
-            </a:r>
-            <a:endParaRPr lang="en-US" dirty="0"/>
-          </a:p>
-        </p:txBody>
-      </p:sp>
-      <p:sp>
-        <p:nvSpPr>
-          <p:cNvPr id="3" name="Content Placeholder 2"/>
-          <p:cNvSpPr>
-            <a:spLocks noGrp="1"/>
-          </p:cNvSpPr>
-          <p:nvPr>
-            <p:ph idx="1"/>
-          </p:nvPr>
-        </p:nvSpPr>
-        <p:spPr/>
-        <p:txBody>
-          <a:bodyPr/>
-          <a:lstStyle/>
-          <a:p>
-            <a:r>
-              <a:rPr lang="en-US" dirty="0" err="1" smtClean="0"/>
-              <a:t>WebGuiDsl</a:t>
-            </a:r>
-            <a:r>
-              <a:rPr lang="en-US" dirty="0" smtClean="0"/>
-              <a:t> for GPL can be generalized for any feature model</a:t>
-            </a:r>
-          </a:p>
-          <a:p>
-            <a:pPr lvl="1"/>
-            <a:r>
-              <a:rPr lang="en-US" dirty="0" smtClean="0"/>
-              <a:t>Only client code would change</a:t>
-            </a:r>
-          </a:p>
-          <a:p>
-            <a:pPr lvl="1"/>
-            <a:r>
-              <a:rPr lang="en-US" dirty="0" smtClean="0"/>
-              <a:t>Currently webguidsl.js has GPL specific code</a:t>
-            </a:r>
-            <a:endParaRPr lang="en-US" dirty="0"/>
-          </a:p>
-        </p:txBody>
-      </p:sp>
-      <p:sp>
-        <p:nvSpPr>
-          <p:cNvPr id="5" name="Rounded Rectangle 4"/>
-          <p:cNvSpPr/>
+      <p:pic>
+        <p:nvPicPr>
+          <p:cNvPr id="10" name="Picture 9" descr="connected.randommultigraph.txt.png"/>
+          <p:cNvPicPr>
+            <a:picLocks noChangeAspect="1"/>
+          </p:cNvPicPr>
           <p:nvPr/>
-        </p:nvSpPr>
+        </p:nvPicPr>
+        <p:blipFill>
+          <a:blip r:embed="rId2" cstate="print"/>
+          <a:stretch>
+            <a:fillRect/>
+          </a:stretch>
+        </p:blipFill>
         <p:spPr>
           <a:xfrm>
-            <a:off x="3124200" y="4322802"/>
-            <a:ext cx="1676400" cy="914400"/>
-          </a:xfrm>
-          <a:prstGeom prst="roundRect">
-            <a:avLst>
-              <a:gd name="adj" fmla="val 8875"/>
-            </a:avLst>
-          </a:prstGeom>
-          <a:ln>
-            <a:solidFill>
-              <a:schemeClr val="accent1">
-                <a:lumMod val="75000"/>
-              </a:schemeClr>
-            </a:solidFill>
-          </a:ln>
-        </p:spPr>
-        <p:style>
-          <a:lnRef idx="2">
-            <a:schemeClr val="accent6"/>
-          </a:lnRef>
-          <a:fillRef idx="1">
-            <a:schemeClr val="lt1"/>
-          </a:fillRef>
-          <a:effectRef idx="0">
-            <a:schemeClr val="accent6"/>
-          </a:effectRef>
-          <a:fontRef idx="minor">
-            <a:schemeClr val="dk1"/>
-          </a:fontRef>
-        </p:style>
-        <p:txBody>
-          <a:bodyPr rtlCol="0" anchor="ctr"/>
-          <a:lstStyle/>
-          <a:p>
-            <a:pPr algn="ctr"/>
-            <a:endParaRPr lang="en-US"/>
-          </a:p>
-        </p:txBody>
-      </p:sp>
-      <p:sp>
-        <p:nvSpPr>
-          <p:cNvPr id="6" name="TextBox 5"/>
-          <p:cNvSpPr txBox="1"/>
-          <p:nvPr/>
-        </p:nvSpPr>
-        <p:spPr>
-          <a:xfrm>
-            <a:off x="3124200" y="4322802"/>
-            <a:ext cx="1676400" cy="923330"/>
+            <a:off x="0" y="3566160"/>
+            <a:ext cx="3291840" cy="3291840"/>
           </a:xfrm>
           <a:prstGeom prst="rect">
             <a:avLst/>
           </a:prstGeom>
-          <a:noFill/>
         </p:spPr>
-        <p:txBody>
-          <a:bodyPr wrap="square" rtlCol="0">
-            <a:spAutoFit/>
-          </a:bodyPr>
-          <a:lstStyle/>
-          <a:p>
-            <a:pPr algn="ctr"/>
-            <a:r>
-              <a:rPr lang="en-US" dirty="0" smtClean="0"/>
-              <a:t>Currently</a:t>
-            </a:r>
-          </a:p>
-          <a:p>
-            <a:pPr algn="ctr"/>
-            <a:r>
-              <a:rPr lang="en-US" dirty="0" smtClean="0"/>
-              <a:t>Non-Existent </a:t>
-            </a:r>
-          </a:p>
-          <a:p>
-            <a:pPr algn="ctr"/>
-            <a:r>
-              <a:rPr lang="en-US" dirty="0" smtClean="0"/>
-              <a:t>Tool</a:t>
-            </a:r>
-            <a:endParaRPr lang="en-US" dirty="0"/>
-          </a:p>
-        </p:txBody>
-      </p:sp>
-      <p:sp>
-        <p:nvSpPr>
-          <p:cNvPr id="7" name="TextBox 6"/>
-          <p:cNvSpPr txBox="1"/>
+      </p:pic>
+      <p:pic>
+        <p:nvPicPr>
+          <p:cNvPr id="11" name="Picture 10" descr="connected.randompseudograph.txt.png"/>
+          <p:cNvPicPr>
+            <a:picLocks noChangeAspect="1"/>
+          </p:cNvPicPr>
           <p:nvPr/>
-        </p:nvSpPr>
+        </p:nvPicPr>
+        <p:blipFill>
+          <a:blip r:embed="rId3" cstate="print"/>
+          <a:stretch>
+            <a:fillRect/>
+          </a:stretch>
+        </p:blipFill>
         <p:spPr>
           <a:xfrm>
-            <a:off x="1173145" y="4601389"/>
-            <a:ext cx="1371600" cy="369332"/>
+            <a:off x="3048000" y="3566160"/>
+            <a:ext cx="3291840" cy="3291840"/>
           </a:xfrm>
           <a:prstGeom prst="rect">
             <a:avLst/>
           </a:prstGeom>
-          <a:noFill/>
         </p:spPr>
-        <p:txBody>
-          <a:bodyPr wrap="square" rtlCol="0">
-            <a:spAutoFit/>
-          </a:bodyPr>
-          <a:lstStyle/>
-          <a:p>
-            <a:r>
-              <a:rPr lang="en-US" dirty="0" err="1" smtClean="0"/>
-              <a:t>mymodel.m</a:t>
-            </a:r>
-            <a:endParaRPr lang="en-US" dirty="0"/>
-          </a:p>
-        </p:txBody>
-      </p:sp>
-      <p:cxnSp>
-        <p:nvCxnSpPr>
-          <p:cNvPr id="9" name="Straight Arrow Connector 8"/>
-          <p:cNvCxnSpPr>
-            <a:stCxn id="7" idx="3"/>
-            <a:endCxn id="6" idx="1"/>
-          </p:cNvCxnSpPr>
+      </p:pic>
+      <p:pic>
+        <p:nvPicPr>
+          <p:cNvPr id="13" name="Picture 12" descr="connected.simplelineargraph.txt.png"/>
+          <p:cNvPicPr>
+            <a:picLocks noChangeAspect="1"/>
+          </p:cNvPicPr>
           <p:nvPr/>
-        </p:nvCxnSpPr>
-        <p:spPr>
-          <a:xfrm flipV="1">
-            <a:off x="2544745" y="4784467"/>
-            <a:ext cx="579455" cy="1588"/>
-          </a:xfrm>
-          <a:prstGeom prst="straightConnector1">
-            <a:avLst/>
-          </a:prstGeom>
-          <a:ln>
-            <a:solidFill>
-              <a:schemeClr val="tx1"/>
-            </a:solidFill>
-            <a:tailEnd type="arrow"/>
-          </a:ln>
-        </p:spPr>
-        <p:style>
-          <a:lnRef idx="1">
-            <a:schemeClr val="accent1"/>
-          </a:lnRef>
-          <a:fillRef idx="0">
-            <a:schemeClr val="accent1"/>
-          </a:fillRef>
-          <a:effectRef idx="0">
-            <a:schemeClr val="accent1"/>
-          </a:effectRef>
-          <a:fontRef idx="minor">
-            <a:schemeClr val="tx1"/>
-          </a:fontRef>
-        </p:style>
-      </p:cxnSp>
-      <p:sp>
-        <p:nvSpPr>
-          <p:cNvPr id="11" name="TextBox 10"/>
-          <p:cNvSpPr txBox="1"/>
-          <p:nvPr/>
-        </p:nvSpPr>
+        </p:nvPicPr>
+        <p:blipFill>
+          <a:blip r:embed="rId4" cstate="print"/>
+          <a:stretch>
+            <a:fillRect/>
+          </a:stretch>
+        </p:blipFill>
         <p:spPr>
           <a:xfrm>
-            <a:off x="5592745" y="4322802"/>
-            <a:ext cx="1600200" cy="369332"/>
+            <a:off x="6096000" y="3566160"/>
+            <a:ext cx="3291840" cy="3291840"/>
           </a:xfrm>
           <a:prstGeom prst="rect">
             <a:avLst/>
           </a:prstGeom>
-          <a:noFill/>
         </p:spPr>
-        <p:txBody>
-          <a:bodyPr wrap="square" rtlCol="0">
-            <a:spAutoFit/>
-          </a:bodyPr>
-          <a:lstStyle/>
-          <a:p>
-            <a:r>
-              <a:rPr lang="en-US" dirty="0" smtClean="0"/>
-              <a:t>mymodel.html</a:t>
-            </a:r>
-            <a:endParaRPr lang="en-US" dirty="0"/>
-          </a:p>
-        </p:txBody>
-      </p:sp>
-      <p:sp>
-        <p:nvSpPr>
-          <p:cNvPr id="12" name="TextBox 11"/>
-          <p:cNvSpPr txBox="1"/>
+      </p:pic>
+      <p:grpSp>
+        <p:nvGrpSpPr>
+          <p:cNvPr id="15" name="Group 14"/>
+          <p:cNvGrpSpPr/>
           <p:nvPr/>
-        </p:nvSpPr>
-        <p:spPr>
+        </p:nvGrpSpPr>
+        <p:grpSpPr>
           <a:xfrm>
-            <a:off x="5592745" y="4876800"/>
-            <a:ext cx="2286000" cy="369332"/>
+            <a:off x="1280160" y="274320"/>
+            <a:ext cx="6583680" cy="3291840"/>
+            <a:chOff x="0" y="0"/>
+            <a:chExt cx="6583680" cy="3291840"/>
           </a:xfrm>
-          <a:prstGeom prst="rect">
-            <a:avLst/>
-          </a:prstGeom>
-          <a:noFill/>
-        </p:spPr>
-        <p:txBody>
-          <a:bodyPr wrap="square" rtlCol="0">
-            <a:spAutoFit/>
-          </a:bodyPr>
-          <a:lstStyle/>
-          <a:p>
-            <a:r>
-              <a:rPr lang="en-US" dirty="0" smtClean="0"/>
-              <a:t>validatemymodel.js</a:t>
-            </a:r>
-            <a:endParaRPr lang="en-US" dirty="0"/>
-          </a:p>
-        </p:txBody>
-      </p:sp>
-      <p:cxnSp>
-        <p:nvCxnSpPr>
-          <p:cNvPr id="24" name="Straight Arrow Connector 23"/>
-          <p:cNvCxnSpPr>
-            <a:stCxn id="6" idx="3"/>
-            <a:endCxn id="11" idx="1"/>
-          </p:cNvCxnSpPr>
-          <p:nvPr/>
-        </p:nvCxnSpPr>
-        <p:spPr>
-          <a:xfrm flipV="1">
-            <a:off x="4800600" y="4507468"/>
-            <a:ext cx="792145" cy="276999"/>
-          </a:xfrm>
-          <a:prstGeom prst="straightConnector1">
-            <a:avLst/>
-          </a:prstGeom>
-          <a:ln>
-            <a:solidFill>
-              <a:schemeClr val="tx1"/>
-            </a:solidFill>
-            <a:tailEnd type="arrow"/>
-          </a:ln>
-        </p:spPr>
-        <p:style>
-          <a:lnRef idx="1">
-            <a:schemeClr val="accent1"/>
-          </a:lnRef>
-          <a:fillRef idx="0">
-            <a:schemeClr val="accent1"/>
-          </a:fillRef>
-          <a:effectRef idx="0">
-            <a:schemeClr val="accent1"/>
-          </a:effectRef>
-          <a:fontRef idx="minor">
-            <a:schemeClr val="tx1"/>
-          </a:fontRef>
-        </p:style>
-      </p:cxnSp>
-      <p:cxnSp>
-        <p:nvCxnSpPr>
-          <p:cNvPr id="26" name="Straight Arrow Connector 25"/>
-          <p:cNvCxnSpPr>
-            <a:stCxn id="6" idx="3"/>
-            <a:endCxn id="12" idx="1"/>
-          </p:cNvCxnSpPr>
-          <p:nvPr/>
-        </p:nvCxnSpPr>
-        <p:spPr>
-          <a:xfrm>
-            <a:off x="4800600" y="4784467"/>
-            <a:ext cx="792145" cy="276999"/>
-          </a:xfrm>
-          <a:prstGeom prst="straightConnector1">
-            <a:avLst/>
-          </a:prstGeom>
-          <a:ln>
-            <a:solidFill>
-              <a:schemeClr val="tx1"/>
-            </a:solidFill>
-            <a:tailEnd type="arrow"/>
-          </a:ln>
-        </p:spPr>
-        <p:style>
-          <a:lnRef idx="1">
-            <a:schemeClr val="accent1"/>
-          </a:lnRef>
-          <a:fillRef idx="0">
-            <a:schemeClr val="accent1"/>
-          </a:fillRef>
-          <a:effectRef idx="0">
-            <a:schemeClr val="accent1"/>
-          </a:effectRef>
-          <a:fontRef idx="minor">
-            <a:schemeClr val="tx1"/>
-          </a:fontRef>
-        </p:style>
-      </p:cxnSp>
+        </p:grpSpPr>
+        <p:pic>
+          <p:nvPicPr>
+            <p:cNvPr id="12" name="Picture 11" descr="connected.randomsimplegraph.txt.png"/>
+            <p:cNvPicPr>
+              <a:picLocks noChangeAspect="1"/>
+            </p:cNvPicPr>
+            <p:nvPr/>
+          </p:nvPicPr>
+          <p:blipFill>
+            <a:blip r:embed="rId5" cstate="print"/>
+            <a:stretch>
+              <a:fillRect/>
+            </a:stretch>
+          </p:blipFill>
+          <p:spPr>
+            <a:xfrm>
+              <a:off x="3291840" y="0"/>
+              <a:ext cx="3291840" cy="3291840"/>
+            </a:xfrm>
+            <a:prstGeom prst="rect">
+              <a:avLst/>
+            </a:prstGeom>
+          </p:spPr>
+        </p:pic>
+        <p:pic>
+          <p:nvPicPr>
+            <p:cNvPr id="14" name="Picture 13" descr="connected.TestV500E45K.bench.png"/>
+            <p:cNvPicPr>
+              <a:picLocks noChangeAspect="1"/>
+            </p:cNvPicPr>
+            <p:nvPr/>
+          </p:nvPicPr>
+          <p:blipFill>
+            <a:blip r:embed="rId6" cstate="print"/>
+            <a:stretch>
+              <a:fillRect/>
+            </a:stretch>
+          </p:blipFill>
+          <p:spPr>
+            <a:xfrm>
+              <a:off x="0" y="0"/>
+              <a:ext cx="3291840" cy="3291840"/>
+            </a:xfrm>
+            <a:prstGeom prst="rect">
+              <a:avLst/>
+            </a:prstGeom>
+          </p:spPr>
+        </p:pic>
+      </p:grpSp>
     </p:spTree>
   </p:cSld>
   <p:clrMapOvr>
@@ -5111,273 +4976,1041 @@
   <p:timing>
     <p:tnLst>
       <p:par>
-        <p:cTn id="1" dur="indefinite" restart="never" nodeType="tmRoot">
-          <p:childTnLst>
-            <p:seq concurrent="1" nextAc="seek">
-              <p:cTn id="2" dur="indefinite" nodeType="mainSeq">
-                <p:childTnLst>
-                  <p:par>
-                    <p:cTn id="3" fill="hold">
-                      <p:stCondLst>
-                        <p:cond delay="indefinite"/>
-                      </p:stCondLst>
-                      <p:childTnLst>
-                        <p:par>
-                          <p:cTn id="4" fill="hold">
-                            <p:stCondLst>
-                              <p:cond delay="0"/>
-                            </p:stCondLst>
-                            <p:childTnLst>
-                              <p:par>
-                                <p:cTn id="5" presetID="1" presetClass="entr" presetSubtype="0" fill="hold" grpId="0" nodeType="clickEffect">
-                                  <p:stCondLst>
-                                    <p:cond delay="0"/>
-                                  </p:stCondLst>
-                                  <p:childTnLst>
-                                    <p:set>
-                                      <p:cBhvr>
-                                        <p:cTn id="6" dur="1" fill="hold">
-                                          <p:stCondLst>
-                                            <p:cond delay="0"/>
-                                          </p:stCondLst>
-                                        </p:cTn>
-                                        <p:tgtEl>
-                                          <p:spTgt spid="5"/>
-                                        </p:tgtEl>
-                                        <p:attrNameLst>
-                                          <p:attrName>style.visibility</p:attrName>
-                                        </p:attrNameLst>
-                                      </p:cBhvr>
-                                      <p:to>
-                                        <p:strVal val="visible"/>
-                                      </p:to>
-                                    </p:set>
-                                  </p:childTnLst>
-                                </p:cTn>
-                              </p:par>
-                              <p:par>
-                                <p:cTn id="7" presetID="1" presetClass="entr" presetSubtype="0" fill="hold" grpId="0" nodeType="withEffect">
-                                  <p:stCondLst>
-                                    <p:cond delay="0"/>
-                                  </p:stCondLst>
-                                  <p:childTnLst>
-                                    <p:set>
-                                      <p:cBhvr>
-                                        <p:cTn id="8" dur="1" fill="hold">
-                                          <p:stCondLst>
-                                            <p:cond delay="0"/>
-                                          </p:stCondLst>
-                                        </p:cTn>
-                                        <p:tgtEl>
-                                          <p:spTgt spid="6"/>
-                                        </p:tgtEl>
-                                        <p:attrNameLst>
-                                          <p:attrName>style.visibility</p:attrName>
-                                        </p:attrNameLst>
-                                      </p:cBhvr>
-                                      <p:to>
-                                        <p:strVal val="visible"/>
-                                      </p:to>
-                                    </p:set>
-                                  </p:childTnLst>
-                                </p:cTn>
-                              </p:par>
-                              <p:par>
-                                <p:cTn id="9" presetID="1" presetClass="entr" presetSubtype="0" fill="hold" grpId="0" nodeType="withEffect">
-                                  <p:stCondLst>
-                                    <p:cond delay="0"/>
-                                  </p:stCondLst>
-                                  <p:childTnLst>
-                                    <p:set>
-                                      <p:cBhvr>
-                                        <p:cTn id="10" dur="1" fill="hold">
-                                          <p:stCondLst>
-                                            <p:cond delay="0"/>
-                                          </p:stCondLst>
-                                        </p:cTn>
-                                        <p:tgtEl>
-                                          <p:spTgt spid="7"/>
-                                        </p:tgtEl>
-                                        <p:attrNameLst>
-                                          <p:attrName>style.visibility</p:attrName>
-                                        </p:attrNameLst>
-                                      </p:cBhvr>
-                                      <p:to>
-                                        <p:strVal val="visible"/>
-                                      </p:to>
-                                    </p:set>
-                                  </p:childTnLst>
-                                </p:cTn>
-                              </p:par>
-                              <p:par>
-                                <p:cTn id="11" presetID="1" presetClass="entr" presetSubtype="0" fill="hold" nodeType="withEffect">
-                                  <p:stCondLst>
-                                    <p:cond delay="0"/>
-                                  </p:stCondLst>
-                                  <p:childTnLst>
-                                    <p:set>
-                                      <p:cBhvr>
-                                        <p:cTn id="12" dur="1" fill="hold">
-                                          <p:stCondLst>
-                                            <p:cond delay="0"/>
-                                          </p:stCondLst>
-                                        </p:cTn>
-                                        <p:tgtEl>
-                                          <p:spTgt spid="9"/>
-                                        </p:tgtEl>
-                                        <p:attrNameLst>
-                                          <p:attrName>style.visibility</p:attrName>
-                                        </p:attrNameLst>
-                                      </p:cBhvr>
-                                      <p:to>
-                                        <p:strVal val="visible"/>
-                                      </p:to>
-                                    </p:set>
-                                  </p:childTnLst>
-                                </p:cTn>
-                              </p:par>
-                              <p:par>
-                                <p:cTn id="13" presetID="1" presetClass="entr" presetSubtype="0" fill="hold" grpId="0" nodeType="withEffect">
-                                  <p:stCondLst>
-                                    <p:cond delay="0"/>
-                                  </p:stCondLst>
-                                  <p:childTnLst>
-                                    <p:set>
-                                      <p:cBhvr>
-                                        <p:cTn id="14" dur="1" fill="hold">
-                                          <p:stCondLst>
-                                            <p:cond delay="0"/>
-                                          </p:stCondLst>
-                                        </p:cTn>
-                                        <p:tgtEl>
-                                          <p:spTgt spid="11"/>
-                                        </p:tgtEl>
-                                        <p:attrNameLst>
-                                          <p:attrName>style.visibility</p:attrName>
-                                        </p:attrNameLst>
-                                      </p:cBhvr>
-                                      <p:to>
-                                        <p:strVal val="visible"/>
-                                      </p:to>
-                                    </p:set>
-                                  </p:childTnLst>
-                                </p:cTn>
-                              </p:par>
-                              <p:par>
-                                <p:cTn id="15" presetID="1" presetClass="entr" presetSubtype="0" fill="hold" grpId="0" nodeType="withEffect">
-                                  <p:stCondLst>
-                                    <p:cond delay="0"/>
-                                  </p:stCondLst>
-                                  <p:childTnLst>
-                                    <p:set>
-                                      <p:cBhvr>
-                                        <p:cTn id="16" dur="1" fill="hold">
-                                          <p:stCondLst>
-                                            <p:cond delay="0"/>
-                                          </p:stCondLst>
-                                        </p:cTn>
-                                        <p:tgtEl>
-                                          <p:spTgt spid="12"/>
-                                        </p:tgtEl>
-                                        <p:attrNameLst>
-                                          <p:attrName>style.visibility</p:attrName>
-                                        </p:attrNameLst>
-                                      </p:cBhvr>
-                                      <p:to>
-                                        <p:strVal val="visible"/>
-                                      </p:to>
-                                    </p:set>
-                                  </p:childTnLst>
-                                </p:cTn>
-                              </p:par>
-                              <p:par>
-                                <p:cTn id="17" presetID="1" presetClass="entr" presetSubtype="0" fill="hold" nodeType="withEffect">
-                                  <p:stCondLst>
-                                    <p:cond delay="0"/>
-                                  </p:stCondLst>
-                                  <p:childTnLst>
-                                    <p:set>
-                                      <p:cBhvr>
-                                        <p:cTn id="18" dur="1" fill="hold">
-                                          <p:stCondLst>
-                                            <p:cond delay="0"/>
-                                          </p:stCondLst>
-                                        </p:cTn>
-                                        <p:tgtEl>
-                                          <p:spTgt spid="24"/>
-                                        </p:tgtEl>
-                                        <p:attrNameLst>
-                                          <p:attrName>style.visibility</p:attrName>
-                                        </p:attrNameLst>
-                                      </p:cBhvr>
-                                      <p:to>
-                                        <p:strVal val="visible"/>
-                                      </p:to>
-                                    </p:set>
-                                  </p:childTnLst>
-                                </p:cTn>
-                              </p:par>
-                              <p:par>
-                                <p:cTn id="19" presetID="1" presetClass="entr" presetSubtype="0" fill="hold" nodeType="withEffect">
-                                  <p:stCondLst>
-                                    <p:cond delay="0"/>
-                                  </p:stCondLst>
-                                  <p:childTnLst>
-                                    <p:set>
-                                      <p:cBhvr>
-                                        <p:cTn id="20" dur="1" fill="hold">
-                                          <p:stCondLst>
-                                            <p:cond delay="0"/>
-                                          </p:stCondLst>
-                                        </p:cTn>
-                                        <p:tgtEl>
-                                          <p:spTgt spid="26"/>
-                                        </p:tgtEl>
-                                        <p:attrNameLst>
-                                          <p:attrName>style.visibility</p:attrName>
-                                        </p:attrNameLst>
-                                      </p:cBhvr>
-                                      <p:to>
-                                        <p:strVal val="visible"/>
-                                      </p:to>
-                                    </p:set>
-                                  </p:childTnLst>
-                                </p:cTn>
-                              </p:par>
-                            </p:childTnLst>
-                          </p:cTn>
-                        </p:par>
-                      </p:childTnLst>
-                    </p:cTn>
-                  </p:par>
-                </p:childTnLst>
-              </p:cTn>
-              <p:prevCondLst>
-                <p:cond evt="onPrev" delay="0">
-                  <p:tgtEl>
-                    <p:sldTgt/>
-                  </p:tgtEl>
-                </p:cond>
-              </p:prevCondLst>
-              <p:nextCondLst>
-                <p:cond evt="onNext" delay="0">
-                  <p:tgtEl>
-                    <p:sldTgt/>
-                  </p:tgtEl>
-                </p:cond>
-              </p:nextCondLst>
-            </p:seq>
-          </p:childTnLst>
-        </p:cTn>
+        <p:cTn id="1" dur="indefinite" restart="never" nodeType="tmRoot"/>
       </p:par>
     </p:tnLst>
-    <p:bldLst>
-      <p:bldP spid="5" grpId="0" animBg="1"/>
-      <p:bldP spid="6" grpId="0"/>
-      <p:bldP spid="7" grpId="0"/>
-      <p:bldP spid="11" grpId="0"/>
-      <p:bldP spid="12" grpId="0"/>
-    </p:bldLst>
+  </p:timing>
+</p:sld>
+</file>
+
+<file path=ppt/slides/slide12.xml><?xml version="1.0" encoding="utf-8"?>
+<p:sld xmlns:a="http://schemas.openxmlformats.org/drawingml/2006/main" xmlns:r="http://schemas.openxmlformats.org/officeDocument/2006/relationships" xmlns:p="http://schemas.openxmlformats.org/presentationml/2006/main">
+  <p:cSld>
+    <p:spTree>
+      <p:nvGrpSpPr>
+        <p:cNvPr id="1" name=""/>
+        <p:cNvGrpSpPr/>
+        <p:nvPr/>
+      </p:nvGrpSpPr>
+      <p:grpSpPr>
+        <a:xfrm>
+          <a:off x="0" y="0"/>
+          <a:ext cx="0" cy="0"/>
+          <a:chOff x="0" y="0"/>
+          <a:chExt cx="0" cy="0"/>
+        </a:xfrm>
+      </p:grpSpPr>
+      <p:pic>
+        <p:nvPicPr>
+          <p:cNvPr id="11" name="Picture 10" descr="mstPrim.randommultigraph.txt.png"/>
+          <p:cNvPicPr>
+            <a:picLocks noChangeAspect="1"/>
+          </p:cNvPicPr>
+          <p:nvPr/>
+        </p:nvPicPr>
+        <p:blipFill>
+          <a:blip r:embed="rId2" cstate="print"/>
+          <a:stretch>
+            <a:fillRect/>
+          </a:stretch>
+        </p:blipFill>
+        <p:spPr>
+          <a:xfrm>
+            <a:off x="0" y="3566160"/>
+            <a:ext cx="3291840" cy="3291840"/>
+          </a:xfrm>
+          <a:prstGeom prst="rect">
+            <a:avLst/>
+          </a:prstGeom>
+        </p:spPr>
+      </p:pic>
+      <p:pic>
+        <p:nvPicPr>
+          <p:cNvPr id="12" name="Picture 11" descr="mstPrim.randompseudograph.txt.png"/>
+          <p:cNvPicPr>
+            <a:picLocks noChangeAspect="1"/>
+          </p:cNvPicPr>
+          <p:nvPr/>
+        </p:nvPicPr>
+        <p:blipFill>
+          <a:blip r:embed="rId3" cstate="print"/>
+          <a:stretch>
+            <a:fillRect/>
+          </a:stretch>
+        </p:blipFill>
+        <p:spPr>
+          <a:xfrm>
+            <a:off x="3048000" y="3566160"/>
+            <a:ext cx="3291840" cy="3291840"/>
+          </a:xfrm>
+          <a:prstGeom prst="rect">
+            <a:avLst/>
+          </a:prstGeom>
+        </p:spPr>
+      </p:pic>
+      <p:pic>
+        <p:nvPicPr>
+          <p:cNvPr id="14" name="Picture 13" descr="mstPrim.simplelineargraph.txt.png"/>
+          <p:cNvPicPr>
+            <a:picLocks noChangeAspect="1"/>
+          </p:cNvPicPr>
+          <p:nvPr/>
+        </p:nvPicPr>
+        <p:blipFill>
+          <a:blip r:embed="rId4" cstate="print"/>
+          <a:stretch>
+            <a:fillRect/>
+          </a:stretch>
+        </p:blipFill>
+        <p:spPr>
+          <a:xfrm>
+            <a:off x="6096000" y="3566160"/>
+            <a:ext cx="3291840" cy="3291840"/>
+          </a:xfrm>
+          <a:prstGeom prst="rect">
+            <a:avLst/>
+          </a:prstGeom>
+        </p:spPr>
+      </p:pic>
+      <p:grpSp>
+        <p:nvGrpSpPr>
+          <p:cNvPr id="16" name="Group 15"/>
+          <p:cNvGrpSpPr/>
+          <p:nvPr/>
+        </p:nvGrpSpPr>
+        <p:grpSpPr>
+          <a:xfrm>
+            <a:off x="1280160" y="124320"/>
+            <a:ext cx="6583680" cy="3291840"/>
+            <a:chOff x="609600" y="124320"/>
+            <a:chExt cx="6583680" cy="3291840"/>
+          </a:xfrm>
+        </p:grpSpPr>
+        <p:pic>
+          <p:nvPicPr>
+            <p:cNvPr id="13" name="Picture 12" descr="mstPrim.randomsimplegraph.txt.png"/>
+            <p:cNvPicPr>
+              <a:picLocks noChangeAspect="1"/>
+            </p:cNvPicPr>
+            <p:nvPr/>
+          </p:nvPicPr>
+          <p:blipFill>
+            <a:blip r:embed="rId5" cstate="print"/>
+            <a:stretch>
+              <a:fillRect/>
+            </a:stretch>
+          </p:blipFill>
+          <p:spPr>
+            <a:xfrm>
+              <a:off x="3901440" y="124320"/>
+              <a:ext cx="3291840" cy="3291840"/>
+            </a:xfrm>
+            <a:prstGeom prst="rect">
+              <a:avLst/>
+            </a:prstGeom>
+          </p:spPr>
+        </p:pic>
+        <p:pic>
+          <p:nvPicPr>
+            <p:cNvPr id="15" name="Picture 14" descr="mstPrim.TestV500E45K.bench.png"/>
+            <p:cNvPicPr>
+              <a:picLocks noChangeAspect="1"/>
+            </p:cNvPicPr>
+            <p:nvPr/>
+          </p:nvPicPr>
+          <p:blipFill>
+            <a:blip r:embed="rId6" cstate="print"/>
+            <a:stretch>
+              <a:fillRect/>
+            </a:stretch>
+          </p:blipFill>
+          <p:spPr>
+            <a:xfrm>
+              <a:off x="609600" y="124320"/>
+              <a:ext cx="3291840" cy="3291840"/>
+            </a:xfrm>
+            <a:prstGeom prst="rect">
+              <a:avLst/>
+            </a:prstGeom>
+          </p:spPr>
+        </p:pic>
+      </p:grpSp>
+    </p:spTree>
+  </p:cSld>
+  <p:clrMapOvr>
+    <a:masterClrMapping/>
+  </p:clrMapOvr>
+  <p:timing>
+    <p:tnLst>
+      <p:par>
+        <p:cTn id="1" dur="indefinite" restart="never" nodeType="tmRoot"/>
+      </p:par>
+    </p:tnLst>
+  </p:timing>
+</p:sld>
+</file>
+
+<file path=ppt/slides/slide13.xml><?xml version="1.0" encoding="utf-8"?>
+<p:sld xmlns:a="http://schemas.openxmlformats.org/drawingml/2006/main" xmlns:r="http://schemas.openxmlformats.org/officeDocument/2006/relationships" xmlns:p="http://schemas.openxmlformats.org/presentationml/2006/main">
+  <p:cSld>
+    <p:spTree>
+      <p:nvGrpSpPr>
+        <p:cNvPr id="1" name=""/>
+        <p:cNvGrpSpPr/>
+        <p:nvPr/>
+      </p:nvGrpSpPr>
+      <p:grpSpPr>
+        <a:xfrm>
+          <a:off x="0" y="0"/>
+          <a:ext cx="0" cy="0"/>
+          <a:chOff x="0" y="0"/>
+          <a:chExt cx="0" cy="0"/>
+        </a:xfrm>
+      </p:grpSpPr>
+      <p:pic>
+        <p:nvPicPr>
+          <p:cNvPr id="10" name="Picture 9" descr="mstKruskal.randommultigraph.txt.png"/>
+          <p:cNvPicPr>
+            <a:picLocks noChangeAspect="1"/>
+          </p:cNvPicPr>
+          <p:nvPr/>
+        </p:nvPicPr>
+        <p:blipFill>
+          <a:blip r:embed="rId2" cstate="print"/>
+          <a:stretch>
+            <a:fillRect/>
+          </a:stretch>
+        </p:blipFill>
+        <p:spPr>
+          <a:xfrm>
+            <a:off x="0" y="3566160"/>
+            <a:ext cx="3291840" cy="3291840"/>
+          </a:xfrm>
+          <a:prstGeom prst="rect">
+            <a:avLst/>
+          </a:prstGeom>
+        </p:spPr>
+      </p:pic>
+      <p:pic>
+        <p:nvPicPr>
+          <p:cNvPr id="11" name="Picture 10" descr="mstKruskal.randompseudograph.txt.png"/>
+          <p:cNvPicPr>
+            <a:picLocks noChangeAspect="1"/>
+          </p:cNvPicPr>
+          <p:nvPr/>
+        </p:nvPicPr>
+        <p:blipFill>
+          <a:blip r:embed="rId3" cstate="print"/>
+          <a:stretch>
+            <a:fillRect/>
+          </a:stretch>
+        </p:blipFill>
+        <p:spPr>
+          <a:xfrm>
+            <a:off x="3124200" y="3566160"/>
+            <a:ext cx="3291840" cy="3291840"/>
+          </a:xfrm>
+          <a:prstGeom prst="rect">
+            <a:avLst/>
+          </a:prstGeom>
+        </p:spPr>
+      </p:pic>
+      <p:pic>
+        <p:nvPicPr>
+          <p:cNvPr id="13" name="Picture 12" descr="mstKruskal.simplelineargraph.txt.png"/>
+          <p:cNvPicPr>
+            <a:picLocks noChangeAspect="1"/>
+          </p:cNvPicPr>
+          <p:nvPr/>
+        </p:nvPicPr>
+        <p:blipFill>
+          <a:blip r:embed="rId4" cstate="print"/>
+          <a:stretch>
+            <a:fillRect/>
+          </a:stretch>
+        </p:blipFill>
+        <p:spPr>
+          <a:xfrm>
+            <a:off x="6217920" y="3566160"/>
+            <a:ext cx="3291840" cy="3291840"/>
+          </a:xfrm>
+          <a:prstGeom prst="rect">
+            <a:avLst/>
+          </a:prstGeom>
+        </p:spPr>
+      </p:pic>
+      <p:grpSp>
+        <p:nvGrpSpPr>
+          <p:cNvPr id="15" name="Group 14"/>
+          <p:cNvGrpSpPr/>
+          <p:nvPr/>
+        </p:nvGrpSpPr>
+        <p:grpSpPr>
+          <a:xfrm>
+            <a:off x="1280160" y="152400"/>
+            <a:ext cx="6583680" cy="3291840"/>
+            <a:chOff x="0" y="152400"/>
+            <a:chExt cx="6583680" cy="3291840"/>
+          </a:xfrm>
+        </p:grpSpPr>
+        <p:pic>
+          <p:nvPicPr>
+            <p:cNvPr id="12" name="Picture 11" descr="mstKruskal.randomsimplegraph.txt.png"/>
+            <p:cNvPicPr>
+              <a:picLocks noChangeAspect="1"/>
+            </p:cNvPicPr>
+            <p:nvPr/>
+          </p:nvPicPr>
+          <p:blipFill>
+            <a:blip r:embed="rId5" cstate="print"/>
+            <a:stretch>
+              <a:fillRect/>
+            </a:stretch>
+          </p:blipFill>
+          <p:spPr>
+            <a:xfrm>
+              <a:off x="3291840" y="152400"/>
+              <a:ext cx="3291840" cy="3291840"/>
+            </a:xfrm>
+            <a:prstGeom prst="rect">
+              <a:avLst/>
+            </a:prstGeom>
+          </p:spPr>
+        </p:pic>
+        <p:pic>
+          <p:nvPicPr>
+            <p:cNvPr id="14" name="Picture 13" descr="mstKruskal.TestV500E45K.bench.png"/>
+            <p:cNvPicPr>
+              <a:picLocks noChangeAspect="1"/>
+            </p:cNvPicPr>
+            <p:nvPr/>
+          </p:nvPicPr>
+          <p:blipFill>
+            <a:blip r:embed="rId6" cstate="print"/>
+            <a:stretch>
+              <a:fillRect/>
+            </a:stretch>
+          </p:blipFill>
+          <p:spPr>
+            <a:xfrm>
+              <a:off x="0" y="152400"/>
+              <a:ext cx="3291840" cy="3291840"/>
+            </a:xfrm>
+            <a:prstGeom prst="rect">
+              <a:avLst/>
+            </a:prstGeom>
+          </p:spPr>
+        </p:pic>
+      </p:grpSp>
+    </p:spTree>
+  </p:cSld>
+  <p:clrMapOvr>
+    <a:masterClrMapping/>
+  </p:clrMapOvr>
+  <p:timing>
+    <p:tnLst>
+      <p:par>
+        <p:cTn id="1" dur="indefinite" restart="never" nodeType="tmRoot"/>
+      </p:par>
+    </p:tnLst>
+  </p:timing>
+</p:sld>
+</file>
+
+<file path=ppt/slides/slide14.xml><?xml version="1.0" encoding="utf-8"?>
+<p:sld xmlns:a="http://schemas.openxmlformats.org/drawingml/2006/main" xmlns:r="http://schemas.openxmlformats.org/officeDocument/2006/relationships" xmlns:p="http://schemas.openxmlformats.org/presentationml/2006/main">
+  <p:cSld>
+    <p:spTree>
+      <p:nvGrpSpPr>
+        <p:cNvPr id="1" name=""/>
+        <p:cNvGrpSpPr/>
+        <p:nvPr/>
+      </p:nvGrpSpPr>
+      <p:grpSpPr>
+        <a:xfrm>
+          <a:off x="0" y="0"/>
+          <a:ext cx="0" cy="0"/>
+          <a:chOff x="0" y="0"/>
+          <a:chExt cx="0" cy="0"/>
+        </a:xfrm>
+      </p:grpSpPr>
+      <p:grpSp>
+        <p:nvGrpSpPr>
+          <p:cNvPr id="14" name="Group 13"/>
+          <p:cNvGrpSpPr/>
+          <p:nvPr/>
+        </p:nvGrpSpPr>
+        <p:grpSpPr>
+          <a:xfrm>
+            <a:off x="1173480" y="3566160"/>
+            <a:ext cx="6797040" cy="3291840"/>
+            <a:chOff x="914400" y="3566160"/>
+            <a:chExt cx="6797040" cy="3291840"/>
+          </a:xfrm>
+        </p:grpSpPr>
+        <p:pic>
+          <p:nvPicPr>
+            <p:cNvPr id="10" name="Picture 9" descr="strongC.randommultigraph.txt.png"/>
+            <p:cNvPicPr>
+              <a:picLocks noChangeAspect="1"/>
+            </p:cNvPicPr>
+            <p:nvPr/>
+          </p:nvPicPr>
+          <p:blipFill>
+            <a:blip r:embed="rId2" cstate="print"/>
+            <a:stretch>
+              <a:fillRect/>
+            </a:stretch>
+          </p:blipFill>
+          <p:spPr>
+            <a:xfrm>
+              <a:off x="914400" y="3566160"/>
+              <a:ext cx="3291840" cy="3291840"/>
+            </a:xfrm>
+            <a:prstGeom prst="rect">
+              <a:avLst/>
+            </a:prstGeom>
+          </p:spPr>
+        </p:pic>
+        <p:pic>
+          <p:nvPicPr>
+            <p:cNvPr id="11" name="Picture 10" descr="strongC.randompseudograph.txt.png"/>
+            <p:cNvPicPr>
+              <a:picLocks noChangeAspect="1"/>
+            </p:cNvPicPr>
+            <p:nvPr/>
+          </p:nvPicPr>
+          <p:blipFill>
+            <a:blip r:embed="rId3" cstate="print"/>
+            <a:stretch>
+              <a:fillRect/>
+            </a:stretch>
+          </p:blipFill>
+          <p:spPr>
+            <a:xfrm>
+              <a:off x="4419600" y="3566160"/>
+              <a:ext cx="3291840" cy="3291840"/>
+            </a:xfrm>
+            <a:prstGeom prst="rect">
+              <a:avLst/>
+            </a:prstGeom>
+          </p:spPr>
+        </p:pic>
+      </p:grpSp>
+      <p:grpSp>
+        <p:nvGrpSpPr>
+          <p:cNvPr id="15" name="Group 14"/>
+          <p:cNvGrpSpPr/>
+          <p:nvPr/>
+        </p:nvGrpSpPr>
+        <p:grpSpPr>
+          <a:xfrm>
+            <a:off x="1173480" y="152400"/>
+            <a:ext cx="6797040" cy="3291840"/>
+            <a:chOff x="914400" y="152400"/>
+            <a:chExt cx="6797040" cy="3291840"/>
+          </a:xfrm>
+        </p:grpSpPr>
+        <p:pic>
+          <p:nvPicPr>
+            <p:cNvPr id="12" name="Picture 11" descr="strongC.randomsimplegraph.txt.png"/>
+            <p:cNvPicPr>
+              <a:picLocks noChangeAspect="1"/>
+            </p:cNvPicPr>
+            <p:nvPr/>
+          </p:nvPicPr>
+          <p:blipFill>
+            <a:blip r:embed="rId4" cstate="print"/>
+            <a:stretch>
+              <a:fillRect/>
+            </a:stretch>
+          </p:blipFill>
+          <p:spPr>
+            <a:xfrm>
+              <a:off x="4419600" y="152400"/>
+              <a:ext cx="3291840" cy="3291840"/>
+            </a:xfrm>
+            <a:prstGeom prst="rect">
+              <a:avLst/>
+            </a:prstGeom>
+          </p:spPr>
+        </p:pic>
+        <p:pic>
+          <p:nvPicPr>
+            <p:cNvPr id="13" name="Picture 12" descr="strongC.TestV500E45K.bench.png"/>
+            <p:cNvPicPr>
+              <a:picLocks noChangeAspect="1"/>
+            </p:cNvPicPr>
+            <p:nvPr/>
+          </p:nvPicPr>
+          <p:blipFill>
+            <a:blip r:embed="rId5" cstate="print"/>
+            <a:stretch>
+              <a:fillRect/>
+            </a:stretch>
+          </p:blipFill>
+          <p:spPr>
+            <a:xfrm>
+              <a:off x="914400" y="152400"/>
+              <a:ext cx="3291840" cy="3291840"/>
+            </a:xfrm>
+            <a:prstGeom prst="rect">
+              <a:avLst/>
+            </a:prstGeom>
+          </p:spPr>
+        </p:pic>
+      </p:grpSp>
+    </p:spTree>
+  </p:cSld>
+  <p:clrMapOvr>
+    <a:masterClrMapping/>
+  </p:clrMapOvr>
+  <p:timing>
+    <p:tnLst>
+      <p:par>
+        <p:cTn id="1" dur="indefinite" restart="never" nodeType="tmRoot"/>
+      </p:par>
+    </p:tnLst>
+  </p:timing>
+</p:sld>
+</file>
+
+<file path=ppt/slides/slide15.xml><?xml version="1.0" encoding="utf-8"?>
+<p:sld xmlns:a="http://schemas.openxmlformats.org/drawingml/2006/main" xmlns:r="http://schemas.openxmlformats.org/officeDocument/2006/relationships" xmlns:p="http://schemas.openxmlformats.org/presentationml/2006/main">
+  <p:cSld>
+    <p:spTree>
+      <p:nvGrpSpPr>
+        <p:cNvPr id="1" name=""/>
+        <p:cNvGrpSpPr/>
+        <p:nvPr/>
+      </p:nvGrpSpPr>
+      <p:grpSpPr>
+        <a:xfrm>
+          <a:off x="0" y="0"/>
+          <a:ext cx="0" cy="0"/>
+          <a:chOff x="0" y="0"/>
+          <a:chExt cx="0" cy="0"/>
+        </a:xfrm>
+      </p:grpSpPr>
+      <p:sp>
+        <p:nvSpPr>
+          <p:cNvPr id="2" name="Title 1"/>
+          <p:cNvSpPr>
+            <a:spLocks noGrp="1"/>
+          </p:cNvSpPr>
+          <p:nvPr>
+            <p:ph type="title"/>
+          </p:nvPr>
+        </p:nvSpPr>
+        <p:spPr/>
+        <p:txBody>
+          <a:bodyPr/>
+          <a:lstStyle/>
+          <a:p>
+            <a:r>
+              <a:rPr lang="en-US" dirty="0" smtClean="0"/>
+              <a:t>Conclusions</a:t>
+            </a:r>
+            <a:endParaRPr lang="en-US" dirty="0"/>
+          </a:p>
+        </p:txBody>
+      </p:sp>
+      <p:sp>
+        <p:nvSpPr>
+          <p:cNvPr id="3" name="Content Placeholder 2"/>
+          <p:cNvSpPr>
+            <a:spLocks noGrp="1"/>
+          </p:cNvSpPr>
+          <p:nvPr>
+            <p:ph idx="1"/>
+          </p:nvPr>
+        </p:nvSpPr>
+        <p:spPr/>
+        <p:txBody>
+          <a:bodyPr>
+            <a:normAutofit lnSpcReduction="10000"/>
+          </a:bodyPr>
+          <a:lstStyle/>
+          <a:p>
+            <a:r>
+              <a:rPr lang="en-US" dirty="0" smtClean="0"/>
+              <a:t>GPL is at least as fast as the other implementations with the provided 500 </a:t>
+            </a:r>
+            <a:r>
+              <a:rPr lang="en-US" dirty="0" err="1" smtClean="0"/>
+              <a:t>verticy</a:t>
+            </a:r>
+            <a:r>
+              <a:rPr lang="en-US" dirty="0" smtClean="0"/>
+              <a:t> graph</a:t>
+            </a:r>
+          </a:p>
+          <a:p>
+            <a:r>
+              <a:rPr lang="en-US" dirty="0" smtClean="0"/>
+              <a:t>Maybe you get what you pay for</a:t>
+            </a:r>
+          </a:p>
+          <a:p>
+            <a:pPr lvl="1"/>
+            <a:r>
+              <a:rPr lang="en-US" dirty="0" err="1" smtClean="0"/>
+              <a:t>yFiles</a:t>
+            </a:r>
+            <a:r>
+              <a:rPr lang="en-US" dirty="0" smtClean="0"/>
+              <a:t> seems faster with arbitrary graphs </a:t>
+            </a:r>
+          </a:p>
+          <a:p>
+            <a:pPr lvl="2"/>
+            <a:r>
+              <a:rPr lang="en-US" dirty="0" smtClean="0"/>
+              <a:t>F</a:t>
+            </a:r>
+            <a:r>
+              <a:rPr lang="en-US" dirty="0" smtClean="0"/>
+              <a:t>or the price of $2,700 + $810 annual subscription (single developer price)</a:t>
+            </a:r>
+          </a:p>
+          <a:p>
+            <a:pPr lvl="2"/>
+            <a:r>
+              <a:rPr lang="en-US" dirty="0" smtClean="0"/>
+              <a:t>$18,000 + $5,400 annual subscription to peek at the source code</a:t>
+            </a:r>
+          </a:p>
+          <a:p>
+            <a:pPr lvl="2"/>
+            <a:r>
+              <a:rPr lang="en-US" dirty="0" smtClean="0"/>
+              <a:t>Be thankful for 30-day trials</a:t>
+            </a:r>
+            <a:endParaRPr lang="en-US" dirty="0"/>
+          </a:p>
+        </p:txBody>
+      </p:sp>
+    </p:spTree>
+  </p:cSld>
+  <p:clrMapOvr>
+    <a:masterClrMapping/>
+  </p:clrMapOvr>
+  <p:timing>
+    <p:tnLst>
+      <p:par>
+        <p:cTn id="1" dur="indefinite" restart="never" nodeType="tmRoot"/>
+      </p:par>
+    </p:tnLst>
+  </p:timing>
+</p:sld>
+</file>
+
+<file path=ppt/slides/slide16.xml><?xml version="1.0" encoding="utf-8"?>
+<p:sld xmlns:a="http://schemas.openxmlformats.org/drawingml/2006/main" xmlns:r="http://schemas.openxmlformats.org/officeDocument/2006/relationships" xmlns:p="http://schemas.openxmlformats.org/presentationml/2006/main">
+  <p:cSld>
+    <p:spTree>
+      <p:nvGrpSpPr>
+        <p:cNvPr id="1" name=""/>
+        <p:cNvGrpSpPr/>
+        <p:nvPr/>
+      </p:nvGrpSpPr>
+      <p:grpSpPr>
+        <a:xfrm>
+          <a:off x="0" y="0"/>
+          <a:ext cx="0" cy="0"/>
+          <a:chOff x="0" y="0"/>
+          <a:chExt cx="0" cy="0"/>
+        </a:xfrm>
+      </p:grpSpPr>
+      <p:sp>
+        <p:nvSpPr>
+          <p:cNvPr id="2" name="Title 1"/>
+          <p:cNvSpPr>
+            <a:spLocks noGrp="1"/>
+          </p:cNvSpPr>
+          <p:nvPr>
+            <p:ph type="title"/>
+          </p:nvPr>
+        </p:nvSpPr>
+        <p:spPr/>
+        <p:txBody>
+          <a:bodyPr/>
+          <a:lstStyle/>
+          <a:p>
+            <a:r>
+              <a:rPr lang="en-US" dirty="0" smtClean="0"/>
+              <a:t>Future Work</a:t>
+            </a:r>
+            <a:endParaRPr lang="en-US" dirty="0"/>
+          </a:p>
+        </p:txBody>
+      </p:sp>
+      <p:sp>
+        <p:nvSpPr>
+          <p:cNvPr id="3" name="Content Placeholder 2"/>
+          <p:cNvSpPr>
+            <a:spLocks noGrp="1"/>
+          </p:cNvSpPr>
+          <p:nvPr>
+            <p:ph idx="1"/>
+          </p:nvPr>
+        </p:nvSpPr>
+        <p:spPr/>
+        <p:txBody>
+          <a:bodyPr/>
+          <a:lstStyle/>
+          <a:p>
+            <a:r>
+              <a:rPr lang="en-US" dirty="0" err="1" smtClean="0"/>
+              <a:t>WebGuiDsl</a:t>
+            </a:r>
+            <a:r>
+              <a:rPr lang="en-US" dirty="0" smtClean="0"/>
+              <a:t> for GPL can be generalized for any feature model</a:t>
+            </a:r>
+          </a:p>
+          <a:p>
+            <a:pPr lvl="1"/>
+            <a:r>
+              <a:rPr lang="en-US" dirty="0" smtClean="0"/>
+              <a:t>Only client code would change</a:t>
+            </a:r>
+          </a:p>
+          <a:p>
+            <a:pPr lvl="1"/>
+            <a:r>
+              <a:rPr lang="en-US" dirty="0" smtClean="0"/>
+              <a:t>Currently webguidsl.js has GPL specific code</a:t>
+            </a:r>
+            <a:endParaRPr lang="en-US" dirty="0"/>
+          </a:p>
+        </p:txBody>
+      </p:sp>
+      <p:grpSp>
+        <p:nvGrpSpPr>
+          <p:cNvPr id="13" name="Group 12"/>
+          <p:cNvGrpSpPr/>
+          <p:nvPr/>
+        </p:nvGrpSpPr>
+        <p:grpSpPr>
+          <a:xfrm>
+            <a:off x="1219200" y="4416723"/>
+            <a:ext cx="6705600" cy="923330"/>
+            <a:chOff x="1173145" y="4322802"/>
+            <a:chExt cx="6705600" cy="923330"/>
+          </a:xfrm>
+        </p:grpSpPr>
+        <p:sp>
+          <p:nvSpPr>
+            <p:cNvPr id="5" name="Rounded Rectangle 4"/>
+            <p:cNvSpPr/>
+            <p:nvPr/>
+          </p:nvSpPr>
+          <p:spPr>
+            <a:xfrm>
+              <a:off x="3124200" y="4322802"/>
+              <a:ext cx="1676400" cy="914400"/>
+            </a:xfrm>
+            <a:prstGeom prst="roundRect">
+              <a:avLst>
+                <a:gd name="adj" fmla="val 8875"/>
+              </a:avLst>
+            </a:prstGeom>
+            <a:ln>
+              <a:solidFill>
+                <a:schemeClr val="accent1">
+                  <a:lumMod val="75000"/>
+                </a:schemeClr>
+              </a:solidFill>
+            </a:ln>
+          </p:spPr>
+          <p:style>
+            <a:lnRef idx="2">
+              <a:schemeClr val="accent6"/>
+            </a:lnRef>
+            <a:fillRef idx="1">
+              <a:schemeClr val="lt1"/>
+            </a:fillRef>
+            <a:effectRef idx="0">
+              <a:schemeClr val="accent6"/>
+            </a:effectRef>
+            <a:fontRef idx="minor">
+              <a:schemeClr val="dk1"/>
+            </a:fontRef>
+          </p:style>
+          <p:txBody>
+            <a:bodyPr rtlCol="0" anchor="ctr"/>
+            <a:lstStyle/>
+            <a:p>
+              <a:pPr algn="ctr"/>
+              <a:endParaRPr lang="en-US"/>
+            </a:p>
+          </p:txBody>
+        </p:sp>
+        <p:sp>
+          <p:nvSpPr>
+            <p:cNvPr id="6" name="TextBox 5"/>
+            <p:cNvSpPr txBox="1"/>
+            <p:nvPr/>
+          </p:nvSpPr>
+          <p:spPr>
+            <a:xfrm>
+              <a:off x="3124200" y="4322802"/>
+              <a:ext cx="1676400" cy="923330"/>
+            </a:xfrm>
+            <a:prstGeom prst="rect">
+              <a:avLst/>
+            </a:prstGeom>
+            <a:noFill/>
+          </p:spPr>
+          <p:txBody>
+            <a:bodyPr wrap="square" rtlCol="0">
+              <a:spAutoFit/>
+            </a:bodyPr>
+            <a:lstStyle/>
+            <a:p>
+              <a:pPr algn="ctr"/>
+              <a:r>
+                <a:rPr lang="en-US" dirty="0" smtClean="0"/>
+                <a:t>Currently</a:t>
+              </a:r>
+            </a:p>
+            <a:p>
+              <a:pPr algn="ctr"/>
+              <a:r>
+                <a:rPr lang="en-US" dirty="0" smtClean="0"/>
+                <a:t>Non-Existent </a:t>
+              </a:r>
+            </a:p>
+            <a:p>
+              <a:pPr algn="ctr"/>
+              <a:r>
+                <a:rPr lang="en-US" dirty="0" smtClean="0"/>
+                <a:t>Tool</a:t>
+              </a:r>
+              <a:endParaRPr lang="en-US" dirty="0"/>
+            </a:p>
+          </p:txBody>
+        </p:sp>
+        <p:sp>
+          <p:nvSpPr>
+            <p:cNvPr id="7" name="TextBox 6"/>
+            <p:cNvSpPr txBox="1"/>
+            <p:nvPr/>
+          </p:nvSpPr>
+          <p:spPr>
+            <a:xfrm>
+              <a:off x="1173145" y="4601389"/>
+              <a:ext cx="1371600" cy="369332"/>
+            </a:xfrm>
+            <a:prstGeom prst="rect">
+              <a:avLst/>
+            </a:prstGeom>
+            <a:noFill/>
+          </p:spPr>
+          <p:txBody>
+            <a:bodyPr wrap="square" rtlCol="0">
+              <a:spAutoFit/>
+            </a:bodyPr>
+            <a:lstStyle/>
+            <a:p>
+              <a:r>
+                <a:rPr lang="en-US" dirty="0" err="1" smtClean="0"/>
+                <a:t>mymodel.m</a:t>
+              </a:r>
+              <a:endParaRPr lang="en-US" dirty="0"/>
+            </a:p>
+          </p:txBody>
+        </p:sp>
+        <p:cxnSp>
+          <p:nvCxnSpPr>
+            <p:cNvPr id="9" name="Straight Arrow Connector 8"/>
+            <p:cNvCxnSpPr>
+              <a:stCxn id="7" idx="3"/>
+              <a:endCxn id="6" idx="1"/>
+            </p:cNvCxnSpPr>
+            <p:nvPr/>
+          </p:nvCxnSpPr>
+          <p:spPr>
+            <a:xfrm flipV="1">
+              <a:off x="2544745" y="4784467"/>
+              <a:ext cx="579455" cy="1588"/>
+            </a:xfrm>
+            <a:prstGeom prst="straightConnector1">
+              <a:avLst/>
+            </a:prstGeom>
+            <a:ln>
+              <a:solidFill>
+                <a:schemeClr val="tx1"/>
+              </a:solidFill>
+              <a:tailEnd type="arrow"/>
+            </a:ln>
+          </p:spPr>
+          <p:style>
+            <a:lnRef idx="1">
+              <a:schemeClr val="accent1"/>
+            </a:lnRef>
+            <a:fillRef idx="0">
+              <a:schemeClr val="accent1"/>
+            </a:fillRef>
+            <a:effectRef idx="0">
+              <a:schemeClr val="accent1"/>
+            </a:effectRef>
+            <a:fontRef idx="minor">
+              <a:schemeClr val="tx1"/>
+            </a:fontRef>
+          </p:style>
+        </p:cxnSp>
+        <p:sp>
+          <p:nvSpPr>
+            <p:cNvPr id="11" name="TextBox 10"/>
+            <p:cNvSpPr txBox="1"/>
+            <p:nvPr/>
+          </p:nvSpPr>
+          <p:spPr>
+            <a:xfrm>
+              <a:off x="5592745" y="4322802"/>
+              <a:ext cx="1600200" cy="369332"/>
+            </a:xfrm>
+            <a:prstGeom prst="rect">
+              <a:avLst/>
+            </a:prstGeom>
+            <a:noFill/>
+          </p:spPr>
+          <p:txBody>
+            <a:bodyPr wrap="square" rtlCol="0">
+              <a:spAutoFit/>
+            </a:bodyPr>
+            <a:lstStyle/>
+            <a:p>
+              <a:r>
+                <a:rPr lang="en-US" dirty="0" smtClean="0"/>
+                <a:t>mymodel.html</a:t>
+              </a:r>
+              <a:endParaRPr lang="en-US" dirty="0"/>
+            </a:p>
+          </p:txBody>
+        </p:sp>
+        <p:sp>
+          <p:nvSpPr>
+            <p:cNvPr id="12" name="TextBox 11"/>
+            <p:cNvSpPr txBox="1"/>
+            <p:nvPr/>
+          </p:nvSpPr>
+          <p:spPr>
+            <a:xfrm>
+              <a:off x="5592745" y="4876800"/>
+              <a:ext cx="2286000" cy="369332"/>
+            </a:xfrm>
+            <a:prstGeom prst="rect">
+              <a:avLst/>
+            </a:prstGeom>
+            <a:noFill/>
+          </p:spPr>
+          <p:txBody>
+            <a:bodyPr wrap="square" rtlCol="0">
+              <a:spAutoFit/>
+            </a:bodyPr>
+            <a:lstStyle/>
+            <a:p>
+              <a:r>
+                <a:rPr lang="en-US" dirty="0" smtClean="0"/>
+                <a:t>validatemymodel.js</a:t>
+              </a:r>
+              <a:endParaRPr lang="en-US" dirty="0"/>
+            </a:p>
+          </p:txBody>
+        </p:sp>
+        <p:cxnSp>
+          <p:nvCxnSpPr>
+            <p:cNvPr id="24" name="Straight Arrow Connector 23"/>
+            <p:cNvCxnSpPr>
+              <a:stCxn id="6" idx="3"/>
+              <a:endCxn id="11" idx="1"/>
+            </p:cNvCxnSpPr>
+            <p:nvPr/>
+          </p:nvCxnSpPr>
+          <p:spPr>
+            <a:xfrm flipV="1">
+              <a:off x="4800600" y="4507468"/>
+              <a:ext cx="792145" cy="276999"/>
+            </a:xfrm>
+            <a:prstGeom prst="straightConnector1">
+              <a:avLst/>
+            </a:prstGeom>
+            <a:ln>
+              <a:solidFill>
+                <a:schemeClr val="tx1"/>
+              </a:solidFill>
+              <a:tailEnd type="arrow"/>
+            </a:ln>
+          </p:spPr>
+          <p:style>
+            <a:lnRef idx="1">
+              <a:schemeClr val="accent1"/>
+            </a:lnRef>
+            <a:fillRef idx="0">
+              <a:schemeClr val="accent1"/>
+            </a:fillRef>
+            <a:effectRef idx="0">
+              <a:schemeClr val="accent1"/>
+            </a:effectRef>
+            <a:fontRef idx="minor">
+              <a:schemeClr val="tx1"/>
+            </a:fontRef>
+          </p:style>
+        </p:cxnSp>
+        <p:cxnSp>
+          <p:nvCxnSpPr>
+            <p:cNvPr id="26" name="Straight Arrow Connector 25"/>
+            <p:cNvCxnSpPr>
+              <a:stCxn id="6" idx="3"/>
+              <a:endCxn id="12" idx="1"/>
+            </p:cNvCxnSpPr>
+            <p:nvPr/>
+          </p:nvCxnSpPr>
+          <p:spPr>
+            <a:xfrm>
+              <a:off x="4800600" y="4784467"/>
+              <a:ext cx="792145" cy="276999"/>
+            </a:xfrm>
+            <a:prstGeom prst="straightConnector1">
+              <a:avLst/>
+            </a:prstGeom>
+            <a:ln>
+              <a:solidFill>
+                <a:schemeClr val="tx1"/>
+              </a:solidFill>
+              <a:tailEnd type="arrow"/>
+            </a:ln>
+          </p:spPr>
+          <p:style>
+            <a:lnRef idx="1">
+              <a:schemeClr val="accent1"/>
+            </a:lnRef>
+            <a:fillRef idx="0">
+              <a:schemeClr val="accent1"/>
+            </a:fillRef>
+            <a:effectRef idx="0">
+              <a:schemeClr val="accent1"/>
+            </a:effectRef>
+            <a:fontRef idx="minor">
+              <a:schemeClr val="tx1"/>
+            </a:fontRef>
+          </p:style>
+        </p:cxnSp>
+      </p:grpSp>
+    </p:spTree>
+  </p:cSld>
+  <p:clrMapOvr>
+    <a:masterClrMapping/>
+  </p:clrMapOvr>
+  <p:timing>
+    <p:tnLst>
+      <p:par>
+        <p:cTn id="1" dur="indefinite" restart="never" nodeType="tmRoot"/>
+      </p:par>
+    </p:tnLst>
   </p:timing>
 </p:sld>
 </file>
@@ -6516,11 +7149,7 @@
             <a:pPr lvl="1"/>
             <a:r>
               <a:rPr lang="en-US" dirty="0" smtClean="0"/>
-              <a:t>Provides a method that calls SAT solver for a given number of set variables and returns a 2D JSON array consisting of variable values (set/not set) and reasons for the </a:t>
-            </a:r>
-            <a:r>
-              <a:rPr lang="en-US" dirty="0" smtClean="0"/>
-              <a:t>values</a:t>
+              <a:t>Provides a method that calls SAT solver for a given number of set variables and returns a 2D JSON array consisting of variable values (set/not set) and reasons for the values</a:t>
             </a:r>
           </a:p>
           <a:p>

--- a/SamPresentation.pptx
+++ b/SamPresentation.pptx
@@ -4669,13 +4669,11 @@
       </p:grpSpPr>
       <p:pic>
         <p:nvPicPr>
-          <p:cNvPr id="4" name="Content Placeholder 3" descr="cycle.randommultigraph.txt.png"/>
+          <p:cNvPr id="12" name="Picture 11" descr="cycle.randommultigraph.txt.png"/>
           <p:cNvPicPr>
-            <a:picLocks noGrp="1" noChangeAspect="1"/>
+            <a:picLocks noChangeAspect="1"/>
           </p:cNvPicPr>
-          <p:nvPr>
-            <p:ph idx="1"/>
-          </p:nvPr>
+          <p:nvPr/>
         </p:nvPicPr>
         <p:blipFill>
           <a:blip r:embed="rId2" cstate="print"/>
@@ -4688,11 +4686,14 @@
             <a:off x="0" y="3566160"/>
             <a:ext cx="3291840" cy="3291840"/>
           </a:xfrm>
+          <a:prstGeom prst="rect">
+            <a:avLst/>
+          </a:prstGeom>
         </p:spPr>
       </p:pic>
       <p:pic>
         <p:nvPicPr>
-          <p:cNvPr id="5" name="Picture 4" descr="cycle.randompseudograph.txt.png"/>
+          <p:cNvPr id="13" name="Picture 12" descr="cycle.randompseudograph.txt.png"/>
           <p:cNvPicPr>
             <a:picLocks noChangeAspect="1"/>
           </p:cNvPicPr>
@@ -4706,7 +4707,7 @@
         </p:blipFill>
         <p:spPr>
           <a:xfrm>
-            <a:off x="2926080" y="3566160"/>
+            <a:off x="3124200" y="3566160"/>
             <a:ext cx="3291840" cy="3291840"/>
           </a:xfrm>
           <a:prstGeom prst="rect">
@@ -4716,7 +4717,7 @@
       </p:pic>
       <p:pic>
         <p:nvPicPr>
-          <p:cNvPr id="7" name="Picture 6" descr="cycle.simplelineargraph.txt.png"/>
+          <p:cNvPr id="15" name="Picture 14" descr="cycle.simplelineargraph.txt.png"/>
           <p:cNvPicPr>
             <a:picLocks noChangeAspect="1"/>
           </p:cNvPicPr>
@@ -4730,7 +4731,7 @@
         </p:blipFill>
         <p:spPr>
           <a:xfrm>
-            <a:off x="6019800" y="3566160"/>
+            <a:off x="6096000" y="3566160"/>
             <a:ext cx="3291840" cy="3291840"/>
           </a:xfrm>
           <a:prstGeom prst="rect">
@@ -4740,21 +4741,21 @@
       </p:pic>
       <p:grpSp>
         <p:nvGrpSpPr>
-          <p:cNvPr id="10" name="Group 9"/>
+          <p:cNvPr id="17" name="Group 16"/>
           <p:cNvGrpSpPr/>
           <p:nvPr/>
         </p:nvGrpSpPr>
         <p:grpSpPr>
           <a:xfrm>
-            <a:off x="1280160" y="175418"/>
-            <a:ext cx="6583680" cy="3291840"/>
-            <a:chOff x="464662" y="91440"/>
-            <a:chExt cx="6583680" cy="3291840"/>
+            <a:off x="1287780" y="0"/>
+            <a:ext cx="6568440" cy="3291840"/>
+            <a:chOff x="1371600" y="0"/>
+            <a:chExt cx="6568440" cy="3291840"/>
           </a:xfrm>
         </p:grpSpPr>
         <p:pic>
           <p:nvPicPr>
-            <p:cNvPr id="6" name="Picture 5" descr="cycle.randomsimplegraph.txt.png"/>
+            <p:cNvPr id="14" name="Picture 13" descr="cycle.randomsimplegraph.txt.png"/>
             <p:cNvPicPr>
               <a:picLocks noChangeAspect="1"/>
             </p:cNvPicPr>
@@ -4768,7 +4769,7 @@
           </p:blipFill>
           <p:spPr>
             <a:xfrm>
-              <a:off x="3756502" y="91440"/>
+              <a:off x="4648200" y="0"/>
               <a:ext cx="3291840" cy="3291840"/>
             </a:xfrm>
             <a:prstGeom prst="rect">
@@ -4778,7 +4779,7 @@
         </p:pic>
         <p:pic>
           <p:nvPicPr>
-            <p:cNvPr id="8" name="Picture 7" descr="cycle.TestV500E45K.bench.png"/>
+            <p:cNvPr id="16" name="Picture 15" descr="cycle.TestV500E45K.bench.png"/>
             <p:cNvPicPr>
               <a:picLocks noChangeAspect="1"/>
             </p:cNvPicPr>
@@ -4792,7 +4793,7 @@
           </p:blipFill>
           <p:spPr>
             <a:xfrm>
-              <a:off x="464662" y="91440"/>
+              <a:off x="1371600" y="0"/>
               <a:ext cx="3291840" cy="3291840"/>
             </a:xfrm>
             <a:prstGeom prst="rect">
@@ -4835,7 +4836,7 @@
       </p:grpSpPr>
       <p:pic>
         <p:nvPicPr>
-          <p:cNvPr id="10" name="Picture 9" descr="connected.randommultigraph.txt.png"/>
+          <p:cNvPr id="21" name="Picture 20" descr="connected.simplelineargraph.txt.png"/>
           <p:cNvPicPr>
             <a:picLocks noChangeAspect="1"/>
           </p:cNvPicPr>
@@ -4843,6 +4844,124 @@
         </p:nvPicPr>
         <p:blipFill>
           <a:blip r:embed="rId2" cstate="print"/>
+          <a:stretch>
+            <a:fillRect/>
+          </a:stretch>
+        </p:blipFill>
+        <p:spPr>
+          <a:xfrm>
+            <a:off x="6096000" y="3566160"/>
+            <a:ext cx="3291840" cy="3291840"/>
+          </a:xfrm>
+          <a:prstGeom prst="rect">
+            <a:avLst/>
+          </a:prstGeom>
+        </p:spPr>
+      </p:pic>
+      <p:sp>
+        <p:nvSpPr>
+          <p:cNvPr id="16" name="Oval 15"/>
+          <p:cNvSpPr/>
+          <p:nvPr/>
+        </p:nvSpPr>
+        <p:spPr>
+          <a:xfrm>
+            <a:off x="6477000" y="6019800"/>
+            <a:ext cx="1737360" cy="609600"/>
+          </a:xfrm>
+          <a:prstGeom prst="ellipse">
+            <a:avLst/>
+          </a:prstGeom>
+          <a:noFill/>
+          <a:ln>
+            <a:solidFill>
+              <a:srgbClr val="FF0000"/>
+            </a:solidFill>
+          </a:ln>
+        </p:spPr>
+        <p:style>
+          <a:lnRef idx="2">
+            <a:schemeClr val="accent6"/>
+          </a:lnRef>
+          <a:fillRef idx="1">
+            <a:schemeClr val="lt1"/>
+          </a:fillRef>
+          <a:effectRef idx="0">
+            <a:schemeClr val="accent6"/>
+          </a:effectRef>
+          <a:fontRef idx="minor">
+            <a:schemeClr val="dk1"/>
+          </a:fontRef>
+        </p:style>
+        <p:txBody>
+          <a:bodyPr rtlCol="0" anchor="ctr"/>
+          <a:lstStyle/>
+          <a:p>
+            <a:pPr algn="ctr"/>
+            <a:endParaRPr lang="en-US"/>
+          </a:p>
+        </p:txBody>
+      </p:sp>
+      <p:sp>
+        <p:nvSpPr>
+          <p:cNvPr id="17" name="TextBox 16"/>
+          <p:cNvSpPr txBox="1"/>
+          <p:nvPr/>
+        </p:nvSpPr>
+        <p:spPr>
+          <a:xfrm>
+            <a:off x="6629400" y="5257800"/>
+            <a:ext cx="1437445" cy="646331"/>
+          </a:xfrm>
+          <a:prstGeom prst="rect">
+            <a:avLst/>
+          </a:prstGeom>
+          <a:noFill/>
+        </p:spPr>
+        <p:txBody>
+          <a:bodyPr wrap="none" rtlCol="0">
+            <a:spAutoFit/>
+          </a:bodyPr>
+          <a:lstStyle/>
+          <a:p>
+            <a:pPr algn="ctr"/>
+            <a:r>
+              <a:rPr lang="en-US" dirty="0" smtClean="0">
+                <a:solidFill>
+                  <a:srgbClr val="FF0000"/>
+                </a:solidFill>
+              </a:rPr>
+              <a:t>No statistical </a:t>
+            </a:r>
+          </a:p>
+          <a:p>
+            <a:pPr algn="ctr"/>
+            <a:r>
+              <a:rPr lang="en-US" dirty="0" smtClean="0">
+                <a:solidFill>
+                  <a:srgbClr val="FF0000"/>
+                </a:solidFill>
+              </a:rPr>
+              <a:t>difference</a:t>
+            </a:r>
+            <a:endParaRPr lang="en-US" dirty="0">
+              <a:solidFill>
+                <a:srgbClr val="FF0000"/>
+              </a:solidFill>
+            </a:endParaRPr>
+          </a:p>
+        </p:txBody>
+      </p:sp>
+      <p:pic>
+        <p:nvPicPr>
+          <p:cNvPr id="18" name="Picture 17" descr="connected.randommultigraph.txt.png"/>
+          <p:cNvPicPr>
+            <a:picLocks noChangeAspect="1"/>
+          </p:cNvPicPr>
+          <p:nvPr/>
+        </p:nvPicPr>
+        <p:blipFill>
+          <a:blip r:embed="rId3" cstate="print"/>
           <a:stretch>
             <a:fillRect/>
           </a:stretch>
@@ -4859,14 +4978,14 @@
       </p:pic>
       <p:pic>
         <p:nvPicPr>
-          <p:cNvPr id="11" name="Picture 10" descr="connected.randompseudograph.txt.png"/>
+          <p:cNvPr id="19" name="Picture 18" descr="connected.randompseudograph.txt.png"/>
           <p:cNvPicPr>
             <a:picLocks noChangeAspect="1"/>
           </p:cNvPicPr>
           <p:nvPr/>
         </p:nvPicPr>
         <p:blipFill>
-          <a:blip r:embed="rId3" cstate="print"/>
+          <a:blip r:embed="rId4" cstate="print"/>
           <a:stretch>
             <a:fillRect/>
           </a:stretch>
@@ -4881,47 +5000,23 @@
           </a:prstGeom>
         </p:spPr>
       </p:pic>
-      <p:pic>
-        <p:nvPicPr>
-          <p:cNvPr id="13" name="Picture 12" descr="connected.simplelineargraph.txt.png"/>
-          <p:cNvPicPr>
-            <a:picLocks noChangeAspect="1"/>
-          </p:cNvPicPr>
-          <p:nvPr/>
-        </p:nvPicPr>
-        <p:blipFill>
-          <a:blip r:embed="rId4" cstate="print"/>
-          <a:stretch>
-            <a:fillRect/>
-          </a:stretch>
-        </p:blipFill>
-        <p:spPr>
-          <a:xfrm>
-            <a:off x="6096000" y="3566160"/>
-            <a:ext cx="3291840" cy="3291840"/>
-          </a:xfrm>
-          <a:prstGeom prst="rect">
-            <a:avLst/>
-          </a:prstGeom>
-        </p:spPr>
-      </p:pic>
       <p:grpSp>
         <p:nvGrpSpPr>
-          <p:cNvPr id="15" name="Group 14"/>
+          <p:cNvPr id="23" name="Group 22"/>
           <p:cNvGrpSpPr/>
           <p:nvPr/>
         </p:nvGrpSpPr>
         <p:grpSpPr>
           <a:xfrm>
-            <a:off x="1280160" y="274320"/>
-            <a:ext cx="6583680" cy="3291840"/>
-            <a:chOff x="0" y="0"/>
-            <a:chExt cx="6583680" cy="3291840"/>
+            <a:off x="1287780" y="0"/>
+            <a:ext cx="6568440" cy="3291840"/>
+            <a:chOff x="1600200" y="0"/>
+            <a:chExt cx="6568440" cy="3291840"/>
           </a:xfrm>
         </p:grpSpPr>
         <p:pic>
           <p:nvPicPr>
-            <p:cNvPr id="12" name="Picture 11" descr="connected.randomsimplegraph.txt.png"/>
+            <p:cNvPr id="20" name="Picture 19" descr="connected.randomsimplegraph.txt.png"/>
             <p:cNvPicPr>
               <a:picLocks noChangeAspect="1"/>
             </p:cNvPicPr>
@@ -4935,7 +5030,7 @@
           </p:blipFill>
           <p:spPr>
             <a:xfrm>
-              <a:off x="3291840" y="0"/>
+              <a:off x="4876800" y="0"/>
               <a:ext cx="3291840" cy="3291840"/>
             </a:xfrm>
             <a:prstGeom prst="rect">
@@ -4945,7 +5040,7 @@
         </p:pic>
         <p:pic>
           <p:nvPicPr>
-            <p:cNvPr id="14" name="Picture 13" descr="connected.TestV500E45K.bench.png"/>
+            <p:cNvPr id="22" name="Picture 21" descr="connected.TestV500E45K.bench.png"/>
             <p:cNvPicPr>
               <a:picLocks noChangeAspect="1"/>
             </p:cNvPicPr>
@@ -4959,7 +5054,7 @@
           </p:blipFill>
           <p:spPr>
             <a:xfrm>
-              <a:off x="0" y="0"/>
+              <a:off x="1600200" y="0"/>
               <a:ext cx="3291840" cy="3291840"/>
             </a:xfrm>
             <a:prstGeom prst="rect">
@@ -5002,7 +5097,7 @@
       </p:grpSpPr>
       <p:pic>
         <p:nvPicPr>
-          <p:cNvPr id="11" name="Picture 10" descr="mstPrim.randommultigraph.txt.png"/>
+          <p:cNvPr id="23" name="Picture 22" descr="mstPrim.randommultigraph.txt.png"/>
           <p:cNvPicPr>
             <a:picLocks noChangeAspect="1"/>
           </p:cNvPicPr>
@@ -5026,7 +5121,7 @@
       </p:pic>
       <p:pic>
         <p:nvPicPr>
-          <p:cNvPr id="12" name="Picture 11" descr="mstPrim.randompseudograph.txt.png"/>
+          <p:cNvPr id="24" name="Picture 23" descr="mstPrim.randompseudograph.txt.png"/>
           <p:cNvPicPr>
             <a:picLocks noChangeAspect="1"/>
           </p:cNvPicPr>
@@ -5040,7 +5135,7 @@
         </p:blipFill>
         <p:spPr>
           <a:xfrm>
-            <a:off x="3048000" y="3566160"/>
+            <a:off x="2971800" y="3566160"/>
             <a:ext cx="3291840" cy="3291840"/>
           </a:xfrm>
           <a:prstGeom prst="rect">
@@ -5050,7 +5145,7 @@
       </p:pic>
       <p:pic>
         <p:nvPicPr>
-          <p:cNvPr id="14" name="Picture 13" descr="mstPrim.simplelineargraph.txt.png"/>
+          <p:cNvPr id="26" name="Picture 25" descr="mstPrim.simplelineargraph.txt.png"/>
           <p:cNvPicPr>
             <a:picLocks noChangeAspect="1"/>
           </p:cNvPicPr>
@@ -5064,7 +5159,7 @@
         </p:blipFill>
         <p:spPr>
           <a:xfrm>
-            <a:off x="6096000" y="3566160"/>
+            <a:off x="6019800" y="3566160"/>
             <a:ext cx="3291840" cy="3291840"/>
           </a:xfrm>
           <a:prstGeom prst="rect">
@@ -5074,21 +5169,21 @@
       </p:pic>
       <p:grpSp>
         <p:nvGrpSpPr>
-          <p:cNvPr id="16" name="Group 15"/>
+          <p:cNvPr id="28" name="Group 27"/>
           <p:cNvGrpSpPr/>
           <p:nvPr/>
         </p:nvGrpSpPr>
         <p:grpSpPr>
           <a:xfrm>
-            <a:off x="1280160" y="124320"/>
-            <a:ext cx="6583680" cy="3291840"/>
-            <a:chOff x="609600" y="124320"/>
-            <a:chExt cx="6583680" cy="3291840"/>
+            <a:off x="1287780" y="0"/>
+            <a:ext cx="6568440" cy="3291840"/>
+            <a:chOff x="990600" y="0"/>
+            <a:chExt cx="6568440" cy="3291840"/>
           </a:xfrm>
         </p:grpSpPr>
         <p:pic>
           <p:nvPicPr>
-            <p:cNvPr id="13" name="Picture 12" descr="mstPrim.randomsimplegraph.txt.png"/>
+            <p:cNvPr id="25" name="Picture 24" descr="mstPrim.randomsimplegraph.txt.png"/>
             <p:cNvPicPr>
               <a:picLocks noChangeAspect="1"/>
             </p:cNvPicPr>
@@ -5102,7 +5197,7 @@
           </p:blipFill>
           <p:spPr>
             <a:xfrm>
-              <a:off x="3901440" y="124320"/>
+              <a:off x="4267200" y="0"/>
               <a:ext cx="3291840" cy="3291840"/>
             </a:xfrm>
             <a:prstGeom prst="rect">
@@ -5112,7 +5207,7 @@
         </p:pic>
         <p:pic>
           <p:nvPicPr>
-            <p:cNvPr id="15" name="Picture 14" descr="mstPrim.TestV500E45K.bench.png"/>
+            <p:cNvPr id="27" name="Picture 26" descr="mstPrim.TestV500E45K.bench.png"/>
             <p:cNvPicPr>
               <a:picLocks noChangeAspect="1"/>
             </p:cNvPicPr>
@@ -5126,7 +5221,7 @@
           </p:blipFill>
           <p:spPr>
             <a:xfrm>
-              <a:off x="609600" y="124320"/>
+              <a:off x="990600" y="0"/>
               <a:ext cx="3291840" cy="3291840"/>
             </a:xfrm>
             <a:prstGeom prst="rect">
@@ -5169,7 +5264,7 @@
       </p:grpSpPr>
       <p:pic>
         <p:nvPicPr>
-          <p:cNvPr id="10" name="Picture 9" descr="mstKruskal.randommultigraph.txt.png"/>
+          <p:cNvPr id="16" name="Picture 15" descr="mstKruskal.randommultigraph.txt.png"/>
           <p:cNvPicPr>
             <a:picLocks noChangeAspect="1"/>
           </p:cNvPicPr>
@@ -5193,7 +5288,7 @@
       </p:pic>
       <p:pic>
         <p:nvPicPr>
-          <p:cNvPr id="11" name="Picture 10" descr="mstKruskal.randompseudograph.txt.png"/>
+          <p:cNvPr id="17" name="Picture 16" descr="mstKruskal.randompseudograph.txt.png"/>
           <p:cNvPicPr>
             <a:picLocks noChangeAspect="1"/>
           </p:cNvPicPr>
@@ -5207,7 +5302,7 @@
         </p:blipFill>
         <p:spPr>
           <a:xfrm>
-            <a:off x="3124200" y="3566160"/>
+            <a:off x="3048000" y="3566160"/>
             <a:ext cx="3291840" cy="3291840"/>
           </a:xfrm>
           <a:prstGeom prst="rect">
@@ -5217,7 +5312,7 @@
       </p:pic>
       <p:pic>
         <p:nvPicPr>
-          <p:cNvPr id="13" name="Picture 12" descr="mstKruskal.simplelineargraph.txt.png"/>
+          <p:cNvPr id="19" name="Picture 18" descr="mstKruskal.simplelineargraph.txt.png"/>
           <p:cNvPicPr>
             <a:picLocks noChangeAspect="1"/>
           </p:cNvPicPr>
@@ -5231,7 +5326,7 @@
         </p:blipFill>
         <p:spPr>
           <a:xfrm>
-            <a:off x="6217920" y="3566160"/>
+            <a:off x="6096000" y="3566160"/>
             <a:ext cx="3291840" cy="3291840"/>
           </a:xfrm>
           <a:prstGeom prst="rect">
@@ -5241,21 +5336,21 @@
       </p:pic>
       <p:grpSp>
         <p:nvGrpSpPr>
-          <p:cNvPr id="15" name="Group 14"/>
+          <p:cNvPr id="21" name="Group 20"/>
           <p:cNvGrpSpPr/>
           <p:nvPr/>
         </p:nvGrpSpPr>
         <p:grpSpPr>
           <a:xfrm>
-            <a:off x="1280160" y="152400"/>
-            <a:ext cx="6583680" cy="3291840"/>
-            <a:chOff x="0" y="152400"/>
-            <a:chExt cx="6583680" cy="3291840"/>
+            <a:off x="1287780" y="0"/>
+            <a:ext cx="6568440" cy="3291840"/>
+            <a:chOff x="1371600" y="0"/>
+            <a:chExt cx="6568440" cy="3291840"/>
           </a:xfrm>
         </p:grpSpPr>
         <p:pic>
           <p:nvPicPr>
-            <p:cNvPr id="12" name="Picture 11" descr="mstKruskal.randomsimplegraph.txt.png"/>
+            <p:cNvPr id="18" name="Picture 17" descr="mstKruskal.randomsimplegraph.txt.png"/>
             <p:cNvPicPr>
               <a:picLocks noChangeAspect="1"/>
             </p:cNvPicPr>
@@ -5269,7 +5364,7 @@
           </p:blipFill>
           <p:spPr>
             <a:xfrm>
-              <a:off x="3291840" y="152400"/>
+              <a:off x="4648200" y="0"/>
               <a:ext cx="3291840" cy="3291840"/>
             </a:xfrm>
             <a:prstGeom prst="rect">
@@ -5279,7 +5374,7 @@
         </p:pic>
         <p:pic>
           <p:nvPicPr>
-            <p:cNvPr id="14" name="Picture 13" descr="mstKruskal.TestV500E45K.bench.png"/>
+            <p:cNvPr id="20" name="Picture 19" descr="mstKruskal.TestV500E45K.bench.png"/>
             <p:cNvPicPr>
               <a:picLocks noChangeAspect="1"/>
             </p:cNvPicPr>
@@ -5293,7 +5388,7 @@
           </p:blipFill>
           <p:spPr>
             <a:xfrm>
-              <a:off x="0" y="152400"/>
+              <a:off x="1371600" y="0"/>
               <a:ext cx="3291840" cy="3291840"/>
             </a:xfrm>
             <a:prstGeom prst="rect">
@@ -5336,21 +5431,21 @@
       </p:grpSpPr>
       <p:grpSp>
         <p:nvGrpSpPr>
-          <p:cNvPr id="14" name="Group 13"/>
+          <p:cNvPr id="20" name="Group 19"/>
           <p:cNvGrpSpPr/>
           <p:nvPr/>
         </p:nvGrpSpPr>
         <p:grpSpPr>
           <a:xfrm>
-            <a:off x="1173480" y="3566160"/>
-            <a:ext cx="6797040" cy="3291840"/>
-            <a:chOff x="914400" y="3566160"/>
-            <a:chExt cx="6797040" cy="3291840"/>
+            <a:off x="1249680" y="3566160"/>
+            <a:ext cx="6644640" cy="3291840"/>
+            <a:chOff x="1447800" y="3566160"/>
+            <a:chExt cx="6644640" cy="3291840"/>
           </a:xfrm>
         </p:grpSpPr>
         <p:pic>
           <p:nvPicPr>
-            <p:cNvPr id="10" name="Picture 9" descr="strongC.randommultigraph.txt.png"/>
+            <p:cNvPr id="16" name="Picture 15" descr="strongC.randommultigraph.txt.png"/>
             <p:cNvPicPr>
               <a:picLocks noChangeAspect="1"/>
             </p:cNvPicPr>
@@ -5364,7 +5459,7 @@
           </p:blipFill>
           <p:spPr>
             <a:xfrm>
-              <a:off x="914400" y="3566160"/>
+              <a:off x="1447800" y="3566160"/>
               <a:ext cx="3291840" cy="3291840"/>
             </a:xfrm>
             <a:prstGeom prst="rect">
@@ -5374,7 +5469,7 @@
         </p:pic>
         <p:pic>
           <p:nvPicPr>
-            <p:cNvPr id="11" name="Picture 10" descr="strongC.randompseudograph.txt.png"/>
+            <p:cNvPr id="17" name="Picture 16" descr="strongC.randompseudograph.txt.png"/>
             <p:cNvPicPr>
               <a:picLocks noChangeAspect="1"/>
             </p:cNvPicPr>
@@ -5388,7 +5483,7 @@
           </p:blipFill>
           <p:spPr>
             <a:xfrm>
-              <a:off x="4419600" y="3566160"/>
+              <a:off x="4800600" y="3566160"/>
               <a:ext cx="3291840" cy="3291840"/>
             </a:xfrm>
             <a:prstGeom prst="rect">
@@ -5399,21 +5494,21 @@
       </p:grpSp>
       <p:grpSp>
         <p:nvGrpSpPr>
-          <p:cNvPr id="15" name="Group 14"/>
+          <p:cNvPr id="21" name="Group 20"/>
           <p:cNvGrpSpPr/>
           <p:nvPr/>
         </p:nvGrpSpPr>
         <p:grpSpPr>
           <a:xfrm>
-            <a:off x="1173480" y="152400"/>
-            <a:ext cx="6797040" cy="3291840"/>
-            <a:chOff x="914400" y="152400"/>
-            <a:chExt cx="6797040" cy="3291840"/>
+            <a:off x="1249680" y="0"/>
+            <a:ext cx="6644640" cy="3291840"/>
+            <a:chOff x="1447800" y="0"/>
+            <a:chExt cx="6644640" cy="3291840"/>
           </a:xfrm>
         </p:grpSpPr>
         <p:pic>
           <p:nvPicPr>
-            <p:cNvPr id="12" name="Picture 11" descr="strongC.randomsimplegraph.txt.png"/>
+            <p:cNvPr id="18" name="Picture 17" descr="strongC.randomsimplegraph.txt.png"/>
             <p:cNvPicPr>
               <a:picLocks noChangeAspect="1"/>
             </p:cNvPicPr>
@@ -5427,7 +5522,7 @@
           </p:blipFill>
           <p:spPr>
             <a:xfrm>
-              <a:off x="4419600" y="152400"/>
+              <a:off x="4800600" y="0"/>
               <a:ext cx="3291840" cy="3291840"/>
             </a:xfrm>
             <a:prstGeom prst="rect">
@@ -5437,7 +5532,7 @@
         </p:pic>
         <p:pic>
           <p:nvPicPr>
-            <p:cNvPr id="13" name="Picture 12" descr="strongC.TestV500E45K.bench.png"/>
+            <p:cNvPr id="19" name="Picture 18" descr="strongC.TestV500E45K.bench.png"/>
             <p:cNvPicPr>
               <a:picLocks noChangeAspect="1"/>
             </p:cNvPicPr>
@@ -5451,7 +5546,7 @@
           </p:blipFill>
           <p:spPr>
             <a:xfrm>
-              <a:off x="914400" y="152400"/>
+              <a:off x="1447800" y="0"/>
               <a:ext cx="3291840" cy="3291840"/>
             </a:xfrm>
             <a:prstGeom prst="rect">
@@ -5534,7 +5629,15 @@
           <a:p>
             <a:r>
               <a:rPr lang="en-US" dirty="0" smtClean="0"/>
-              <a:t>GPL is at least as fast as the other implementations with the provided 500 </a:t>
+              <a:t>GPL is at least as fast as the other implementations for most </a:t>
+            </a:r>
+            <a:r>
+              <a:rPr lang="en-US" dirty="0" err="1" smtClean="0"/>
+              <a:t>algorithmswith</a:t>
+            </a:r>
+            <a:r>
+              <a:rPr lang="en-US" dirty="0" smtClean="0"/>
+              <a:t> the provided 500 </a:t>
             </a:r>
             <a:r>
               <a:rPr lang="en-US" dirty="0" err="1" smtClean="0"/>
